--- a/CV/ViT/사용환경_구조.pptx
+++ b/CV/ViT/사용환경_구조.pptx
@@ -8,6 +8,7 @@
     <p:sldId id="256" r:id="rId2"/>
     <p:sldId id="257" r:id="rId3"/>
     <p:sldId id="258" r:id="rId4"/>
+    <p:sldId id="259" r:id="rId5"/>
   </p:sldIdLst>
   <p:sldSz cx="12192000" cy="6858000"/>
   <p:notesSz cx="6858000" cy="9144000"/>
@@ -106,6 +107,11 @@
       </a:defRPr>
     </a:lvl9pPr>
   </p:defaultTextStyle>
+  <p:extLst>
+    <p:ext uri="{EFAFB233-063F-42B5-8137-9DF3F51BA10A}">
+      <p15:sldGuideLst xmlns:p15="http://schemas.microsoft.com/office/powerpoint/2012/main"/>
+    </p:ext>
+  </p:extLst>
 </p:presentation>
 </file>
 
@@ -256,7 +262,7 @@
           <a:p>
             <a:fld id="{0770A4E4-B888-4E25-91AA-B4F831814B05}" type="datetimeFigureOut">
               <a:rPr lang="ko-KR" altLang="en-US" smtClean="0"/>
-              <a:t>2023-08-08</a:t>
+              <a:t>2023-08-09</a:t>
             </a:fld>
             <a:endParaRPr lang="ko-KR" altLang="en-US"/>
           </a:p>
@@ -454,7 +460,7 @@
           <a:p>
             <a:fld id="{0770A4E4-B888-4E25-91AA-B4F831814B05}" type="datetimeFigureOut">
               <a:rPr lang="ko-KR" altLang="en-US" smtClean="0"/>
-              <a:t>2023-08-08</a:t>
+              <a:t>2023-08-09</a:t>
             </a:fld>
             <a:endParaRPr lang="ko-KR" altLang="en-US"/>
           </a:p>
@@ -662,7 +668,7 @@
           <a:p>
             <a:fld id="{0770A4E4-B888-4E25-91AA-B4F831814B05}" type="datetimeFigureOut">
               <a:rPr lang="ko-KR" altLang="en-US" smtClean="0"/>
-              <a:t>2023-08-08</a:t>
+              <a:t>2023-08-09</a:t>
             </a:fld>
             <a:endParaRPr lang="ko-KR" altLang="en-US"/>
           </a:p>
@@ -860,7 +866,7 @@
           <a:p>
             <a:fld id="{0770A4E4-B888-4E25-91AA-B4F831814B05}" type="datetimeFigureOut">
               <a:rPr lang="ko-KR" altLang="en-US" smtClean="0"/>
-              <a:t>2023-08-08</a:t>
+              <a:t>2023-08-09</a:t>
             </a:fld>
             <a:endParaRPr lang="ko-KR" altLang="en-US"/>
           </a:p>
@@ -1135,7 +1141,7 @@
           <a:p>
             <a:fld id="{0770A4E4-B888-4E25-91AA-B4F831814B05}" type="datetimeFigureOut">
               <a:rPr lang="ko-KR" altLang="en-US" smtClean="0"/>
-              <a:t>2023-08-08</a:t>
+              <a:t>2023-08-09</a:t>
             </a:fld>
             <a:endParaRPr lang="ko-KR" altLang="en-US"/>
           </a:p>
@@ -1400,7 +1406,7 @@
           <a:p>
             <a:fld id="{0770A4E4-B888-4E25-91AA-B4F831814B05}" type="datetimeFigureOut">
               <a:rPr lang="ko-KR" altLang="en-US" smtClean="0"/>
-              <a:t>2023-08-08</a:t>
+              <a:t>2023-08-09</a:t>
             </a:fld>
             <a:endParaRPr lang="ko-KR" altLang="en-US"/>
           </a:p>
@@ -1812,7 +1818,7 @@
           <a:p>
             <a:fld id="{0770A4E4-B888-4E25-91AA-B4F831814B05}" type="datetimeFigureOut">
               <a:rPr lang="ko-KR" altLang="en-US" smtClean="0"/>
-              <a:t>2023-08-08</a:t>
+              <a:t>2023-08-09</a:t>
             </a:fld>
             <a:endParaRPr lang="ko-KR" altLang="en-US"/>
           </a:p>
@@ -1953,7 +1959,7 @@
           <a:p>
             <a:fld id="{0770A4E4-B888-4E25-91AA-B4F831814B05}" type="datetimeFigureOut">
               <a:rPr lang="ko-KR" altLang="en-US" smtClean="0"/>
-              <a:t>2023-08-08</a:t>
+              <a:t>2023-08-09</a:t>
             </a:fld>
             <a:endParaRPr lang="ko-KR" altLang="en-US"/>
           </a:p>
@@ -2066,7 +2072,7 @@
           <a:p>
             <a:fld id="{0770A4E4-B888-4E25-91AA-B4F831814B05}" type="datetimeFigureOut">
               <a:rPr lang="ko-KR" altLang="en-US" smtClean="0"/>
-              <a:t>2023-08-08</a:t>
+              <a:t>2023-08-09</a:t>
             </a:fld>
             <a:endParaRPr lang="ko-KR" altLang="en-US"/>
           </a:p>
@@ -2377,7 +2383,7 @@
           <a:p>
             <a:fld id="{0770A4E4-B888-4E25-91AA-B4F831814B05}" type="datetimeFigureOut">
               <a:rPr lang="ko-KR" altLang="en-US" smtClean="0"/>
-              <a:t>2023-08-08</a:t>
+              <a:t>2023-08-09</a:t>
             </a:fld>
             <a:endParaRPr lang="ko-KR" altLang="en-US"/>
           </a:p>
@@ -2665,7 +2671,7 @@
           <a:p>
             <a:fld id="{0770A4E4-B888-4E25-91AA-B4F831814B05}" type="datetimeFigureOut">
               <a:rPr lang="ko-KR" altLang="en-US" smtClean="0"/>
-              <a:t>2023-08-08</a:t>
+              <a:t>2023-08-09</a:t>
             </a:fld>
             <a:endParaRPr lang="ko-KR" altLang="en-US"/>
           </a:p>
@@ -2906,7 +2912,7 @@
           <a:p>
             <a:fld id="{0770A4E4-B888-4E25-91AA-B4F831814B05}" type="datetimeFigureOut">
               <a:rPr lang="ko-KR" altLang="en-US" smtClean="0"/>
-              <a:t>2023-08-08</a:t>
+              <a:t>2023-08-09</a:t>
             </a:fld>
             <a:endParaRPr lang="ko-KR" altLang="en-US"/>
           </a:p>
@@ -4924,466 +4930,4755 @@
           <a:chExt cx="0" cy="0"/>
         </a:xfrm>
       </p:grpSpPr>
-      <p:cxnSp>
-        <p:nvCxnSpPr>
-          <p:cNvPr id="5" name="직선 연결선 4">
+      <p:grpSp>
+        <p:nvGrpSpPr>
+          <p:cNvPr id="78" name="그룹 77">
             <a:extLst>
               <a:ext uri="{FF2B5EF4-FFF2-40B4-BE49-F238E27FC236}">
-                <a16:creationId xmlns:a16="http://schemas.microsoft.com/office/drawing/2014/main" id="{C64B2BE6-2D7E-1584-7E3C-C7825F9DC9CE}"/>
+                <a16:creationId xmlns:a16="http://schemas.microsoft.com/office/drawing/2014/main" id="{6BAE12CD-0085-3887-5B42-A7C53AD09D6A}"/>
               </a:ext>
             </a:extLst>
           </p:cNvPr>
-          <p:cNvCxnSpPr/>
+          <p:cNvGrpSpPr/>
           <p:nvPr/>
-        </p:nvCxnSpPr>
-        <p:spPr>
+        </p:nvGrpSpPr>
+        <p:grpSpPr>
           <a:xfrm>
-            <a:off x="1267564" y="1985819"/>
-            <a:ext cx="3600000" cy="0"/>
+            <a:off x="1267564" y="1440147"/>
+            <a:ext cx="9153355" cy="1988853"/>
+            <a:chOff x="1267564" y="1440147"/>
+            <a:chExt cx="9153355" cy="1988853"/>
           </a:xfrm>
-          <a:prstGeom prst="line">
-            <a:avLst/>
-          </a:prstGeom>
-        </p:spPr>
-        <p:style>
-          <a:lnRef idx="1">
-            <a:schemeClr val="accent1"/>
-          </a:lnRef>
-          <a:fillRef idx="0">
-            <a:schemeClr val="accent1"/>
-          </a:fillRef>
-          <a:effectRef idx="0">
-            <a:schemeClr val="accent1"/>
-          </a:effectRef>
-          <a:fontRef idx="minor">
-            <a:schemeClr val="tx1"/>
-          </a:fontRef>
-        </p:style>
-      </p:cxnSp>
-      <p:cxnSp>
-        <p:nvCxnSpPr>
-          <p:cNvPr id="6" name="직선 연결선 5">
+        </p:grpSpPr>
+        <p:grpSp>
+          <p:nvGrpSpPr>
+            <p:cNvPr id="75" name="그룹 74">
+              <a:extLst>
+                <a:ext uri="{FF2B5EF4-FFF2-40B4-BE49-F238E27FC236}">
+                  <a16:creationId xmlns:a16="http://schemas.microsoft.com/office/drawing/2014/main" id="{86D9D580-926C-46DF-F39C-638802D98C10}"/>
+                </a:ext>
+              </a:extLst>
+            </p:cNvPr>
+            <p:cNvGrpSpPr/>
+            <p:nvPr/>
+          </p:nvGrpSpPr>
+          <p:grpSpPr>
+            <a:xfrm>
+              <a:off x="1267564" y="1440147"/>
+              <a:ext cx="8344327" cy="1988853"/>
+              <a:chOff x="1267564" y="1440147"/>
+              <a:chExt cx="8344327" cy="1988853"/>
+            </a:xfrm>
+          </p:grpSpPr>
+          <p:cxnSp>
+            <p:nvCxnSpPr>
+              <p:cNvPr id="5" name="직선 연결선 4">
+                <a:extLst>
+                  <a:ext uri="{FF2B5EF4-FFF2-40B4-BE49-F238E27FC236}">
+                    <a16:creationId xmlns:a16="http://schemas.microsoft.com/office/drawing/2014/main" id="{C64B2BE6-2D7E-1584-7E3C-C7825F9DC9CE}"/>
+                  </a:ext>
+                </a:extLst>
+              </p:cNvPr>
+              <p:cNvCxnSpPr/>
+              <p:nvPr/>
+            </p:nvCxnSpPr>
+            <p:spPr>
+              <a:xfrm>
+                <a:off x="1267564" y="1985819"/>
+                <a:ext cx="3600000" cy="0"/>
+              </a:xfrm>
+              <a:prstGeom prst="line">
+                <a:avLst/>
+              </a:prstGeom>
+            </p:spPr>
+            <p:style>
+              <a:lnRef idx="1">
+                <a:schemeClr val="accent1"/>
+              </a:lnRef>
+              <a:fillRef idx="0">
+                <a:schemeClr val="accent1"/>
+              </a:fillRef>
+              <a:effectRef idx="0">
+                <a:schemeClr val="accent1"/>
+              </a:effectRef>
+              <a:fontRef idx="minor">
+                <a:schemeClr val="tx1"/>
+              </a:fontRef>
+            </p:style>
+          </p:cxnSp>
+          <p:cxnSp>
+            <p:nvCxnSpPr>
+              <p:cNvPr id="6" name="직선 연결선 5">
+                <a:extLst>
+                  <a:ext uri="{FF2B5EF4-FFF2-40B4-BE49-F238E27FC236}">
+                    <a16:creationId xmlns:a16="http://schemas.microsoft.com/office/drawing/2014/main" id="{0B2181C4-6D3D-06F9-1678-209B5EF51BB3}"/>
+                  </a:ext>
+                </a:extLst>
+              </p:cNvPr>
+              <p:cNvCxnSpPr>
+                <a:cxnSpLocks/>
+              </p:cNvCxnSpPr>
+              <p:nvPr/>
+            </p:nvCxnSpPr>
+            <p:spPr>
+              <a:xfrm rot="5400000">
+                <a:off x="1213564" y="2039819"/>
+                <a:ext cx="108000" cy="0"/>
+              </a:xfrm>
+              <a:prstGeom prst="line">
+                <a:avLst/>
+              </a:prstGeom>
+            </p:spPr>
+            <p:style>
+              <a:lnRef idx="1">
+                <a:schemeClr val="accent1"/>
+              </a:lnRef>
+              <a:fillRef idx="0">
+                <a:schemeClr val="accent1"/>
+              </a:fillRef>
+              <a:effectRef idx="0">
+                <a:schemeClr val="accent1"/>
+              </a:effectRef>
+              <a:fontRef idx="minor">
+                <a:schemeClr val="tx1"/>
+              </a:fontRef>
+            </p:style>
+          </p:cxnSp>
+          <p:cxnSp>
+            <p:nvCxnSpPr>
+              <p:cNvPr id="7" name="직선 연결선 6">
+                <a:extLst>
+                  <a:ext uri="{FF2B5EF4-FFF2-40B4-BE49-F238E27FC236}">
+                    <a16:creationId xmlns:a16="http://schemas.microsoft.com/office/drawing/2014/main" id="{81207BE1-AB3F-B74B-323E-BF5A8847F8C4}"/>
+                  </a:ext>
+                </a:extLst>
+              </p:cNvPr>
+              <p:cNvCxnSpPr>
+                <a:cxnSpLocks/>
+              </p:cNvCxnSpPr>
+              <p:nvPr/>
+            </p:nvCxnSpPr>
+            <p:spPr>
+              <a:xfrm rot="5400000">
+                <a:off x="4809131" y="2039819"/>
+                <a:ext cx="108000" cy="0"/>
+              </a:xfrm>
+              <a:prstGeom prst="line">
+                <a:avLst/>
+              </a:prstGeom>
+            </p:spPr>
+            <p:style>
+              <a:lnRef idx="1">
+                <a:schemeClr val="accent1"/>
+              </a:lnRef>
+              <a:fillRef idx="0">
+                <a:schemeClr val="accent1"/>
+              </a:fillRef>
+              <a:effectRef idx="0">
+                <a:schemeClr val="accent1"/>
+              </a:effectRef>
+              <a:fontRef idx="minor">
+                <a:schemeClr val="tx1"/>
+              </a:fontRef>
+            </p:style>
+          </p:cxnSp>
+          <p:cxnSp>
+            <p:nvCxnSpPr>
+              <p:cNvPr id="8" name="직선 연결선 7">
+                <a:extLst>
+                  <a:ext uri="{FF2B5EF4-FFF2-40B4-BE49-F238E27FC236}">
+                    <a16:creationId xmlns:a16="http://schemas.microsoft.com/office/drawing/2014/main" id="{5498240A-37C0-F53B-3C03-62B4008325A5}"/>
+                  </a:ext>
+                </a:extLst>
+              </p:cNvPr>
+              <p:cNvCxnSpPr>
+                <a:cxnSpLocks/>
+              </p:cNvCxnSpPr>
+              <p:nvPr/>
+            </p:nvCxnSpPr>
+            <p:spPr>
+              <a:xfrm rot="5400000">
+                <a:off x="3011349" y="2039819"/>
+                <a:ext cx="108000" cy="0"/>
+              </a:xfrm>
+              <a:prstGeom prst="line">
+                <a:avLst/>
+              </a:prstGeom>
+            </p:spPr>
+            <p:style>
+              <a:lnRef idx="1">
+                <a:schemeClr val="accent1"/>
+              </a:lnRef>
+              <a:fillRef idx="0">
+                <a:schemeClr val="accent1"/>
+              </a:fillRef>
+              <a:effectRef idx="0">
+                <a:schemeClr val="accent1"/>
+              </a:effectRef>
+              <a:fontRef idx="minor">
+                <a:schemeClr val="tx1"/>
+              </a:fontRef>
+            </p:style>
+          </p:cxnSp>
+          <p:cxnSp>
+            <p:nvCxnSpPr>
+              <p:cNvPr id="9" name="직선 연결선 8">
+                <a:extLst>
+                  <a:ext uri="{FF2B5EF4-FFF2-40B4-BE49-F238E27FC236}">
+                    <a16:creationId xmlns:a16="http://schemas.microsoft.com/office/drawing/2014/main" id="{2AE88422-A168-A7DC-65D9-DEB3810AA5E7}"/>
+                  </a:ext>
+                </a:extLst>
+              </p:cNvPr>
+              <p:cNvCxnSpPr>
+                <a:cxnSpLocks/>
+              </p:cNvCxnSpPr>
+              <p:nvPr/>
+            </p:nvCxnSpPr>
+            <p:spPr>
+              <a:xfrm rot="5400000">
+                <a:off x="2651792" y="2039819"/>
+                <a:ext cx="108000" cy="0"/>
+              </a:xfrm>
+              <a:prstGeom prst="line">
+                <a:avLst/>
+              </a:prstGeom>
+            </p:spPr>
+            <p:style>
+              <a:lnRef idx="1">
+                <a:schemeClr val="accent1"/>
+              </a:lnRef>
+              <a:fillRef idx="0">
+                <a:schemeClr val="accent1"/>
+              </a:fillRef>
+              <a:effectRef idx="0">
+                <a:schemeClr val="accent1"/>
+              </a:effectRef>
+              <a:fontRef idx="minor">
+                <a:schemeClr val="tx1"/>
+              </a:fontRef>
+            </p:style>
+          </p:cxnSp>
+          <p:cxnSp>
+            <p:nvCxnSpPr>
+              <p:cNvPr id="10" name="직선 연결선 9">
+                <a:extLst>
+                  <a:ext uri="{FF2B5EF4-FFF2-40B4-BE49-F238E27FC236}">
+                    <a16:creationId xmlns:a16="http://schemas.microsoft.com/office/drawing/2014/main" id="{55BFF650-7152-8241-B83B-67DFB55AE14D}"/>
+                  </a:ext>
+                </a:extLst>
+              </p:cNvPr>
+              <p:cNvCxnSpPr>
+                <a:cxnSpLocks/>
+              </p:cNvCxnSpPr>
+              <p:nvPr/>
+            </p:nvCxnSpPr>
+            <p:spPr>
+              <a:xfrm rot="5400000">
+                <a:off x="1932678" y="2039819"/>
+                <a:ext cx="108000" cy="0"/>
+              </a:xfrm>
+              <a:prstGeom prst="line">
+                <a:avLst/>
+              </a:prstGeom>
+            </p:spPr>
+            <p:style>
+              <a:lnRef idx="1">
+                <a:schemeClr val="accent1"/>
+              </a:lnRef>
+              <a:fillRef idx="0">
+                <a:schemeClr val="accent1"/>
+              </a:fillRef>
+              <a:effectRef idx="0">
+                <a:schemeClr val="accent1"/>
+              </a:effectRef>
+              <a:fontRef idx="minor">
+                <a:schemeClr val="tx1"/>
+              </a:fontRef>
+            </p:style>
+          </p:cxnSp>
+          <p:cxnSp>
+            <p:nvCxnSpPr>
+              <p:cNvPr id="11" name="직선 연결선 10">
+                <a:extLst>
+                  <a:ext uri="{FF2B5EF4-FFF2-40B4-BE49-F238E27FC236}">
+                    <a16:creationId xmlns:a16="http://schemas.microsoft.com/office/drawing/2014/main" id="{6158F1D6-CA01-2C37-F008-8704CDCFA462}"/>
+                  </a:ext>
+                </a:extLst>
+              </p:cNvPr>
+              <p:cNvCxnSpPr>
+                <a:cxnSpLocks/>
+              </p:cNvCxnSpPr>
+              <p:nvPr/>
+            </p:nvCxnSpPr>
+            <p:spPr>
+              <a:xfrm rot="5400000">
+                <a:off x="1573121" y="2039819"/>
+                <a:ext cx="108000" cy="0"/>
+              </a:xfrm>
+              <a:prstGeom prst="line">
+                <a:avLst/>
+              </a:prstGeom>
+            </p:spPr>
+            <p:style>
+              <a:lnRef idx="1">
+                <a:schemeClr val="accent1"/>
+              </a:lnRef>
+              <a:fillRef idx="0">
+                <a:schemeClr val="accent1"/>
+              </a:fillRef>
+              <a:effectRef idx="0">
+                <a:schemeClr val="accent1"/>
+              </a:effectRef>
+              <a:fontRef idx="minor">
+                <a:schemeClr val="tx1"/>
+              </a:fontRef>
+            </p:style>
+          </p:cxnSp>
+          <p:cxnSp>
+            <p:nvCxnSpPr>
+              <p:cNvPr id="12" name="직선 연결선 11">
+                <a:extLst>
+                  <a:ext uri="{FF2B5EF4-FFF2-40B4-BE49-F238E27FC236}">
+                    <a16:creationId xmlns:a16="http://schemas.microsoft.com/office/drawing/2014/main" id="{DC4BEDD0-4F71-55C4-ADEE-8495758F4A80}"/>
+                  </a:ext>
+                </a:extLst>
+              </p:cNvPr>
+              <p:cNvCxnSpPr>
+                <a:cxnSpLocks/>
+              </p:cNvCxnSpPr>
+              <p:nvPr/>
+            </p:nvCxnSpPr>
+            <p:spPr>
+              <a:xfrm rot="5400000">
+                <a:off x="2292235" y="2039819"/>
+                <a:ext cx="108000" cy="0"/>
+              </a:xfrm>
+              <a:prstGeom prst="line">
+                <a:avLst/>
+              </a:prstGeom>
+            </p:spPr>
+            <p:style>
+              <a:lnRef idx="1">
+                <a:schemeClr val="accent1"/>
+              </a:lnRef>
+              <a:fillRef idx="0">
+                <a:schemeClr val="accent1"/>
+              </a:fillRef>
+              <a:effectRef idx="0">
+                <a:schemeClr val="accent1"/>
+              </a:effectRef>
+              <a:fontRef idx="minor">
+                <a:schemeClr val="tx1"/>
+              </a:fontRef>
+            </p:style>
+          </p:cxnSp>
+          <p:cxnSp>
+            <p:nvCxnSpPr>
+              <p:cNvPr id="13" name="직선 연결선 12">
+                <a:extLst>
+                  <a:ext uri="{FF2B5EF4-FFF2-40B4-BE49-F238E27FC236}">
+                    <a16:creationId xmlns:a16="http://schemas.microsoft.com/office/drawing/2014/main" id="{9F70C0EE-DFD1-CF81-F0B3-1B6CF4062C01}"/>
+                  </a:ext>
+                </a:extLst>
+              </p:cNvPr>
+              <p:cNvCxnSpPr>
+                <a:cxnSpLocks/>
+              </p:cNvCxnSpPr>
+              <p:nvPr/>
+            </p:nvCxnSpPr>
+            <p:spPr>
+              <a:xfrm rot="5400000">
+                <a:off x="4449577" y="2039819"/>
+                <a:ext cx="108000" cy="0"/>
+              </a:xfrm>
+              <a:prstGeom prst="line">
+                <a:avLst/>
+              </a:prstGeom>
+            </p:spPr>
+            <p:style>
+              <a:lnRef idx="1">
+                <a:schemeClr val="accent1"/>
+              </a:lnRef>
+              <a:fillRef idx="0">
+                <a:schemeClr val="accent1"/>
+              </a:fillRef>
+              <a:effectRef idx="0">
+                <a:schemeClr val="accent1"/>
+              </a:effectRef>
+              <a:fontRef idx="minor">
+                <a:schemeClr val="tx1"/>
+              </a:fontRef>
+            </p:style>
+          </p:cxnSp>
+          <p:cxnSp>
+            <p:nvCxnSpPr>
+              <p:cNvPr id="14" name="직선 연결선 13">
+                <a:extLst>
+                  <a:ext uri="{FF2B5EF4-FFF2-40B4-BE49-F238E27FC236}">
+                    <a16:creationId xmlns:a16="http://schemas.microsoft.com/office/drawing/2014/main" id="{8EDA4DE7-6DF2-96EE-C7AE-EC2DC8E60E43}"/>
+                  </a:ext>
+                </a:extLst>
+              </p:cNvPr>
+              <p:cNvCxnSpPr>
+                <a:cxnSpLocks/>
+              </p:cNvCxnSpPr>
+              <p:nvPr/>
+            </p:nvCxnSpPr>
+            <p:spPr>
+              <a:xfrm rot="5400000">
+                <a:off x="3730463" y="2039819"/>
+                <a:ext cx="108000" cy="0"/>
+              </a:xfrm>
+              <a:prstGeom prst="line">
+                <a:avLst/>
+              </a:prstGeom>
+            </p:spPr>
+            <p:style>
+              <a:lnRef idx="1">
+                <a:schemeClr val="accent1"/>
+              </a:lnRef>
+              <a:fillRef idx="0">
+                <a:schemeClr val="accent1"/>
+              </a:fillRef>
+              <a:effectRef idx="0">
+                <a:schemeClr val="accent1"/>
+              </a:effectRef>
+              <a:fontRef idx="minor">
+                <a:schemeClr val="tx1"/>
+              </a:fontRef>
+            </p:style>
+          </p:cxnSp>
+          <p:cxnSp>
+            <p:nvCxnSpPr>
+              <p:cNvPr id="15" name="직선 연결선 14">
+                <a:extLst>
+                  <a:ext uri="{FF2B5EF4-FFF2-40B4-BE49-F238E27FC236}">
+                    <a16:creationId xmlns:a16="http://schemas.microsoft.com/office/drawing/2014/main" id="{AB9A8F8F-C1A4-B22E-A68C-80A142204A31}"/>
+                  </a:ext>
+                </a:extLst>
+              </p:cNvPr>
+              <p:cNvCxnSpPr>
+                <a:cxnSpLocks/>
+              </p:cNvCxnSpPr>
+              <p:nvPr/>
+            </p:nvCxnSpPr>
+            <p:spPr>
+              <a:xfrm rot="5400000">
+                <a:off x="3370906" y="2039819"/>
+                <a:ext cx="108000" cy="0"/>
+              </a:xfrm>
+              <a:prstGeom prst="line">
+                <a:avLst/>
+              </a:prstGeom>
+            </p:spPr>
+            <p:style>
+              <a:lnRef idx="1">
+                <a:schemeClr val="accent1"/>
+              </a:lnRef>
+              <a:fillRef idx="0">
+                <a:schemeClr val="accent1"/>
+              </a:fillRef>
+              <a:effectRef idx="0">
+                <a:schemeClr val="accent1"/>
+              </a:effectRef>
+              <a:fontRef idx="minor">
+                <a:schemeClr val="tx1"/>
+              </a:fontRef>
+            </p:style>
+          </p:cxnSp>
+          <p:cxnSp>
+            <p:nvCxnSpPr>
+              <p:cNvPr id="16" name="직선 연결선 15">
+                <a:extLst>
+                  <a:ext uri="{FF2B5EF4-FFF2-40B4-BE49-F238E27FC236}">
+                    <a16:creationId xmlns:a16="http://schemas.microsoft.com/office/drawing/2014/main" id="{8F82C57C-BCC1-AAC8-BFD4-A890279084BE}"/>
+                  </a:ext>
+                </a:extLst>
+              </p:cNvPr>
+              <p:cNvCxnSpPr>
+                <a:cxnSpLocks/>
+              </p:cNvCxnSpPr>
+              <p:nvPr/>
+            </p:nvCxnSpPr>
+            <p:spPr>
+              <a:xfrm rot="5400000">
+                <a:off x="4090020" y="2039819"/>
+                <a:ext cx="108000" cy="0"/>
+              </a:xfrm>
+              <a:prstGeom prst="line">
+                <a:avLst/>
+              </a:prstGeom>
+            </p:spPr>
+            <p:style>
+              <a:lnRef idx="1">
+                <a:schemeClr val="accent1"/>
+              </a:lnRef>
+              <a:fillRef idx="0">
+                <a:schemeClr val="accent1"/>
+              </a:fillRef>
+              <a:effectRef idx="0">
+                <a:schemeClr val="accent1"/>
+              </a:effectRef>
+              <a:fontRef idx="minor">
+                <a:schemeClr val="tx1"/>
+              </a:fontRef>
+            </p:style>
+          </p:cxnSp>
+          <p:sp>
+            <p:nvSpPr>
+              <p:cNvPr id="17" name="타원 16">
+                <a:extLst>
+                  <a:ext uri="{FF2B5EF4-FFF2-40B4-BE49-F238E27FC236}">
+                    <a16:creationId xmlns:a16="http://schemas.microsoft.com/office/drawing/2014/main" id="{F8523104-1AB3-8414-82B0-8D309E77128D}"/>
+                  </a:ext>
+                </a:extLst>
+              </p:cNvPr>
+              <p:cNvSpPr/>
+              <p:nvPr/>
+            </p:nvSpPr>
+            <p:spPr>
+              <a:xfrm>
+                <a:off x="3011349" y="1877821"/>
+                <a:ext cx="108000" cy="108000"/>
+              </a:xfrm>
+              <a:prstGeom prst="ellipse">
+                <a:avLst/>
+              </a:prstGeom>
+              <a:solidFill>
+                <a:srgbClr val="FF0000"/>
+              </a:solidFill>
+              <a:ln w="6350">
+                <a:solidFill>
+                  <a:schemeClr val="bg1"/>
+                </a:solidFill>
+              </a:ln>
+            </p:spPr>
+            <p:style>
+              <a:lnRef idx="2">
+                <a:schemeClr val="accent1">
+                  <a:shade val="15000"/>
+                </a:schemeClr>
+              </a:lnRef>
+              <a:fillRef idx="1">
+                <a:schemeClr val="accent1"/>
+              </a:fillRef>
+              <a:effectRef idx="0">
+                <a:schemeClr val="accent1"/>
+              </a:effectRef>
+              <a:fontRef idx="minor">
+                <a:schemeClr val="lt1"/>
+              </a:fontRef>
+            </p:style>
+            <p:txBody>
+              <a:bodyPr rtlCol="0" anchor="ctr"/>
+              <a:lstStyle/>
+              <a:p>
+                <a:pPr algn="ctr"/>
+                <a:endParaRPr lang="ko-KR" altLang="en-US"/>
+              </a:p>
+            </p:txBody>
+          </p:sp>
+          <p:sp>
+            <p:nvSpPr>
+              <p:cNvPr id="18" name="타원 17">
+                <a:extLst>
+                  <a:ext uri="{FF2B5EF4-FFF2-40B4-BE49-F238E27FC236}">
+                    <a16:creationId xmlns:a16="http://schemas.microsoft.com/office/drawing/2014/main" id="{A573D3B4-A0F7-337C-757D-AC8E22A3553F}"/>
+                  </a:ext>
+                </a:extLst>
+              </p:cNvPr>
+              <p:cNvSpPr/>
+              <p:nvPr/>
+            </p:nvSpPr>
+            <p:spPr>
+              <a:xfrm>
+                <a:off x="3011349" y="1769820"/>
+                <a:ext cx="108000" cy="108000"/>
+              </a:xfrm>
+              <a:prstGeom prst="ellipse">
+                <a:avLst/>
+              </a:prstGeom>
+              <a:solidFill>
+                <a:srgbClr val="FF0000"/>
+              </a:solidFill>
+              <a:ln w="6350">
+                <a:solidFill>
+                  <a:schemeClr val="bg1"/>
+                </a:solidFill>
+              </a:ln>
+            </p:spPr>
+            <p:style>
+              <a:lnRef idx="2">
+                <a:schemeClr val="accent1">
+                  <a:shade val="15000"/>
+                </a:schemeClr>
+              </a:lnRef>
+              <a:fillRef idx="1">
+                <a:schemeClr val="accent1"/>
+              </a:fillRef>
+              <a:effectRef idx="0">
+                <a:schemeClr val="accent1"/>
+              </a:effectRef>
+              <a:fontRef idx="minor">
+                <a:schemeClr val="lt1"/>
+              </a:fontRef>
+            </p:style>
+            <p:txBody>
+              <a:bodyPr rtlCol="0" anchor="ctr"/>
+              <a:lstStyle/>
+              <a:p>
+                <a:pPr algn="ctr"/>
+                <a:endParaRPr lang="ko-KR" altLang="en-US"/>
+              </a:p>
+            </p:txBody>
+          </p:sp>
+          <p:sp>
+            <p:nvSpPr>
+              <p:cNvPr id="19" name="타원 18">
+                <a:extLst>
+                  <a:ext uri="{FF2B5EF4-FFF2-40B4-BE49-F238E27FC236}">
+                    <a16:creationId xmlns:a16="http://schemas.microsoft.com/office/drawing/2014/main" id="{985E575C-5CF8-65EB-5422-4B499DCA4B8D}"/>
+                  </a:ext>
+                </a:extLst>
+              </p:cNvPr>
+              <p:cNvSpPr/>
+              <p:nvPr/>
+            </p:nvSpPr>
+            <p:spPr>
+              <a:xfrm>
+                <a:off x="3011349" y="1661821"/>
+                <a:ext cx="108000" cy="108000"/>
+              </a:xfrm>
+              <a:prstGeom prst="ellipse">
+                <a:avLst/>
+              </a:prstGeom>
+              <a:solidFill>
+                <a:srgbClr val="FF0000"/>
+              </a:solidFill>
+              <a:ln w="6350">
+                <a:solidFill>
+                  <a:schemeClr val="bg1"/>
+                </a:solidFill>
+              </a:ln>
+            </p:spPr>
+            <p:style>
+              <a:lnRef idx="2">
+                <a:schemeClr val="accent1">
+                  <a:shade val="15000"/>
+                </a:schemeClr>
+              </a:lnRef>
+              <a:fillRef idx="1">
+                <a:schemeClr val="accent1"/>
+              </a:fillRef>
+              <a:effectRef idx="0">
+                <a:schemeClr val="accent1"/>
+              </a:effectRef>
+              <a:fontRef idx="minor">
+                <a:schemeClr val="lt1"/>
+              </a:fontRef>
+            </p:style>
+            <p:txBody>
+              <a:bodyPr rtlCol="0" anchor="ctr"/>
+              <a:lstStyle/>
+              <a:p>
+                <a:pPr algn="ctr"/>
+                <a:endParaRPr lang="ko-KR" altLang="en-US"/>
+              </a:p>
+            </p:txBody>
+          </p:sp>
+          <p:sp>
+            <p:nvSpPr>
+              <p:cNvPr id="20" name="타원 19">
+                <a:extLst>
+                  <a:ext uri="{FF2B5EF4-FFF2-40B4-BE49-F238E27FC236}">
+                    <a16:creationId xmlns:a16="http://schemas.microsoft.com/office/drawing/2014/main" id="{FA4324FE-F601-987E-C756-5ABC17F2C655}"/>
+                  </a:ext>
+                </a:extLst>
+              </p:cNvPr>
+              <p:cNvSpPr/>
+              <p:nvPr/>
+            </p:nvSpPr>
+            <p:spPr>
+              <a:xfrm>
+                <a:off x="3011349" y="1553822"/>
+                <a:ext cx="108000" cy="108000"/>
+              </a:xfrm>
+              <a:prstGeom prst="ellipse">
+                <a:avLst/>
+              </a:prstGeom>
+              <a:solidFill>
+                <a:srgbClr val="0070C0"/>
+              </a:solidFill>
+              <a:ln w="6350">
+                <a:solidFill>
+                  <a:schemeClr val="bg1"/>
+                </a:solidFill>
+              </a:ln>
+            </p:spPr>
+            <p:style>
+              <a:lnRef idx="2">
+                <a:schemeClr val="accent1">
+                  <a:shade val="15000"/>
+                </a:schemeClr>
+              </a:lnRef>
+              <a:fillRef idx="1">
+                <a:schemeClr val="accent1"/>
+              </a:fillRef>
+              <a:effectRef idx="0">
+                <a:schemeClr val="accent1"/>
+              </a:effectRef>
+              <a:fontRef idx="minor">
+                <a:schemeClr val="lt1"/>
+              </a:fontRef>
+            </p:style>
+            <p:txBody>
+              <a:bodyPr rtlCol="0" anchor="ctr"/>
+              <a:lstStyle/>
+              <a:p>
+                <a:pPr algn="ctr"/>
+                <a:endParaRPr lang="ko-KR" altLang="en-US"/>
+              </a:p>
+            </p:txBody>
+          </p:sp>
+          <p:sp>
+            <p:nvSpPr>
+              <p:cNvPr id="21" name="타원 20">
+                <a:extLst>
+                  <a:ext uri="{FF2B5EF4-FFF2-40B4-BE49-F238E27FC236}">
+                    <a16:creationId xmlns:a16="http://schemas.microsoft.com/office/drawing/2014/main" id="{5B8CC487-7A5E-BA70-E183-82CBE8C8904C}"/>
+                  </a:ext>
+                </a:extLst>
+              </p:cNvPr>
+              <p:cNvSpPr/>
+              <p:nvPr/>
+            </p:nvSpPr>
+            <p:spPr>
+              <a:xfrm>
+                <a:off x="3011349" y="1440147"/>
+                <a:ext cx="108000" cy="108000"/>
+              </a:xfrm>
+              <a:prstGeom prst="ellipse">
+                <a:avLst/>
+              </a:prstGeom>
+              <a:solidFill>
+                <a:srgbClr val="0070C0"/>
+              </a:solidFill>
+              <a:ln w="6350">
+                <a:solidFill>
+                  <a:schemeClr val="bg1"/>
+                </a:solidFill>
+              </a:ln>
+            </p:spPr>
+            <p:style>
+              <a:lnRef idx="2">
+                <a:schemeClr val="accent1">
+                  <a:shade val="15000"/>
+                </a:schemeClr>
+              </a:lnRef>
+              <a:fillRef idx="1">
+                <a:schemeClr val="accent1"/>
+              </a:fillRef>
+              <a:effectRef idx="0">
+                <a:schemeClr val="accent1"/>
+              </a:effectRef>
+              <a:fontRef idx="minor">
+                <a:schemeClr val="lt1"/>
+              </a:fontRef>
+            </p:style>
+            <p:txBody>
+              <a:bodyPr rtlCol="0" anchor="ctr"/>
+              <a:lstStyle/>
+              <a:p>
+                <a:pPr algn="ctr"/>
+                <a:endParaRPr lang="ko-KR" altLang="en-US"/>
+              </a:p>
+            </p:txBody>
+          </p:sp>
+          <p:sp>
+            <p:nvSpPr>
+              <p:cNvPr id="22" name="타원 21">
+                <a:extLst>
+                  <a:ext uri="{FF2B5EF4-FFF2-40B4-BE49-F238E27FC236}">
+                    <a16:creationId xmlns:a16="http://schemas.microsoft.com/office/drawing/2014/main" id="{DEDAC198-1DF7-2ECC-D784-5BABA0AA2356}"/>
+                  </a:ext>
+                </a:extLst>
+              </p:cNvPr>
+              <p:cNvSpPr/>
+              <p:nvPr/>
+            </p:nvSpPr>
+            <p:spPr>
+              <a:xfrm>
+                <a:off x="3370906" y="1877821"/>
+                <a:ext cx="108000" cy="108000"/>
+              </a:xfrm>
+              <a:prstGeom prst="ellipse">
+                <a:avLst/>
+              </a:prstGeom>
+              <a:solidFill>
+                <a:srgbClr val="FF0000"/>
+              </a:solidFill>
+              <a:ln w="6350">
+                <a:solidFill>
+                  <a:schemeClr val="bg1"/>
+                </a:solidFill>
+              </a:ln>
+            </p:spPr>
+            <p:style>
+              <a:lnRef idx="2">
+                <a:schemeClr val="accent1">
+                  <a:shade val="15000"/>
+                </a:schemeClr>
+              </a:lnRef>
+              <a:fillRef idx="1">
+                <a:schemeClr val="accent1"/>
+              </a:fillRef>
+              <a:effectRef idx="0">
+                <a:schemeClr val="accent1"/>
+              </a:effectRef>
+              <a:fontRef idx="minor">
+                <a:schemeClr val="lt1"/>
+              </a:fontRef>
+            </p:style>
+            <p:txBody>
+              <a:bodyPr rtlCol="0" anchor="ctr"/>
+              <a:lstStyle/>
+              <a:p>
+                <a:pPr algn="ctr"/>
+                <a:endParaRPr lang="ko-KR" altLang="en-US"/>
+              </a:p>
+            </p:txBody>
+          </p:sp>
+          <p:sp>
+            <p:nvSpPr>
+              <p:cNvPr id="23" name="타원 22">
+                <a:extLst>
+                  <a:ext uri="{FF2B5EF4-FFF2-40B4-BE49-F238E27FC236}">
+                    <a16:creationId xmlns:a16="http://schemas.microsoft.com/office/drawing/2014/main" id="{9EF23FF5-E3B3-F84D-B834-107706CD83A5}"/>
+                  </a:ext>
+                </a:extLst>
+              </p:cNvPr>
+              <p:cNvSpPr/>
+              <p:nvPr/>
+            </p:nvSpPr>
+            <p:spPr>
+              <a:xfrm>
+                <a:off x="3370906" y="1769820"/>
+                <a:ext cx="108000" cy="108000"/>
+              </a:xfrm>
+              <a:prstGeom prst="ellipse">
+                <a:avLst/>
+              </a:prstGeom>
+              <a:solidFill>
+                <a:srgbClr val="FF0000"/>
+              </a:solidFill>
+              <a:ln w="6350">
+                <a:solidFill>
+                  <a:schemeClr val="bg1"/>
+                </a:solidFill>
+              </a:ln>
+            </p:spPr>
+            <p:style>
+              <a:lnRef idx="2">
+                <a:schemeClr val="accent1">
+                  <a:shade val="15000"/>
+                </a:schemeClr>
+              </a:lnRef>
+              <a:fillRef idx="1">
+                <a:schemeClr val="accent1"/>
+              </a:fillRef>
+              <a:effectRef idx="0">
+                <a:schemeClr val="accent1"/>
+              </a:effectRef>
+              <a:fontRef idx="minor">
+                <a:schemeClr val="lt1"/>
+              </a:fontRef>
+            </p:style>
+            <p:txBody>
+              <a:bodyPr rtlCol="0" anchor="ctr"/>
+              <a:lstStyle/>
+              <a:p>
+                <a:pPr algn="ctr"/>
+                <a:endParaRPr lang="ko-KR" altLang="en-US"/>
+              </a:p>
+            </p:txBody>
+          </p:sp>
+          <p:sp>
+            <p:nvSpPr>
+              <p:cNvPr id="24" name="타원 23">
+                <a:extLst>
+                  <a:ext uri="{FF2B5EF4-FFF2-40B4-BE49-F238E27FC236}">
+                    <a16:creationId xmlns:a16="http://schemas.microsoft.com/office/drawing/2014/main" id="{4E777BA4-5602-5FEB-9FFE-23D614581202}"/>
+                  </a:ext>
+                </a:extLst>
+              </p:cNvPr>
+              <p:cNvSpPr/>
+              <p:nvPr/>
+            </p:nvSpPr>
+            <p:spPr>
+              <a:xfrm>
+                <a:off x="3370906" y="1661821"/>
+                <a:ext cx="108000" cy="108000"/>
+              </a:xfrm>
+              <a:prstGeom prst="ellipse">
+                <a:avLst/>
+              </a:prstGeom>
+              <a:solidFill>
+                <a:srgbClr val="0070C0"/>
+              </a:solidFill>
+              <a:ln w="6350">
+                <a:solidFill>
+                  <a:schemeClr val="bg1"/>
+                </a:solidFill>
+              </a:ln>
+            </p:spPr>
+            <p:style>
+              <a:lnRef idx="2">
+                <a:schemeClr val="accent1">
+                  <a:shade val="15000"/>
+                </a:schemeClr>
+              </a:lnRef>
+              <a:fillRef idx="1">
+                <a:schemeClr val="accent1"/>
+              </a:fillRef>
+              <a:effectRef idx="0">
+                <a:schemeClr val="accent1"/>
+              </a:effectRef>
+              <a:fontRef idx="minor">
+                <a:schemeClr val="lt1"/>
+              </a:fontRef>
+            </p:style>
+            <p:txBody>
+              <a:bodyPr rtlCol="0" anchor="ctr"/>
+              <a:lstStyle/>
+              <a:p>
+                <a:pPr algn="ctr"/>
+                <a:endParaRPr lang="ko-KR" altLang="en-US"/>
+              </a:p>
+            </p:txBody>
+          </p:sp>
+          <p:sp>
+            <p:nvSpPr>
+              <p:cNvPr id="25" name="타원 24">
+                <a:extLst>
+                  <a:ext uri="{FF2B5EF4-FFF2-40B4-BE49-F238E27FC236}">
+                    <a16:creationId xmlns:a16="http://schemas.microsoft.com/office/drawing/2014/main" id="{41F56819-9617-0E1B-2723-D5C52994B3ED}"/>
+                  </a:ext>
+                </a:extLst>
+              </p:cNvPr>
+              <p:cNvSpPr/>
+              <p:nvPr/>
+            </p:nvSpPr>
+            <p:spPr>
+              <a:xfrm>
+                <a:off x="3370906" y="1553822"/>
+                <a:ext cx="108000" cy="108000"/>
+              </a:xfrm>
+              <a:prstGeom prst="ellipse">
+                <a:avLst/>
+              </a:prstGeom>
+              <a:solidFill>
+                <a:srgbClr val="0070C0"/>
+              </a:solidFill>
+              <a:ln w="6350">
+                <a:solidFill>
+                  <a:schemeClr val="bg1"/>
+                </a:solidFill>
+              </a:ln>
+            </p:spPr>
+            <p:style>
+              <a:lnRef idx="2">
+                <a:schemeClr val="accent1">
+                  <a:shade val="15000"/>
+                </a:schemeClr>
+              </a:lnRef>
+              <a:fillRef idx="1">
+                <a:schemeClr val="accent1"/>
+              </a:fillRef>
+              <a:effectRef idx="0">
+                <a:schemeClr val="accent1"/>
+              </a:effectRef>
+              <a:fontRef idx="minor">
+                <a:schemeClr val="lt1"/>
+              </a:fontRef>
+            </p:style>
+            <p:txBody>
+              <a:bodyPr rtlCol="0" anchor="ctr"/>
+              <a:lstStyle/>
+              <a:p>
+                <a:pPr algn="ctr"/>
+                <a:endParaRPr lang="ko-KR" altLang="en-US"/>
+              </a:p>
+            </p:txBody>
+          </p:sp>
+          <p:sp>
+            <p:nvSpPr>
+              <p:cNvPr id="26" name="타원 25">
+                <a:extLst>
+                  <a:ext uri="{FF2B5EF4-FFF2-40B4-BE49-F238E27FC236}">
+                    <a16:creationId xmlns:a16="http://schemas.microsoft.com/office/drawing/2014/main" id="{49BADD05-FE97-7A08-1D97-F61CFFF436AD}"/>
+                  </a:ext>
+                </a:extLst>
+              </p:cNvPr>
+              <p:cNvSpPr/>
+              <p:nvPr/>
+            </p:nvSpPr>
+            <p:spPr>
+              <a:xfrm>
+                <a:off x="3370906" y="1440147"/>
+                <a:ext cx="108000" cy="108000"/>
+              </a:xfrm>
+              <a:prstGeom prst="ellipse">
+                <a:avLst/>
+              </a:prstGeom>
+              <a:solidFill>
+                <a:srgbClr val="0070C0"/>
+              </a:solidFill>
+              <a:ln w="6350">
+                <a:solidFill>
+                  <a:schemeClr val="bg1"/>
+                </a:solidFill>
+              </a:ln>
+            </p:spPr>
+            <p:style>
+              <a:lnRef idx="2">
+                <a:schemeClr val="accent1">
+                  <a:shade val="15000"/>
+                </a:schemeClr>
+              </a:lnRef>
+              <a:fillRef idx="1">
+                <a:schemeClr val="accent1"/>
+              </a:fillRef>
+              <a:effectRef idx="0">
+                <a:schemeClr val="accent1"/>
+              </a:effectRef>
+              <a:fontRef idx="minor">
+                <a:schemeClr val="lt1"/>
+              </a:fontRef>
+            </p:style>
+            <p:txBody>
+              <a:bodyPr rtlCol="0" anchor="ctr"/>
+              <a:lstStyle/>
+              <a:p>
+                <a:pPr algn="ctr"/>
+                <a:endParaRPr lang="ko-KR" altLang="en-US"/>
+              </a:p>
+            </p:txBody>
+          </p:sp>
+          <mc:AlternateContent xmlns:mc="http://schemas.openxmlformats.org/markup-compatibility/2006">
+            <mc:Choice xmlns:a14="http://schemas.microsoft.com/office/drawing/2010/main" Requires="a14">
+              <p:sp>
+                <p:nvSpPr>
+                  <p:cNvPr id="28" name="TextBox 27">
+                    <a:extLst>
+                      <a:ext uri="{FF2B5EF4-FFF2-40B4-BE49-F238E27FC236}">
+                        <a16:creationId xmlns:a16="http://schemas.microsoft.com/office/drawing/2014/main" id="{2E4621B6-F631-033C-2B8B-7D282151EE57}"/>
+                      </a:ext>
+                    </a:extLst>
+                  </p:cNvPr>
+                  <p:cNvSpPr txBox="1"/>
+                  <p:nvPr/>
+                </p:nvSpPr>
+                <p:spPr>
+                  <a:xfrm>
+                    <a:off x="4871552" y="1831930"/>
+                    <a:ext cx="357277" cy="307777"/>
+                  </a:xfrm>
+                  <a:prstGeom prst="rect">
+                    <a:avLst/>
+                  </a:prstGeom>
+                  <a:noFill/>
+                </p:spPr>
+                <p:txBody>
+                  <a:bodyPr wrap="none" lIns="0" tIns="0" rIns="0" bIns="0" rtlCol="0" anchor="ctr">
+                    <a:spAutoFit/>
+                  </a:bodyPr>
+                  <a:lstStyle/>
+                  <a:p>
+                    <a:pPr/>
+                    <a14:m>
+                      <m:oMathPara xmlns:m="http://schemas.openxmlformats.org/officeDocument/2006/math">
+                        <m:oMathParaPr>
+                          <m:jc m:val="centerGroup"/>
+                        </m:oMathParaPr>
+                        <m:oMath xmlns:m="http://schemas.openxmlformats.org/officeDocument/2006/math">
+                          <m:sSub>
+                            <m:sSubPr>
+                              <m:ctrlPr>
+                                <a:rPr lang="en-US" altLang="ko-KR" sz="2000" b="0" i="1" smtClean="0">
+                                  <a:latin typeface="Cambria Math" panose="02040503050406030204" pitchFamily="18" charset="0"/>
+                                </a:rPr>
+                              </m:ctrlPr>
+                            </m:sSubPr>
+                            <m:e>
+                              <m:r>
+                                <a:rPr lang="en-US" altLang="ko-KR" sz="2000" b="0" i="1" smtClean="0">
+                                  <a:latin typeface="Cambria Math" panose="02040503050406030204" pitchFamily="18" charset="0"/>
+                                </a:rPr>
+                                <m:t>𝑋</m:t>
+                              </m:r>
+                            </m:e>
+                            <m:sub>
+                              <m:r>
+                                <a:rPr lang="en-US" altLang="ko-KR" sz="2000" b="0" i="1" smtClean="0">
+                                  <a:latin typeface="Cambria Math" panose="02040503050406030204" pitchFamily="18" charset="0"/>
+                                </a:rPr>
+                                <m:t>1</m:t>
+                              </m:r>
+                            </m:sub>
+                          </m:sSub>
+                        </m:oMath>
+                      </m:oMathPara>
+                    </a14:m>
+                    <a:endParaRPr lang="en-US" altLang="ko-KR" sz="2000" b="0" dirty="0"/>
+                  </a:p>
+                </p:txBody>
+              </p:sp>
+            </mc:Choice>
+            <mc:Fallback>
+              <p:sp>
+                <p:nvSpPr>
+                  <p:cNvPr id="28" name="TextBox 27">
+                    <a:extLst>
+                      <a:ext uri="{FF2B5EF4-FFF2-40B4-BE49-F238E27FC236}">
+                        <a16:creationId xmlns:a16="http://schemas.microsoft.com/office/drawing/2014/main" id="{2E4621B6-F631-033C-2B8B-7D282151EE57}"/>
+                      </a:ext>
+                    </a:extLst>
+                  </p:cNvPr>
+                  <p:cNvSpPr txBox="1">
+                    <a:spLocks noRot="1" noChangeAspect="1" noMove="1" noResize="1" noEditPoints="1" noAdjustHandles="1" noChangeArrowheads="1" noChangeShapeType="1" noTextEdit="1"/>
+                  </p:cNvSpPr>
+                  <p:nvPr/>
+                </p:nvSpPr>
+                <p:spPr>
+                  <a:xfrm>
+                    <a:off x="4871552" y="1831930"/>
+                    <a:ext cx="357277" cy="307777"/>
+                  </a:xfrm>
+                  <a:prstGeom prst="rect">
+                    <a:avLst/>
+                  </a:prstGeom>
+                  <a:blipFill>
+                    <a:blip r:embed="rId2"/>
+                    <a:stretch>
+                      <a:fillRect l="-10169" r="-1695" b="-20000"/>
+                    </a:stretch>
+                  </a:blipFill>
+                </p:spPr>
+                <p:txBody>
+                  <a:bodyPr/>
+                  <a:lstStyle/>
+                  <a:p>
+                    <a:r>
+                      <a:rPr lang="ko-KR" altLang="en-US">
+                        <a:noFill/>
+                      </a:rPr>
+                      <a:t> </a:t>
+                    </a:r>
+                  </a:p>
+                </p:txBody>
+              </p:sp>
+            </mc:Fallback>
+          </mc:AlternateContent>
+          <p:cxnSp>
+            <p:nvCxnSpPr>
+              <p:cNvPr id="29" name="직선 연결선 28">
+                <a:extLst>
+                  <a:ext uri="{FF2B5EF4-FFF2-40B4-BE49-F238E27FC236}">
+                    <a16:creationId xmlns:a16="http://schemas.microsoft.com/office/drawing/2014/main" id="{C439C7A1-13D8-337F-FC86-E08CC60C944B}"/>
+                  </a:ext>
+                </a:extLst>
+              </p:cNvPr>
+              <p:cNvCxnSpPr/>
+              <p:nvPr/>
+            </p:nvCxnSpPr>
+            <p:spPr>
+              <a:xfrm>
+                <a:off x="5644663" y="1985819"/>
+                <a:ext cx="3600000" cy="0"/>
+              </a:xfrm>
+              <a:prstGeom prst="line">
+                <a:avLst/>
+              </a:prstGeom>
+            </p:spPr>
+            <p:style>
+              <a:lnRef idx="1">
+                <a:schemeClr val="accent1"/>
+              </a:lnRef>
+              <a:fillRef idx="0">
+                <a:schemeClr val="accent1"/>
+              </a:fillRef>
+              <a:effectRef idx="0">
+                <a:schemeClr val="accent1"/>
+              </a:effectRef>
+              <a:fontRef idx="minor">
+                <a:schemeClr val="tx1"/>
+              </a:fontRef>
+            </p:style>
+          </p:cxnSp>
+          <p:cxnSp>
+            <p:nvCxnSpPr>
+              <p:cNvPr id="30" name="직선 연결선 29">
+                <a:extLst>
+                  <a:ext uri="{FF2B5EF4-FFF2-40B4-BE49-F238E27FC236}">
+                    <a16:creationId xmlns:a16="http://schemas.microsoft.com/office/drawing/2014/main" id="{23C1E1B3-288C-3BA1-8BB3-C4E65476E301}"/>
+                  </a:ext>
+                </a:extLst>
+              </p:cNvPr>
+              <p:cNvCxnSpPr>
+                <a:cxnSpLocks/>
+              </p:cNvCxnSpPr>
+              <p:nvPr/>
+            </p:nvCxnSpPr>
+            <p:spPr>
+              <a:xfrm rot="5400000">
+                <a:off x="5590663" y="2039819"/>
+                <a:ext cx="108000" cy="0"/>
+              </a:xfrm>
+              <a:prstGeom prst="line">
+                <a:avLst/>
+              </a:prstGeom>
+            </p:spPr>
+            <p:style>
+              <a:lnRef idx="1">
+                <a:schemeClr val="accent1"/>
+              </a:lnRef>
+              <a:fillRef idx="0">
+                <a:schemeClr val="accent1"/>
+              </a:fillRef>
+              <a:effectRef idx="0">
+                <a:schemeClr val="accent1"/>
+              </a:effectRef>
+              <a:fontRef idx="minor">
+                <a:schemeClr val="tx1"/>
+              </a:fontRef>
+            </p:style>
+          </p:cxnSp>
+          <p:cxnSp>
+            <p:nvCxnSpPr>
+              <p:cNvPr id="31" name="직선 연결선 30">
+                <a:extLst>
+                  <a:ext uri="{FF2B5EF4-FFF2-40B4-BE49-F238E27FC236}">
+                    <a16:creationId xmlns:a16="http://schemas.microsoft.com/office/drawing/2014/main" id="{22A82328-0F2F-30D6-8C21-6937E49DADA3}"/>
+                  </a:ext>
+                </a:extLst>
+              </p:cNvPr>
+              <p:cNvCxnSpPr>
+                <a:cxnSpLocks/>
+              </p:cNvCxnSpPr>
+              <p:nvPr/>
+            </p:nvCxnSpPr>
+            <p:spPr>
+              <a:xfrm rot="5400000">
+                <a:off x="9186230" y="2039819"/>
+                <a:ext cx="108000" cy="0"/>
+              </a:xfrm>
+              <a:prstGeom prst="line">
+                <a:avLst/>
+              </a:prstGeom>
+            </p:spPr>
+            <p:style>
+              <a:lnRef idx="1">
+                <a:schemeClr val="accent1"/>
+              </a:lnRef>
+              <a:fillRef idx="0">
+                <a:schemeClr val="accent1"/>
+              </a:fillRef>
+              <a:effectRef idx="0">
+                <a:schemeClr val="accent1"/>
+              </a:effectRef>
+              <a:fontRef idx="minor">
+                <a:schemeClr val="tx1"/>
+              </a:fontRef>
+            </p:style>
+          </p:cxnSp>
+          <p:cxnSp>
+            <p:nvCxnSpPr>
+              <p:cNvPr id="32" name="직선 연결선 31">
+                <a:extLst>
+                  <a:ext uri="{FF2B5EF4-FFF2-40B4-BE49-F238E27FC236}">
+                    <a16:creationId xmlns:a16="http://schemas.microsoft.com/office/drawing/2014/main" id="{1E6FD95E-3919-77F5-9F53-926C02881494}"/>
+                  </a:ext>
+                </a:extLst>
+              </p:cNvPr>
+              <p:cNvCxnSpPr>
+                <a:cxnSpLocks/>
+              </p:cNvCxnSpPr>
+              <p:nvPr/>
+            </p:nvCxnSpPr>
+            <p:spPr>
+              <a:xfrm rot="5400000">
+                <a:off x="7388448" y="2039819"/>
+                <a:ext cx="108000" cy="0"/>
+              </a:xfrm>
+              <a:prstGeom prst="line">
+                <a:avLst/>
+              </a:prstGeom>
+            </p:spPr>
+            <p:style>
+              <a:lnRef idx="1">
+                <a:schemeClr val="accent1"/>
+              </a:lnRef>
+              <a:fillRef idx="0">
+                <a:schemeClr val="accent1"/>
+              </a:fillRef>
+              <a:effectRef idx="0">
+                <a:schemeClr val="accent1"/>
+              </a:effectRef>
+              <a:fontRef idx="minor">
+                <a:schemeClr val="tx1"/>
+              </a:fontRef>
+            </p:style>
+          </p:cxnSp>
+          <p:cxnSp>
+            <p:nvCxnSpPr>
+              <p:cNvPr id="33" name="직선 연결선 32">
+                <a:extLst>
+                  <a:ext uri="{FF2B5EF4-FFF2-40B4-BE49-F238E27FC236}">
+                    <a16:creationId xmlns:a16="http://schemas.microsoft.com/office/drawing/2014/main" id="{04F79F78-DAA6-4AF5-7AB1-50C6B4A1980A}"/>
+                  </a:ext>
+                </a:extLst>
+              </p:cNvPr>
+              <p:cNvCxnSpPr>
+                <a:cxnSpLocks/>
+              </p:cNvCxnSpPr>
+              <p:nvPr/>
+            </p:nvCxnSpPr>
+            <p:spPr>
+              <a:xfrm rot="5400000">
+                <a:off x="7028891" y="2039819"/>
+                <a:ext cx="108000" cy="0"/>
+              </a:xfrm>
+              <a:prstGeom prst="line">
+                <a:avLst/>
+              </a:prstGeom>
+            </p:spPr>
+            <p:style>
+              <a:lnRef idx="1">
+                <a:schemeClr val="accent1"/>
+              </a:lnRef>
+              <a:fillRef idx="0">
+                <a:schemeClr val="accent1"/>
+              </a:fillRef>
+              <a:effectRef idx="0">
+                <a:schemeClr val="accent1"/>
+              </a:effectRef>
+              <a:fontRef idx="minor">
+                <a:schemeClr val="tx1"/>
+              </a:fontRef>
+            </p:style>
+          </p:cxnSp>
+          <p:cxnSp>
+            <p:nvCxnSpPr>
+              <p:cNvPr id="34" name="직선 연결선 33">
+                <a:extLst>
+                  <a:ext uri="{FF2B5EF4-FFF2-40B4-BE49-F238E27FC236}">
+                    <a16:creationId xmlns:a16="http://schemas.microsoft.com/office/drawing/2014/main" id="{17C52D8D-8700-20D1-1A83-EE6EA6EB8375}"/>
+                  </a:ext>
+                </a:extLst>
+              </p:cNvPr>
+              <p:cNvCxnSpPr>
+                <a:cxnSpLocks/>
+              </p:cNvCxnSpPr>
+              <p:nvPr/>
+            </p:nvCxnSpPr>
+            <p:spPr>
+              <a:xfrm rot="5400000">
+                <a:off x="6309777" y="2039819"/>
+                <a:ext cx="108000" cy="0"/>
+              </a:xfrm>
+              <a:prstGeom prst="line">
+                <a:avLst/>
+              </a:prstGeom>
+            </p:spPr>
+            <p:style>
+              <a:lnRef idx="1">
+                <a:schemeClr val="accent1"/>
+              </a:lnRef>
+              <a:fillRef idx="0">
+                <a:schemeClr val="accent1"/>
+              </a:fillRef>
+              <a:effectRef idx="0">
+                <a:schemeClr val="accent1"/>
+              </a:effectRef>
+              <a:fontRef idx="minor">
+                <a:schemeClr val="tx1"/>
+              </a:fontRef>
+            </p:style>
+          </p:cxnSp>
+          <p:cxnSp>
+            <p:nvCxnSpPr>
+              <p:cNvPr id="35" name="직선 연결선 34">
+                <a:extLst>
+                  <a:ext uri="{FF2B5EF4-FFF2-40B4-BE49-F238E27FC236}">
+                    <a16:creationId xmlns:a16="http://schemas.microsoft.com/office/drawing/2014/main" id="{C7542D2E-6FFB-E0DD-775F-8E6F547A10C4}"/>
+                  </a:ext>
+                </a:extLst>
+              </p:cNvPr>
+              <p:cNvCxnSpPr>
+                <a:cxnSpLocks/>
+              </p:cNvCxnSpPr>
+              <p:nvPr/>
+            </p:nvCxnSpPr>
+            <p:spPr>
+              <a:xfrm rot="5400000">
+                <a:off x="5950220" y="2039819"/>
+                <a:ext cx="108000" cy="0"/>
+              </a:xfrm>
+              <a:prstGeom prst="line">
+                <a:avLst/>
+              </a:prstGeom>
+            </p:spPr>
+            <p:style>
+              <a:lnRef idx="1">
+                <a:schemeClr val="accent1"/>
+              </a:lnRef>
+              <a:fillRef idx="0">
+                <a:schemeClr val="accent1"/>
+              </a:fillRef>
+              <a:effectRef idx="0">
+                <a:schemeClr val="accent1"/>
+              </a:effectRef>
+              <a:fontRef idx="minor">
+                <a:schemeClr val="tx1"/>
+              </a:fontRef>
+            </p:style>
+          </p:cxnSp>
+          <p:cxnSp>
+            <p:nvCxnSpPr>
+              <p:cNvPr id="36" name="직선 연결선 35">
+                <a:extLst>
+                  <a:ext uri="{FF2B5EF4-FFF2-40B4-BE49-F238E27FC236}">
+                    <a16:creationId xmlns:a16="http://schemas.microsoft.com/office/drawing/2014/main" id="{E7BAE631-3FEC-5D42-E540-FA951BA0ABA4}"/>
+                  </a:ext>
+                </a:extLst>
+              </p:cNvPr>
+              <p:cNvCxnSpPr>
+                <a:cxnSpLocks/>
+              </p:cNvCxnSpPr>
+              <p:nvPr/>
+            </p:nvCxnSpPr>
+            <p:spPr>
+              <a:xfrm rot="5400000">
+                <a:off x="6669334" y="2039819"/>
+                <a:ext cx="108000" cy="0"/>
+              </a:xfrm>
+              <a:prstGeom prst="line">
+                <a:avLst/>
+              </a:prstGeom>
+            </p:spPr>
+            <p:style>
+              <a:lnRef idx="1">
+                <a:schemeClr val="accent1"/>
+              </a:lnRef>
+              <a:fillRef idx="0">
+                <a:schemeClr val="accent1"/>
+              </a:fillRef>
+              <a:effectRef idx="0">
+                <a:schemeClr val="accent1"/>
+              </a:effectRef>
+              <a:fontRef idx="minor">
+                <a:schemeClr val="tx1"/>
+              </a:fontRef>
+            </p:style>
+          </p:cxnSp>
+          <p:cxnSp>
+            <p:nvCxnSpPr>
+              <p:cNvPr id="37" name="직선 연결선 36">
+                <a:extLst>
+                  <a:ext uri="{FF2B5EF4-FFF2-40B4-BE49-F238E27FC236}">
+                    <a16:creationId xmlns:a16="http://schemas.microsoft.com/office/drawing/2014/main" id="{1770C4DA-B7EB-35C9-4A95-2FE594002136}"/>
+                  </a:ext>
+                </a:extLst>
+              </p:cNvPr>
+              <p:cNvCxnSpPr>
+                <a:cxnSpLocks/>
+              </p:cNvCxnSpPr>
+              <p:nvPr/>
+            </p:nvCxnSpPr>
+            <p:spPr>
+              <a:xfrm rot="5400000">
+                <a:off x="8826676" y="2039819"/>
+                <a:ext cx="108000" cy="0"/>
+              </a:xfrm>
+              <a:prstGeom prst="line">
+                <a:avLst/>
+              </a:prstGeom>
+            </p:spPr>
+            <p:style>
+              <a:lnRef idx="1">
+                <a:schemeClr val="accent1"/>
+              </a:lnRef>
+              <a:fillRef idx="0">
+                <a:schemeClr val="accent1"/>
+              </a:fillRef>
+              <a:effectRef idx="0">
+                <a:schemeClr val="accent1"/>
+              </a:effectRef>
+              <a:fontRef idx="minor">
+                <a:schemeClr val="tx1"/>
+              </a:fontRef>
+            </p:style>
+          </p:cxnSp>
+          <p:cxnSp>
+            <p:nvCxnSpPr>
+              <p:cNvPr id="38" name="직선 연결선 37">
+                <a:extLst>
+                  <a:ext uri="{FF2B5EF4-FFF2-40B4-BE49-F238E27FC236}">
+                    <a16:creationId xmlns:a16="http://schemas.microsoft.com/office/drawing/2014/main" id="{53D9E153-0B16-0440-CCED-63B940F0FE4C}"/>
+                  </a:ext>
+                </a:extLst>
+              </p:cNvPr>
+              <p:cNvCxnSpPr>
+                <a:cxnSpLocks/>
+              </p:cNvCxnSpPr>
+              <p:nvPr/>
+            </p:nvCxnSpPr>
+            <p:spPr>
+              <a:xfrm rot="5400000">
+                <a:off x="8107562" y="2039819"/>
+                <a:ext cx="108000" cy="0"/>
+              </a:xfrm>
+              <a:prstGeom prst="line">
+                <a:avLst/>
+              </a:prstGeom>
+            </p:spPr>
+            <p:style>
+              <a:lnRef idx="1">
+                <a:schemeClr val="accent1"/>
+              </a:lnRef>
+              <a:fillRef idx="0">
+                <a:schemeClr val="accent1"/>
+              </a:fillRef>
+              <a:effectRef idx="0">
+                <a:schemeClr val="accent1"/>
+              </a:effectRef>
+              <a:fontRef idx="minor">
+                <a:schemeClr val="tx1"/>
+              </a:fontRef>
+            </p:style>
+          </p:cxnSp>
+          <p:cxnSp>
+            <p:nvCxnSpPr>
+              <p:cNvPr id="39" name="직선 연결선 38">
+                <a:extLst>
+                  <a:ext uri="{FF2B5EF4-FFF2-40B4-BE49-F238E27FC236}">
+                    <a16:creationId xmlns:a16="http://schemas.microsoft.com/office/drawing/2014/main" id="{9DE0FADC-DDA5-B789-C25C-C2FCC65EF6B2}"/>
+                  </a:ext>
+                </a:extLst>
+              </p:cNvPr>
+              <p:cNvCxnSpPr>
+                <a:cxnSpLocks/>
+              </p:cNvCxnSpPr>
+              <p:nvPr/>
+            </p:nvCxnSpPr>
+            <p:spPr>
+              <a:xfrm rot="5400000">
+                <a:off x="7748005" y="2039819"/>
+                <a:ext cx="108000" cy="0"/>
+              </a:xfrm>
+              <a:prstGeom prst="line">
+                <a:avLst/>
+              </a:prstGeom>
+            </p:spPr>
+            <p:style>
+              <a:lnRef idx="1">
+                <a:schemeClr val="accent1"/>
+              </a:lnRef>
+              <a:fillRef idx="0">
+                <a:schemeClr val="accent1"/>
+              </a:fillRef>
+              <a:effectRef idx="0">
+                <a:schemeClr val="accent1"/>
+              </a:effectRef>
+              <a:fontRef idx="minor">
+                <a:schemeClr val="tx1"/>
+              </a:fontRef>
+            </p:style>
+          </p:cxnSp>
+          <p:cxnSp>
+            <p:nvCxnSpPr>
+              <p:cNvPr id="40" name="직선 연결선 39">
+                <a:extLst>
+                  <a:ext uri="{FF2B5EF4-FFF2-40B4-BE49-F238E27FC236}">
+                    <a16:creationId xmlns:a16="http://schemas.microsoft.com/office/drawing/2014/main" id="{61CDB306-9177-DA5A-718B-761F0813BBFA}"/>
+                  </a:ext>
+                </a:extLst>
+              </p:cNvPr>
+              <p:cNvCxnSpPr>
+                <a:cxnSpLocks/>
+              </p:cNvCxnSpPr>
+              <p:nvPr/>
+            </p:nvCxnSpPr>
+            <p:spPr>
+              <a:xfrm rot="5400000">
+                <a:off x="8467119" y="2039819"/>
+                <a:ext cx="108000" cy="0"/>
+              </a:xfrm>
+              <a:prstGeom prst="line">
+                <a:avLst/>
+              </a:prstGeom>
+            </p:spPr>
+            <p:style>
+              <a:lnRef idx="1">
+                <a:schemeClr val="accent1"/>
+              </a:lnRef>
+              <a:fillRef idx="0">
+                <a:schemeClr val="accent1"/>
+              </a:fillRef>
+              <a:effectRef idx="0">
+                <a:schemeClr val="accent1"/>
+              </a:effectRef>
+              <a:fontRef idx="minor">
+                <a:schemeClr val="tx1"/>
+              </a:fontRef>
+            </p:style>
+          </p:cxnSp>
+          <mc:AlternateContent xmlns:mc="http://schemas.openxmlformats.org/markup-compatibility/2006">
+            <mc:Choice xmlns:a14="http://schemas.microsoft.com/office/drawing/2010/main" Requires="a14">
+              <p:sp>
+                <p:nvSpPr>
+                  <p:cNvPr id="51" name="TextBox 50">
+                    <a:extLst>
+                      <a:ext uri="{FF2B5EF4-FFF2-40B4-BE49-F238E27FC236}">
+                        <a16:creationId xmlns:a16="http://schemas.microsoft.com/office/drawing/2014/main" id="{0BA56343-E13A-E68D-BDBD-57A47D80D45E}"/>
+                      </a:ext>
+                    </a:extLst>
+                  </p:cNvPr>
+                  <p:cNvSpPr txBox="1"/>
+                  <p:nvPr/>
+                </p:nvSpPr>
+                <p:spPr>
+                  <a:xfrm>
+                    <a:off x="9248651" y="1831930"/>
+                    <a:ext cx="363240" cy="307777"/>
+                  </a:xfrm>
+                  <a:prstGeom prst="rect">
+                    <a:avLst/>
+                  </a:prstGeom>
+                  <a:noFill/>
+                </p:spPr>
+                <p:txBody>
+                  <a:bodyPr wrap="none" lIns="0" tIns="0" rIns="0" bIns="0" rtlCol="0" anchor="ctr">
+                    <a:spAutoFit/>
+                  </a:bodyPr>
+                  <a:lstStyle/>
+                  <a:p>
+                    <a:pPr/>
+                    <a14:m>
+                      <m:oMathPara xmlns:m="http://schemas.openxmlformats.org/officeDocument/2006/math">
+                        <m:oMathParaPr>
+                          <m:jc m:val="centerGroup"/>
+                        </m:oMathParaPr>
+                        <m:oMath xmlns:m="http://schemas.openxmlformats.org/officeDocument/2006/math">
+                          <m:sSub>
+                            <m:sSubPr>
+                              <m:ctrlPr>
+                                <a:rPr lang="en-US" altLang="ko-KR" sz="2000" b="0" i="1" smtClean="0">
+                                  <a:latin typeface="Cambria Math" panose="02040503050406030204" pitchFamily="18" charset="0"/>
+                                </a:rPr>
+                              </m:ctrlPr>
+                            </m:sSubPr>
+                            <m:e>
+                              <m:r>
+                                <a:rPr lang="en-US" altLang="ko-KR" sz="2000" b="0" i="1" smtClean="0">
+                                  <a:latin typeface="Cambria Math" panose="02040503050406030204" pitchFamily="18" charset="0"/>
+                                </a:rPr>
+                                <m:t>𝑋</m:t>
+                              </m:r>
+                            </m:e>
+                            <m:sub>
+                              <m:r>
+                                <a:rPr lang="en-US" altLang="ko-KR" sz="2000" b="0" i="1" smtClean="0">
+                                  <a:latin typeface="Cambria Math" panose="02040503050406030204" pitchFamily="18" charset="0"/>
+                                </a:rPr>
+                                <m:t>2</m:t>
+                              </m:r>
+                            </m:sub>
+                          </m:sSub>
+                        </m:oMath>
+                      </m:oMathPara>
+                    </a14:m>
+                    <a:endParaRPr lang="en-US" altLang="ko-KR" sz="2000" b="0" dirty="0"/>
+                  </a:p>
+                </p:txBody>
+              </p:sp>
+            </mc:Choice>
+            <mc:Fallback>
+              <p:sp>
+                <p:nvSpPr>
+                  <p:cNvPr id="51" name="TextBox 50">
+                    <a:extLst>
+                      <a:ext uri="{FF2B5EF4-FFF2-40B4-BE49-F238E27FC236}">
+                        <a16:creationId xmlns:a16="http://schemas.microsoft.com/office/drawing/2014/main" id="{0BA56343-E13A-E68D-BDBD-57A47D80D45E}"/>
+                      </a:ext>
+                    </a:extLst>
+                  </p:cNvPr>
+                  <p:cNvSpPr txBox="1">
+                    <a:spLocks noRot="1" noChangeAspect="1" noMove="1" noResize="1" noEditPoints="1" noAdjustHandles="1" noChangeArrowheads="1" noChangeShapeType="1" noTextEdit="1"/>
+                  </p:cNvSpPr>
+                  <p:nvPr/>
+                </p:nvSpPr>
+                <p:spPr>
+                  <a:xfrm>
+                    <a:off x="9248651" y="1831930"/>
+                    <a:ext cx="363240" cy="307777"/>
+                  </a:xfrm>
+                  <a:prstGeom prst="rect">
+                    <a:avLst/>
+                  </a:prstGeom>
+                  <a:blipFill>
+                    <a:blip r:embed="rId3"/>
+                    <a:stretch>
+                      <a:fillRect l="-11667" r="-1667" b="-20000"/>
+                    </a:stretch>
+                  </a:blipFill>
+                </p:spPr>
+                <p:txBody>
+                  <a:bodyPr/>
+                  <a:lstStyle/>
+                  <a:p>
+                    <a:r>
+                      <a:rPr lang="ko-KR" altLang="en-US">
+                        <a:noFill/>
+                      </a:rPr>
+                      <a:t> </a:t>
+                    </a:r>
+                  </a:p>
+                </p:txBody>
+              </p:sp>
+            </mc:Fallback>
+          </mc:AlternateContent>
+          <p:sp>
+            <p:nvSpPr>
+              <p:cNvPr id="52" name="타원 51">
+                <a:extLst>
+                  <a:ext uri="{FF2B5EF4-FFF2-40B4-BE49-F238E27FC236}">
+                    <a16:creationId xmlns:a16="http://schemas.microsoft.com/office/drawing/2014/main" id="{50160125-F85B-3763-173A-CE33C9F66C2D}"/>
+                  </a:ext>
+                </a:extLst>
+              </p:cNvPr>
+              <p:cNvSpPr/>
+              <p:nvPr/>
+            </p:nvSpPr>
+            <p:spPr>
+              <a:xfrm>
+                <a:off x="5950220" y="1877821"/>
+                <a:ext cx="108000" cy="108000"/>
+              </a:xfrm>
+              <a:prstGeom prst="ellipse">
+                <a:avLst/>
+              </a:prstGeom>
+              <a:solidFill>
+                <a:srgbClr val="0070C0"/>
+              </a:solidFill>
+              <a:ln w="6350">
+                <a:solidFill>
+                  <a:schemeClr val="bg1"/>
+                </a:solidFill>
+              </a:ln>
+            </p:spPr>
+            <p:style>
+              <a:lnRef idx="2">
+                <a:schemeClr val="accent1">
+                  <a:shade val="15000"/>
+                </a:schemeClr>
+              </a:lnRef>
+              <a:fillRef idx="1">
+                <a:schemeClr val="accent1"/>
+              </a:fillRef>
+              <a:effectRef idx="0">
+                <a:schemeClr val="accent1"/>
+              </a:effectRef>
+              <a:fontRef idx="minor">
+                <a:schemeClr val="lt1"/>
+              </a:fontRef>
+            </p:style>
+            <p:txBody>
+              <a:bodyPr rtlCol="0" anchor="ctr"/>
+              <a:lstStyle/>
+              <a:p>
+                <a:pPr algn="ctr"/>
+                <a:endParaRPr lang="ko-KR" altLang="en-US"/>
+              </a:p>
+            </p:txBody>
+          </p:sp>
+          <p:sp>
+            <p:nvSpPr>
+              <p:cNvPr id="53" name="타원 52">
+                <a:extLst>
+                  <a:ext uri="{FF2B5EF4-FFF2-40B4-BE49-F238E27FC236}">
+                    <a16:creationId xmlns:a16="http://schemas.microsoft.com/office/drawing/2014/main" id="{DDF788E1-8F86-EB21-E508-97B077C077BF}"/>
+                  </a:ext>
+                </a:extLst>
+              </p:cNvPr>
+              <p:cNvSpPr/>
+              <p:nvPr/>
+            </p:nvSpPr>
+            <p:spPr>
+              <a:xfrm>
+                <a:off x="5950220" y="1769820"/>
+                <a:ext cx="108000" cy="108000"/>
+              </a:xfrm>
+              <a:prstGeom prst="ellipse">
+                <a:avLst/>
+              </a:prstGeom>
+              <a:solidFill>
+                <a:srgbClr val="0070C0"/>
+              </a:solidFill>
+              <a:ln w="6350">
+                <a:solidFill>
+                  <a:schemeClr val="bg1"/>
+                </a:solidFill>
+              </a:ln>
+            </p:spPr>
+            <p:style>
+              <a:lnRef idx="2">
+                <a:schemeClr val="accent1">
+                  <a:shade val="15000"/>
+                </a:schemeClr>
+              </a:lnRef>
+              <a:fillRef idx="1">
+                <a:schemeClr val="accent1"/>
+              </a:fillRef>
+              <a:effectRef idx="0">
+                <a:schemeClr val="accent1"/>
+              </a:effectRef>
+              <a:fontRef idx="minor">
+                <a:schemeClr val="lt1"/>
+              </a:fontRef>
+            </p:style>
+            <p:txBody>
+              <a:bodyPr rtlCol="0" anchor="ctr"/>
+              <a:lstStyle/>
+              <a:p>
+                <a:pPr algn="ctr"/>
+                <a:endParaRPr lang="ko-KR" altLang="en-US"/>
+              </a:p>
+            </p:txBody>
+          </p:sp>
+          <p:sp>
+            <p:nvSpPr>
+              <p:cNvPr id="54" name="타원 53">
+                <a:extLst>
+                  <a:ext uri="{FF2B5EF4-FFF2-40B4-BE49-F238E27FC236}">
+                    <a16:creationId xmlns:a16="http://schemas.microsoft.com/office/drawing/2014/main" id="{72AA058A-8C76-F83C-6DD2-A53DFA6F6045}"/>
+                  </a:ext>
+                </a:extLst>
+              </p:cNvPr>
+              <p:cNvSpPr/>
+              <p:nvPr/>
+            </p:nvSpPr>
+            <p:spPr>
+              <a:xfrm>
+                <a:off x="6316488" y="1877821"/>
+                <a:ext cx="108000" cy="108000"/>
+              </a:xfrm>
+              <a:prstGeom prst="ellipse">
+                <a:avLst/>
+              </a:prstGeom>
+              <a:solidFill>
+                <a:srgbClr val="0070C0"/>
+              </a:solidFill>
+              <a:ln w="6350">
+                <a:solidFill>
+                  <a:schemeClr val="bg1"/>
+                </a:solidFill>
+              </a:ln>
+            </p:spPr>
+            <p:style>
+              <a:lnRef idx="2">
+                <a:schemeClr val="accent1">
+                  <a:shade val="15000"/>
+                </a:schemeClr>
+              </a:lnRef>
+              <a:fillRef idx="1">
+                <a:schemeClr val="accent1"/>
+              </a:fillRef>
+              <a:effectRef idx="0">
+                <a:schemeClr val="accent1"/>
+              </a:effectRef>
+              <a:fontRef idx="minor">
+                <a:schemeClr val="lt1"/>
+              </a:fontRef>
+            </p:style>
+            <p:txBody>
+              <a:bodyPr rtlCol="0" anchor="ctr"/>
+              <a:lstStyle/>
+              <a:p>
+                <a:pPr algn="ctr"/>
+                <a:endParaRPr lang="ko-KR" altLang="en-US"/>
+              </a:p>
+            </p:txBody>
+          </p:sp>
+          <p:sp>
+            <p:nvSpPr>
+              <p:cNvPr id="55" name="타원 54">
+                <a:extLst>
+                  <a:ext uri="{FF2B5EF4-FFF2-40B4-BE49-F238E27FC236}">
+                    <a16:creationId xmlns:a16="http://schemas.microsoft.com/office/drawing/2014/main" id="{852B7D52-B33E-DDB2-A371-F55336FF6A1E}"/>
+                  </a:ext>
+                </a:extLst>
+              </p:cNvPr>
+              <p:cNvSpPr/>
+              <p:nvPr/>
+            </p:nvSpPr>
+            <p:spPr>
+              <a:xfrm>
+                <a:off x="6316488" y="1769820"/>
+                <a:ext cx="108000" cy="108000"/>
+              </a:xfrm>
+              <a:prstGeom prst="ellipse">
+                <a:avLst/>
+              </a:prstGeom>
+              <a:solidFill>
+                <a:srgbClr val="0070C0"/>
+              </a:solidFill>
+              <a:ln w="6350">
+                <a:solidFill>
+                  <a:schemeClr val="bg1"/>
+                </a:solidFill>
+              </a:ln>
+            </p:spPr>
+            <p:style>
+              <a:lnRef idx="2">
+                <a:schemeClr val="accent1">
+                  <a:shade val="15000"/>
+                </a:schemeClr>
+              </a:lnRef>
+              <a:fillRef idx="1">
+                <a:schemeClr val="accent1"/>
+              </a:fillRef>
+              <a:effectRef idx="0">
+                <a:schemeClr val="accent1"/>
+              </a:effectRef>
+              <a:fontRef idx="minor">
+                <a:schemeClr val="lt1"/>
+              </a:fontRef>
+            </p:style>
+            <p:txBody>
+              <a:bodyPr rtlCol="0" anchor="ctr"/>
+              <a:lstStyle/>
+              <a:p>
+                <a:pPr algn="ctr"/>
+                <a:endParaRPr lang="ko-KR" altLang="en-US"/>
+              </a:p>
+            </p:txBody>
+          </p:sp>
+          <p:sp>
+            <p:nvSpPr>
+              <p:cNvPr id="56" name="타원 55">
+                <a:extLst>
+                  <a:ext uri="{FF2B5EF4-FFF2-40B4-BE49-F238E27FC236}">
+                    <a16:creationId xmlns:a16="http://schemas.microsoft.com/office/drawing/2014/main" id="{45010A02-D4E1-1327-96A8-D7D64AD13102}"/>
+                  </a:ext>
+                </a:extLst>
+              </p:cNvPr>
+              <p:cNvSpPr/>
+              <p:nvPr/>
+            </p:nvSpPr>
+            <p:spPr>
+              <a:xfrm>
+                <a:off x="6671339" y="1877821"/>
+                <a:ext cx="108000" cy="108000"/>
+              </a:xfrm>
+              <a:prstGeom prst="ellipse">
+                <a:avLst/>
+              </a:prstGeom>
+              <a:solidFill>
+                <a:srgbClr val="0070C0"/>
+              </a:solidFill>
+              <a:ln w="6350">
+                <a:solidFill>
+                  <a:schemeClr val="bg1"/>
+                </a:solidFill>
+              </a:ln>
+            </p:spPr>
+            <p:style>
+              <a:lnRef idx="2">
+                <a:schemeClr val="accent1">
+                  <a:shade val="15000"/>
+                </a:schemeClr>
+              </a:lnRef>
+              <a:fillRef idx="1">
+                <a:schemeClr val="accent1"/>
+              </a:fillRef>
+              <a:effectRef idx="0">
+                <a:schemeClr val="accent1"/>
+              </a:effectRef>
+              <a:fontRef idx="minor">
+                <a:schemeClr val="lt1"/>
+              </a:fontRef>
+            </p:style>
+            <p:txBody>
+              <a:bodyPr rtlCol="0" anchor="ctr"/>
+              <a:lstStyle/>
+              <a:p>
+                <a:pPr algn="ctr"/>
+                <a:endParaRPr lang="ko-KR" altLang="en-US"/>
+              </a:p>
+            </p:txBody>
+          </p:sp>
+          <p:sp>
+            <p:nvSpPr>
+              <p:cNvPr id="57" name="타원 56">
+                <a:extLst>
+                  <a:ext uri="{FF2B5EF4-FFF2-40B4-BE49-F238E27FC236}">
+                    <a16:creationId xmlns:a16="http://schemas.microsoft.com/office/drawing/2014/main" id="{0F7703A5-3529-1559-D554-894D19EA2EB3}"/>
+                  </a:ext>
+                </a:extLst>
+              </p:cNvPr>
+              <p:cNvSpPr/>
+              <p:nvPr/>
+            </p:nvSpPr>
+            <p:spPr>
+              <a:xfrm>
+                <a:off x="8109567" y="1877821"/>
+                <a:ext cx="108000" cy="108000"/>
+              </a:xfrm>
+              <a:prstGeom prst="ellipse">
+                <a:avLst/>
+              </a:prstGeom>
+              <a:solidFill>
+                <a:srgbClr val="FF0000"/>
+              </a:solidFill>
+              <a:ln w="6350">
+                <a:solidFill>
+                  <a:schemeClr val="bg1"/>
+                </a:solidFill>
+              </a:ln>
+            </p:spPr>
+            <p:style>
+              <a:lnRef idx="2">
+                <a:schemeClr val="accent1">
+                  <a:shade val="15000"/>
+                </a:schemeClr>
+              </a:lnRef>
+              <a:fillRef idx="1">
+                <a:schemeClr val="accent1"/>
+              </a:fillRef>
+              <a:effectRef idx="0">
+                <a:schemeClr val="accent1"/>
+              </a:effectRef>
+              <a:fontRef idx="minor">
+                <a:schemeClr val="lt1"/>
+              </a:fontRef>
+            </p:style>
+            <p:txBody>
+              <a:bodyPr rtlCol="0" anchor="ctr"/>
+              <a:lstStyle/>
+              <a:p>
+                <a:pPr algn="ctr"/>
+                <a:endParaRPr lang="ko-KR" altLang="en-US"/>
+              </a:p>
+            </p:txBody>
+          </p:sp>
+          <p:sp>
+            <p:nvSpPr>
+              <p:cNvPr id="58" name="타원 57">
+                <a:extLst>
+                  <a:ext uri="{FF2B5EF4-FFF2-40B4-BE49-F238E27FC236}">
+                    <a16:creationId xmlns:a16="http://schemas.microsoft.com/office/drawing/2014/main" id="{84C8BE22-4A9F-B06D-A3B1-D8A7D9607FE8}"/>
+                  </a:ext>
+                </a:extLst>
+              </p:cNvPr>
+              <p:cNvSpPr/>
+              <p:nvPr/>
+            </p:nvSpPr>
+            <p:spPr>
+              <a:xfrm>
+                <a:off x="8460408" y="1877821"/>
+                <a:ext cx="108000" cy="108000"/>
+              </a:xfrm>
+              <a:prstGeom prst="ellipse">
+                <a:avLst/>
+              </a:prstGeom>
+              <a:solidFill>
+                <a:srgbClr val="FF0000"/>
+              </a:solidFill>
+              <a:ln w="6350">
+                <a:solidFill>
+                  <a:schemeClr val="bg1"/>
+                </a:solidFill>
+              </a:ln>
+            </p:spPr>
+            <p:style>
+              <a:lnRef idx="2">
+                <a:schemeClr val="accent1">
+                  <a:shade val="15000"/>
+                </a:schemeClr>
+              </a:lnRef>
+              <a:fillRef idx="1">
+                <a:schemeClr val="accent1"/>
+              </a:fillRef>
+              <a:effectRef idx="0">
+                <a:schemeClr val="accent1"/>
+              </a:effectRef>
+              <a:fontRef idx="minor">
+                <a:schemeClr val="lt1"/>
+              </a:fontRef>
+            </p:style>
+            <p:txBody>
+              <a:bodyPr rtlCol="0" anchor="ctr"/>
+              <a:lstStyle/>
+              <a:p>
+                <a:pPr algn="ctr"/>
+                <a:endParaRPr lang="ko-KR" altLang="en-US"/>
+              </a:p>
+            </p:txBody>
+          </p:sp>
+          <p:sp>
+            <p:nvSpPr>
+              <p:cNvPr id="59" name="타원 58">
+                <a:extLst>
+                  <a:ext uri="{FF2B5EF4-FFF2-40B4-BE49-F238E27FC236}">
+                    <a16:creationId xmlns:a16="http://schemas.microsoft.com/office/drawing/2014/main" id="{9E35D0C0-0B5B-55B6-C05A-D406EF64C47C}"/>
+                  </a:ext>
+                </a:extLst>
+              </p:cNvPr>
+              <p:cNvSpPr/>
+              <p:nvPr/>
+            </p:nvSpPr>
+            <p:spPr>
+              <a:xfrm>
+                <a:off x="8460408" y="1769820"/>
+                <a:ext cx="108000" cy="108000"/>
+              </a:xfrm>
+              <a:prstGeom prst="ellipse">
+                <a:avLst/>
+              </a:prstGeom>
+              <a:solidFill>
+                <a:srgbClr val="FF0000"/>
+              </a:solidFill>
+              <a:ln w="6350">
+                <a:solidFill>
+                  <a:schemeClr val="bg1"/>
+                </a:solidFill>
+              </a:ln>
+            </p:spPr>
+            <p:style>
+              <a:lnRef idx="2">
+                <a:schemeClr val="accent1">
+                  <a:shade val="15000"/>
+                </a:schemeClr>
+              </a:lnRef>
+              <a:fillRef idx="1">
+                <a:schemeClr val="accent1"/>
+              </a:fillRef>
+              <a:effectRef idx="0">
+                <a:schemeClr val="accent1"/>
+              </a:effectRef>
+              <a:fontRef idx="minor">
+                <a:schemeClr val="lt1"/>
+              </a:fontRef>
+            </p:style>
+            <p:txBody>
+              <a:bodyPr rtlCol="0" anchor="ctr"/>
+              <a:lstStyle/>
+              <a:p>
+                <a:pPr algn="ctr"/>
+                <a:endParaRPr lang="ko-KR" altLang="en-US"/>
+              </a:p>
+            </p:txBody>
+          </p:sp>
+          <p:sp>
+            <p:nvSpPr>
+              <p:cNvPr id="60" name="타원 59">
+                <a:extLst>
+                  <a:ext uri="{FF2B5EF4-FFF2-40B4-BE49-F238E27FC236}">
+                    <a16:creationId xmlns:a16="http://schemas.microsoft.com/office/drawing/2014/main" id="{BE2CB5FB-3FD9-DEAC-19D2-65DF3CAC9284}"/>
+                  </a:ext>
+                </a:extLst>
+              </p:cNvPr>
+              <p:cNvSpPr/>
+              <p:nvPr/>
+            </p:nvSpPr>
+            <p:spPr>
+              <a:xfrm>
+                <a:off x="8819965" y="1877821"/>
+                <a:ext cx="108000" cy="108000"/>
+              </a:xfrm>
+              <a:prstGeom prst="ellipse">
+                <a:avLst/>
+              </a:prstGeom>
+              <a:solidFill>
+                <a:srgbClr val="FF0000"/>
+              </a:solidFill>
+              <a:ln w="6350">
+                <a:solidFill>
+                  <a:schemeClr val="bg1"/>
+                </a:solidFill>
+              </a:ln>
+            </p:spPr>
+            <p:style>
+              <a:lnRef idx="2">
+                <a:schemeClr val="accent1">
+                  <a:shade val="15000"/>
+                </a:schemeClr>
+              </a:lnRef>
+              <a:fillRef idx="1">
+                <a:schemeClr val="accent1"/>
+              </a:fillRef>
+              <a:effectRef idx="0">
+                <a:schemeClr val="accent1"/>
+              </a:effectRef>
+              <a:fontRef idx="minor">
+                <a:schemeClr val="lt1"/>
+              </a:fontRef>
+            </p:style>
+            <p:txBody>
+              <a:bodyPr rtlCol="0" anchor="ctr"/>
+              <a:lstStyle/>
+              <a:p>
+                <a:pPr algn="ctr"/>
+                <a:endParaRPr lang="ko-KR" altLang="en-US"/>
+              </a:p>
+            </p:txBody>
+          </p:sp>
+          <p:sp>
+            <p:nvSpPr>
+              <p:cNvPr id="61" name="타원 60">
+                <a:extLst>
+                  <a:ext uri="{FF2B5EF4-FFF2-40B4-BE49-F238E27FC236}">
+                    <a16:creationId xmlns:a16="http://schemas.microsoft.com/office/drawing/2014/main" id="{D3936EE2-D625-B649-74F8-3012A87C8635}"/>
+                  </a:ext>
+                </a:extLst>
+              </p:cNvPr>
+              <p:cNvSpPr/>
+              <p:nvPr/>
+            </p:nvSpPr>
+            <p:spPr>
+              <a:xfrm>
+                <a:off x="8819965" y="1769820"/>
+                <a:ext cx="108000" cy="108000"/>
+              </a:xfrm>
+              <a:prstGeom prst="ellipse">
+                <a:avLst/>
+              </a:prstGeom>
+              <a:solidFill>
+                <a:srgbClr val="FF0000"/>
+              </a:solidFill>
+              <a:ln w="6350">
+                <a:solidFill>
+                  <a:schemeClr val="bg1"/>
+                </a:solidFill>
+              </a:ln>
+            </p:spPr>
+            <p:style>
+              <a:lnRef idx="2">
+                <a:schemeClr val="accent1">
+                  <a:shade val="15000"/>
+                </a:schemeClr>
+              </a:lnRef>
+              <a:fillRef idx="1">
+                <a:schemeClr val="accent1"/>
+              </a:fillRef>
+              <a:effectRef idx="0">
+                <a:schemeClr val="accent1"/>
+              </a:effectRef>
+              <a:fontRef idx="minor">
+                <a:schemeClr val="lt1"/>
+              </a:fontRef>
+            </p:style>
+            <p:txBody>
+              <a:bodyPr rtlCol="0" anchor="ctr"/>
+              <a:lstStyle/>
+              <a:p>
+                <a:pPr algn="ctr"/>
+                <a:endParaRPr lang="ko-KR" altLang="en-US"/>
+              </a:p>
+            </p:txBody>
+          </p:sp>
+          <p:cxnSp>
+            <p:nvCxnSpPr>
+              <p:cNvPr id="62" name="직선 연결선 61">
+                <a:extLst>
+                  <a:ext uri="{FF2B5EF4-FFF2-40B4-BE49-F238E27FC236}">
+                    <a16:creationId xmlns:a16="http://schemas.microsoft.com/office/drawing/2014/main" id="{FB7A9B47-202E-F19B-3847-E6FF3AA92F4A}"/>
+                  </a:ext>
+                </a:extLst>
+              </p:cNvPr>
+              <p:cNvCxnSpPr/>
+              <p:nvPr/>
+            </p:nvCxnSpPr>
+            <p:spPr>
+              <a:xfrm>
+                <a:off x="1267564" y="3275112"/>
+                <a:ext cx="3600000" cy="0"/>
+              </a:xfrm>
+              <a:prstGeom prst="line">
+                <a:avLst/>
+              </a:prstGeom>
+            </p:spPr>
+            <p:style>
+              <a:lnRef idx="1">
+                <a:schemeClr val="accent1"/>
+              </a:lnRef>
+              <a:fillRef idx="0">
+                <a:schemeClr val="accent1"/>
+              </a:fillRef>
+              <a:effectRef idx="0">
+                <a:schemeClr val="accent1"/>
+              </a:effectRef>
+              <a:fontRef idx="minor">
+                <a:schemeClr val="tx1"/>
+              </a:fontRef>
+            </p:style>
+          </p:cxnSp>
+          <p:cxnSp>
+            <p:nvCxnSpPr>
+              <p:cNvPr id="63" name="직선 연결선 62">
+                <a:extLst>
+                  <a:ext uri="{FF2B5EF4-FFF2-40B4-BE49-F238E27FC236}">
+                    <a16:creationId xmlns:a16="http://schemas.microsoft.com/office/drawing/2014/main" id="{AC999447-3FC8-8E47-52E8-52FB78431F1C}"/>
+                  </a:ext>
+                </a:extLst>
+              </p:cNvPr>
+              <p:cNvCxnSpPr>
+                <a:cxnSpLocks/>
+              </p:cNvCxnSpPr>
+              <p:nvPr/>
+            </p:nvCxnSpPr>
+            <p:spPr>
+              <a:xfrm rot="5400000">
+                <a:off x="1213564" y="3329112"/>
+                <a:ext cx="108000" cy="0"/>
+              </a:xfrm>
+              <a:prstGeom prst="line">
+                <a:avLst/>
+              </a:prstGeom>
+            </p:spPr>
+            <p:style>
+              <a:lnRef idx="1">
+                <a:schemeClr val="accent1"/>
+              </a:lnRef>
+              <a:fillRef idx="0">
+                <a:schemeClr val="accent1"/>
+              </a:fillRef>
+              <a:effectRef idx="0">
+                <a:schemeClr val="accent1"/>
+              </a:effectRef>
+              <a:fontRef idx="minor">
+                <a:schemeClr val="tx1"/>
+              </a:fontRef>
+            </p:style>
+          </p:cxnSp>
+          <p:cxnSp>
+            <p:nvCxnSpPr>
+              <p:cNvPr id="64" name="직선 연결선 63">
+                <a:extLst>
+                  <a:ext uri="{FF2B5EF4-FFF2-40B4-BE49-F238E27FC236}">
+                    <a16:creationId xmlns:a16="http://schemas.microsoft.com/office/drawing/2014/main" id="{BD077CFB-1E80-2838-A3AF-8736F524B982}"/>
+                  </a:ext>
+                </a:extLst>
+              </p:cNvPr>
+              <p:cNvCxnSpPr>
+                <a:cxnSpLocks/>
+              </p:cNvCxnSpPr>
+              <p:nvPr/>
+            </p:nvCxnSpPr>
+            <p:spPr>
+              <a:xfrm rot="5400000">
+                <a:off x="4809131" y="3329112"/>
+                <a:ext cx="108000" cy="0"/>
+              </a:xfrm>
+              <a:prstGeom prst="line">
+                <a:avLst/>
+              </a:prstGeom>
+            </p:spPr>
+            <p:style>
+              <a:lnRef idx="1">
+                <a:schemeClr val="accent1"/>
+              </a:lnRef>
+              <a:fillRef idx="0">
+                <a:schemeClr val="accent1"/>
+              </a:fillRef>
+              <a:effectRef idx="0">
+                <a:schemeClr val="accent1"/>
+              </a:effectRef>
+              <a:fontRef idx="minor">
+                <a:schemeClr val="tx1"/>
+              </a:fontRef>
+            </p:style>
+          </p:cxnSp>
+          <p:cxnSp>
+            <p:nvCxnSpPr>
+              <p:cNvPr id="65" name="직선 연결선 64">
+                <a:extLst>
+                  <a:ext uri="{FF2B5EF4-FFF2-40B4-BE49-F238E27FC236}">
+                    <a16:creationId xmlns:a16="http://schemas.microsoft.com/office/drawing/2014/main" id="{B7C60523-4C5D-2FE1-3153-4A6F24CA49B8}"/>
+                  </a:ext>
+                </a:extLst>
+              </p:cNvPr>
+              <p:cNvCxnSpPr>
+                <a:cxnSpLocks/>
+              </p:cNvCxnSpPr>
+              <p:nvPr/>
+            </p:nvCxnSpPr>
+            <p:spPr>
+              <a:xfrm rot="5400000">
+                <a:off x="3011349" y="3329112"/>
+                <a:ext cx="108000" cy="0"/>
+              </a:xfrm>
+              <a:prstGeom prst="line">
+                <a:avLst/>
+              </a:prstGeom>
+            </p:spPr>
+            <p:style>
+              <a:lnRef idx="1">
+                <a:schemeClr val="accent1"/>
+              </a:lnRef>
+              <a:fillRef idx="0">
+                <a:schemeClr val="accent1"/>
+              </a:fillRef>
+              <a:effectRef idx="0">
+                <a:schemeClr val="accent1"/>
+              </a:effectRef>
+              <a:fontRef idx="minor">
+                <a:schemeClr val="tx1"/>
+              </a:fontRef>
+            </p:style>
+          </p:cxnSp>
+          <p:cxnSp>
+            <p:nvCxnSpPr>
+              <p:cNvPr id="66" name="직선 연결선 65">
+                <a:extLst>
+                  <a:ext uri="{FF2B5EF4-FFF2-40B4-BE49-F238E27FC236}">
+                    <a16:creationId xmlns:a16="http://schemas.microsoft.com/office/drawing/2014/main" id="{69A6C0A9-C790-DB33-3433-1792BC46BE20}"/>
+                  </a:ext>
+                </a:extLst>
+              </p:cNvPr>
+              <p:cNvCxnSpPr>
+                <a:cxnSpLocks/>
+              </p:cNvCxnSpPr>
+              <p:nvPr/>
+            </p:nvCxnSpPr>
+            <p:spPr>
+              <a:xfrm rot="5400000">
+                <a:off x="2651792" y="3329112"/>
+                <a:ext cx="108000" cy="0"/>
+              </a:xfrm>
+              <a:prstGeom prst="line">
+                <a:avLst/>
+              </a:prstGeom>
+            </p:spPr>
+            <p:style>
+              <a:lnRef idx="1">
+                <a:schemeClr val="accent1"/>
+              </a:lnRef>
+              <a:fillRef idx="0">
+                <a:schemeClr val="accent1"/>
+              </a:fillRef>
+              <a:effectRef idx="0">
+                <a:schemeClr val="accent1"/>
+              </a:effectRef>
+              <a:fontRef idx="minor">
+                <a:schemeClr val="tx1"/>
+              </a:fontRef>
+            </p:style>
+          </p:cxnSp>
+          <p:cxnSp>
+            <p:nvCxnSpPr>
+              <p:cNvPr id="67" name="직선 연결선 66">
+                <a:extLst>
+                  <a:ext uri="{FF2B5EF4-FFF2-40B4-BE49-F238E27FC236}">
+                    <a16:creationId xmlns:a16="http://schemas.microsoft.com/office/drawing/2014/main" id="{78B021F4-B917-6645-32AD-77240EA0A97C}"/>
+                  </a:ext>
+                </a:extLst>
+              </p:cNvPr>
+              <p:cNvCxnSpPr>
+                <a:cxnSpLocks/>
+              </p:cNvCxnSpPr>
+              <p:nvPr/>
+            </p:nvCxnSpPr>
+            <p:spPr>
+              <a:xfrm rot="5400000">
+                <a:off x="1932678" y="3329112"/>
+                <a:ext cx="108000" cy="0"/>
+              </a:xfrm>
+              <a:prstGeom prst="line">
+                <a:avLst/>
+              </a:prstGeom>
+            </p:spPr>
+            <p:style>
+              <a:lnRef idx="1">
+                <a:schemeClr val="accent1"/>
+              </a:lnRef>
+              <a:fillRef idx="0">
+                <a:schemeClr val="accent1"/>
+              </a:fillRef>
+              <a:effectRef idx="0">
+                <a:schemeClr val="accent1"/>
+              </a:effectRef>
+              <a:fontRef idx="minor">
+                <a:schemeClr val="tx1"/>
+              </a:fontRef>
+            </p:style>
+          </p:cxnSp>
+          <p:cxnSp>
+            <p:nvCxnSpPr>
+              <p:cNvPr id="68" name="직선 연결선 67">
+                <a:extLst>
+                  <a:ext uri="{FF2B5EF4-FFF2-40B4-BE49-F238E27FC236}">
+                    <a16:creationId xmlns:a16="http://schemas.microsoft.com/office/drawing/2014/main" id="{6F523B5A-E92E-F737-2BE4-0FC54ABD002A}"/>
+                  </a:ext>
+                </a:extLst>
+              </p:cNvPr>
+              <p:cNvCxnSpPr>
+                <a:cxnSpLocks/>
+              </p:cNvCxnSpPr>
+              <p:nvPr/>
+            </p:nvCxnSpPr>
+            <p:spPr>
+              <a:xfrm rot="5400000">
+                <a:off x="1573121" y="3329112"/>
+                <a:ext cx="108000" cy="0"/>
+              </a:xfrm>
+              <a:prstGeom prst="line">
+                <a:avLst/>
+              </a:prstGeom>
+            </p:spPr>
+            <p:style>
+              <a:lnRef idx="1">
+                <a:schemeClr val="accent1"/>
+              </a:lnRef>
+              <a:fillRef idx="0">
+                <a:schemeClr val="accent1"/>
+              </a:fillRef>
+              <a:effectRef idx="0">
+                <a:schemeClr val="accent1"/>
+              </a:effectRef>
+              <a:fontRef idx="minor">
+                <a:schemeClr val="tx1"/>
+              </a:fontRef>
+            </p:style>
+          </p:cxnSp>
+          <p:cxnSp>
+            <p:nvCxnSpPr>
+              <p:cNvPr id="69" name="직선 연결선 68">
+                <a:extLst>
+                  <a:ext uri="{FF2B5EF4-FFF2-40B4-BE49-F238E27FC236}">
+                    <a16:creationId xmlns:a16="http://schemas.microsoft.com/office/drawing/2014/main" id="{2FD8207E-2AD4-84E2-4415-468B60A22A64}"/>
+                  </a:ext>
+                </a:extLst>
+              </p:cNvPr>
+              <p:cNvCxnSpPr>
+                <a:cxnSpLocks/>
+              </p:cNvCxnSpPr>
+              <p:nvPr/>
+            </p:nvCxnSpPr>
+            <p:spPr>
+              <a:xfrm rot="5400000">
+                <a:off x="2292235" y="3329112"/>
+                <a:ext cx="108000" cy="0"/>
+              </a:xfrm>
+              <a:prstGeom prst="line">
+                <a:avLst/>
+              </a:prstGeom>
+            </p:spPr>
+            <p:style>
+              <a:lnRef idx="1">
+                <a:schemeClr val="accent1"/>
+              </a:lnRef>
+              <a:fillRef idx="0">
+                <a:schemeClr val="accent1"/>
+              </a:fillRef>
+              <a:effectRef idx="0">
+                <a:schemeClr val="accent1"/>
+              </a:effectRef>
+              <a:fontRef idx="minor">
+                <a:schemeClr val="tx1"/>
+              </a:fontRef>
+            </p:style>
+          </p:cxnSp>
+          <p:cxnSp>
+            <p:nvCxnSpPr>
+              <p:cNvPr id="70" name="직선 연결선 69">
+                <a:extLst>
+                  <a:ext uri="{FF2B5EF4-FFF2-40B4-BE49-F238E27FC236}">
+                    <a16:creationId xmlns:a16="http://schemas.microsoft.com/office/drawing/2014/main" id="{05C0DFAC-5281-24C1-8359-FED7FCE19F8D}"/>
+                  </a:ext>
+                </a:extLst>
+              </p:cNvPr>
+              <p:cNvCxnSpPr>
+                <a:cxnSpLocks/>
+              </p:cNvCxnSpPr>
+              <p:nvPr/>
+            </p:nvCxnSpPr>
+            <p:spPr>
+              <a:xfrm rot="5400000">
+                <a:off x="4449577" y="3329112"/>
+                <a:ext cx="108000" cy="0"/>
+              </a:xfrm>
+              <a:prstGeom prst="line">
+                <a:avLst/>
+              </a:prstGeom>
+            </p:spPr>
+            <p:style>
+              <a:lnRef idx="1">
+                <a:schemeClr val="accent1"/>
+              </a:lnRef>
+              <a:fillRef idx="0">
+                <a:schemeClr val="accent1"/>
+              </a:fillRef>
+              <a:effectRef idx="0">
+                <a:schemeClr val="accent1"/>
+              </a:effectRef>
+              <a:fontRef idx="minor">
+                <a:schemeClr val="tx1"/>
+              </a:fontRef>
+            </p:style>
+          </p:cxnSp>
+          <p:cxnSp>
+            <p:nvCxnSpPr>
+              <p:cNvPr id="71" name="직선 연결선 70">
+                <a:extLst>
+                  <a:ext uri="{FF2B5EF4-FFF2-40B4-BE49-F238E27FC236}">
+                    <a16:creationId xmlns:a16="http://schemas.microsoft.com/office/drawing/2014/main" id="{64DA6C88-BB8C-C2DB-A513-D68A716973A4}"/>
+                  </a:ext>
+                </a:extLst>
+              </p:cNvPr>
+              <p:cNvCxnSpPr>
+                <a:cxnSpLocks/>
+              </p:cNvCxnSpPr>
+              <p:nvPr/>
+            </p:nvCxnSpPr>
+            <p:spPr>
+              <a:xfrm rot="5400000">
+                <a:off x="3730463" y="3329112"/>
+                <a:ext cx="108000" cy="0"/>
+              </a:xfrm>
+              <a:prstGeom prst="line">
+                <a:avLst/>
+              </a:prstGeom>
+            </p:spPr>
+            <p:style>
+              <a:lnRef idx="1">
+                <a:schemeClr val="accent1"/>
+              </a:lnRef>
+              <a:fillRef idx="0">
+                <a:schemeClr val="accent1"/>
+              </a:fillRef>
+              <a:effectRef idx="0">
+                <a:schemeClr val="accent1"/>
+              </a:effectRef>
+              <a:fontRef idx="minor">
+                <a:schemeClr val="tx1"/>
+              </a:fontRef>
+            </p:style>
+          </p:cxnSp>
+          <p:cxnSp>
+            <p:nvCxnSpPr>
+              <p:cNvPr id="72" name="직선 연결선 71">
+                <a:extLst>
+                  <a:ext uri="{FF2B5EF4-FFF2-40B4-BE49-F238E27FC236}">
+                    <a16:creationId xmlns:a16="http://schemas.microsoft.com/office/drawing/2014/main" id="{28E55F78-A109-1754-C3B1-6D3D568D8F1D}"/>
+                  </a:ext>
+                </a:extLst>
+              </p:cNvPr>
+              <p:cNvCxnSpPr>
+                <a:cxnSpLocks/>
+              </p:cNvCxnSpPr>
+              <p:nvPr/>
+            </p:nvCxnSpPr>
+            <p:spPr>
+              <a:xfrm rot="5400000">
+                <a:off x="3370906" y="3329112"/>
+                <a:ext cx="108000" cy="0"/>
+              </a:xfrm>
+              <a:prstGeom prst="line">
+                <a:avLst/>
+              </a:prstGeom>
+            </p:spPr>
+            <p:style>
+              <a:lnRef idx="1">
+                <a:schemeClr val="accent1"/>
+              </a:lnRef>
+              <a:fillRef idx="0">
+                <a:schemeClr val="accent1"/>
+              </a:fillRef>
+              <a:effectRef idx="0">
+                <a:schemeClr val="accent1"/>
+              </a:effectRef>
+              <a:fontRef idx="minor">
+                <a:schemeClr val="tx1"/>
+              </a:fontRef>
+            </p:style>
+          </p:cxnSp>
+          <p:cxnSp>
+            <p:nvCxnSpPr>
+              <p:cNvPr id="73" name="직선 연결선 72">
+                <a:extLst>
+                  <a:ext uri="{FF2B5EF4-FFF2-40B4-BE49-F238E27FC236}">
+                    <a16:creationId xmlns:a16="http://schemas.microsoft.com/office/drawing/2014/main" id="{FBD044FB-A37B-287F-A0B7-C5F4D6CE9165}"/>
+                  </a:ext>
+                </a:extLst>
+              </p:cNvPr>
+              <p:cNvCxnSpPr>
+                <a:cxnSpLocks/>
+              </p:cNvCxnSpPr>
+              <p:nvPr/>
+            </p:nvCxnSpPr>
+            <p:spPr>
+              <a:xfrm rot="5400000">
+                <a:off x="4090020" y="3329112"/>
+                <a:ext cx="108000" cy="0"/>
+              </a:xfrm>
+              <a:prstGeom prst="line">
+                <a:avLst/>
+              </a:prstGeom>
+            </p:spPr>
+            <p:style>
+              <a:lnRef idx="1">
+                <a:schemeClr val="accent1"/>
+              </a:lnRef>
+              <a:fillRef idx="0">
+                <a:schemeClr val="accent1"/>
+              </a:fillRef>
+              <a:effectRef idx="0">
+                <a:schemeClr val="accent1"/>
+              </a:effectRef>
+              <a:fontRef idx="minor">
+                <a:schemeClr val="tx1"/>
+              </a:fontRef>
+            </p:style>
+          </p:cxnSp>
+          <mc:AlternateContent xmlns:mc="http://schemas.openxmlformats.org/markup-compatibility/2006">
+            <mc:Choice xmlns:a14="http://schemas.microsoft.com/office/drawing/2010/main" Requires="a14">
+              <p:sp>
+                <p:nvSpPr>
+                  <p:cNvPr id="84" name="TextBox 83">
+                    <a:extLst>
+                      <a:ext uri="{FF2B5EF4-FFF2-40B4-BE49-F238E27FC236}">
+                        <a16:creationId xmlns:a16="http://schemas.microsoft.com/office/drawing/2014/main" id="{BDA8A6B4-892A-578C-1CBA-EDBA2D1AFA8D}"/>
+                      </a:ext>
+                    </a:extLst>
+                  </p:cNvPr>
+                  <p:cNvSpPr txBox="1"/>
+                  <p:nvPr/>
+                </p:nvSpPr>
+                <p:spPr>
+                  <a:xfrm>
+                    <a:off x="4871552" y="3121223"/>
+                    <a:ext cx="363240" cy="307777"/>
+                  </a:xfrm>
+                  <a:prstGeom prst="rect">
+                    <a:avLst/>
+                  </a:prstGeom>
+                  <a:noFill/>
+                </p:spPr>
+                <p:txBody>
+                  <a:bodyPr wrap="none" lIns="0" tIns="0" rIns="0" bIns="0" rtlCol="0" anchor="ctr">
+                    <a:spAutoFit/>
+                  </a:bodyPr>
+                  <a:lstStyle/>
+                  <a:p>
+                    <a:pPr/>
+                    <a14:m>
+                      <m:oMathPara xmlns:m="http://schemas.openxmlformats.org/officeDocument/2006/math">
+                        <m:oMathParaPr>
+                          <m:jc m:val="centerGroup"/>
+                        </m:oMathParaPr>
+                        <m:oMath xmlns:m="http://schemas.openxmlformats.org/officeDocument/2006/math">
+                          <m:sSub>
+                            <m:sSubPr>
+                              <m:ctrlPr>
+                                <a:rPr lang="en-US" altLang="ko-KR" sz="2000" b="0" i="1" smtClean="0">
+                                  <a:latin typeface="Cambria Math" panose="02040503050406030204" pitchFamily="18" charset="0"/>
+                                </a:rPr>
+                              </m:ctrlPr>
+                            </m:sSubPr>
+                            <m:e>
+                              <m:r>
+                                <a:rPr lang="en-US" altLang="ko-KR" sz="2000" b="0" i="1" smtClean="0">
+                                  <a:latin typeface="Cambria Math" panose="02040503050406030204" pitchFamily="18" charset="0"/>
+                                </a:rPr>
+                                <m:t>𝑋</m:t>
+                              </m:r>
+                            </m:e>
+                            <m:sub>
+                              <m:r>
+                                <a:rPr lang="en-US" altLang="ko-KR" sz="2000" b="0" i="1" smtClean="0">
+                                  <a:latin typeface="Cambria Math" panose="02040503050406030204" pitchFamily="18" charset="0"/>
+                                </a:rPr>
+                                <m:t>3</m:t>
+                              </m:r>
+                            </m:sub>
+                          </m:sSub>
+                        </m:oMath>
+                      </m:oMathPara>
+                    </a14:m>
+                    <a:endParaRPr lang="en-US" altLang="ko-KR" sz="2000" b="0" dirty="0"/>
+                  </a:p>
+                </p:txBody>
+              </p:sp>
+            </mc:Choice>
+            <mc:Fallback>
+              <p:sp>
+                <p:nvSpPr>
+                  <p:cNvPr id="84" name="TextBox 83">
+                    <a:extLst>
+                      <a:ext uri="{FF2B5EF4-FFF2-40B4-BE49-F238E27FC236}">
+                        <a16:creationId xmlns:a16="http://schemas.microsoft.com/office/drawing/2014/main" id="{BDA8A6B4-892A-578C-1CBA-EDBA2D1AFA8D}"/>
+                      </a:ext>
+                    </a:extLst>
+                  </p:cNvPr>
+                  <p:cNvSpPr txBox="1">
+                    <a:spLocks noRot="1" noChangeAspect="1" noMove="1" noResize="1" noEditPoints="1" noAdjustHandles="1" noChangeArrowheads="1" noChangeShapeType="1" noTextEdit="1"/>
+                  </p:cNvSpPr>
+                  <p:nvPr/>
+                </p:nvSpPr>
+                <p:spPr>
+                  <a:xfrm>
+                    <a:off x="4871552" y="3121223"/>
+                    <a:ext cx="363240" cy="307777"/>
+                  </a:xfrm>
+                  <a:prstGeom prst="rect">
+                    <a:avLst/>
+                  </a:prstGeom>
+                  <a:blipFill>
+                    <a:blip r:embed="rId4"/>
+                    <a:stretch>
+                      <a:fillRect l="-11667" r="-1667" b="-19608"/>
+                    </a:stretch>
+                  </a:blipFill>
+                </p:spPr>
+                <p:txBody>
+                  <a:bodyPr/>
+                  <a:lstStyle/>
+                  <a:p>
+                    <a:r>
+                      <a:rPr lang="ko-KR" altLang="en-US">
+                        <a:noFill/>
+                      </a:rPr>
+                      <a:t> </a:t>
+                    </a:r>
+                  </a:p>
+                </p:txBody>
+              </p:sp>
+            </mc:Fallback>
+          </mc:AlternateContent>
+          <p:cxnSp>
+            <p:nvCxnSpPr>
+              <p:cNvPr id="85" name="직선 연결선 84">
+                <a:extLst>
+                  <a:ext uri="{FF2B5EF4-FFF2-40B4-BE49-F238E27FC236}">
+                    <a16:creationId xmlns:a16="http://schemas.microsoft.com/office/drawing/2014/main" id="{B8FE72DD-1373-1E36-C432-2FF64A0681A5}"/>
+                  </a:ext>
+                </a:extLst>
+              </p:cNvPr>
+              <p:cNvCxnSpPr/>
+              <p:nvPr/>
+            </p:nvCxnSpPr>
+            <p:spPr>
+              <a:xfrm>
+                <a:off x="5644663" y="3275112"/>
+                <a:ext cx="3600000" cy="0"/>
+              </a:xfrm>
+              <a:prstGeom prst="line">
+                <a:avLst/>
+              </a:prstGeom>
+            </p:spPr>
+            <p:style>
+              <a:lnRef idx="1">
+                <a:schemeClr val="accent1"/>
+              </a:lnRef>
+              <a:fillRef idx="0">
+                <a:schemeClr val="accent1"/>
+              </a:fillRef>
+              <a:effectRef idx="0">
+                <a:schemeClr val="accent1"/>
+              </a:effectRef>
+              <a:fontRef idx="minor">
+                <a:schemeClr val="tx1"/>
+              </a:fontRef>
+            </p:style>
+          </p:cxnSp>
+          <p:cxnSp>
+            <p:nvCxnSpPr>
+              <p:cNvPr id="86" name="직선 연결선 85">
+                <a:extLst>
+                  <a:ext uri="{FF2B5EF4-FFF2-40B4-BE49-F238E27FC236}">
+                    <a16:creationId xmlns:a16="http://schemas.microsoft.com/office/drawing/2014/main" id="{85A7307B-0674-6E3F-1E66-987D5BBBC09B}"/>
+                  </a:ext>
+                </a:extLst>
+              </p:cNvPr>
+              <p:cNvCxnSpPr>
+                <a:cxnSpLocks/>
+              </p:cNvCxnSpPr>
+              <p:nvPr/>
+            </p:nvCxnSpPr>
+            <p:spPr>
+              <a:xfrm rot="5400000">
+                <a:off x="5590663" y="3329112"/>
+                <a:ext cx="108000" cy="0"/>
+              </a:xfrm>
+              <a:prstGeom prst="line">
+                <a:avLst/>
+              </a:prstGeom>
+            </p:spPr>
+            <p:style>
+              <a:lnRef idx="1">
+                <a:schemeClr val="accent1"/>
+              </a:lnRef>
+              <a:fillRef idx="0">
+                <a:schemeClr val="accent1"/>
+              </a:fillRef>
+              <a:effectRef idx="0">
+                <a:schemeClr val="accent1"/>
+              </a:effectRef>
+              <a:fontRef idx="minor">
+                <a:schemeClr val="tx1"/>
+              </a:fontRef>
+            </p:style>
+          </p:cxnSp>
+          <p:cxnSp>
+            <p:nvCxnSpPr>
+              <p:cNvPr id="87" name="직선 연결선 86">
+                <a:extLst>
+                  <a:ext uri="{FF2B5EF4-FFF2-40B4-BE49-F238E27FC236}">
+                    <a16:creationId xmlns:a16="http://schemas.microsoft.com/office/drawing/2014/main" id="{CB76B2E1-A97D-1BF9-7124-F911A1905132}"/>
+                  </a:ext>
+                </a:extLst>
+              </p:cNvPr>
+              <p:cNvCxnSpPr>
+                <a:cxnSpLocks/>
+              </p:cNvCxnSpPr>
+              <p:nvPr/>
+            </p:nvCxnSpPr>
+            <p:spPr>
+              <a:xfrm rot="5400000">
+                <a:off x="9186230" y="3329112"/>
+                <a:ext cx="108000" cy="0"/>
+              </a:xfrm>
+              <a:prstGeom prst="line">
+                <a:avLst/>
+              </a:prstGeom>
+            </p:spPr>
+            <p:style>
+              <a:lnRef idx="1">
+                <a:schemeClr val="accent1"/>
+              </a:lnRef>
+              <a:fillRef idx="0">
+                <a:schemeClr val="accent1"/>
+              </a:fillRef>
+              <a:effectRef idx="0">
+                <a:schemeClr val="accent1"/>
+              </a:effectRef>
+              <a:fontRef idx="minor">
+                <a:schemeClr val="tx1"/>
+              </a:fontRef>
+            </p:style>
+          </p:cxnSp>
+          <p:cxnSp>
+            <p:nvCxnSpPr>
+              <p:cNvPr id="88" name="직선 연결선 87">
+                <a:extLst>
+                  <a:ext uri="{FF2B5EF4-FFF2-40B4-BE49-F238E27FC236}">
+                    <a16:creationId xmlns:a16="http://schemas.microsoft.com/office/drawing/2014/main" id="{4C87A662-30D7-0950-FC1A-648FB505BD6C}"/>
+                  </a:ext>
+                </a:extLst>
+              </p:cNvPr>
+              <p:cNvCxnSpPr>
+                <a:cxnSpLocks/>
+              </p:cNvCxnSpPr>
+              <p:nvPr/>
+            </p:nvCxnSpPr>
+            <p:spPr>
+              <a:xfrm rot="5400000">
+                <a:off x="7388448" y="3329112"/>
+                <a:ext cx="108000" cy="0"/>
+              </a:xfrm>
+              <a:prstGeom prst="line">
+                <a:avLst/>
+              </a:prstGeom>
+            </p:spPr>
+            <p:style>
+              <a:lnRef idx="1">
+                <a:schemeClr val="accent1"/>
+              </a:lnRef>
+              <a:fillRef idx="0">
+                <a:schemeClr val="accent1"/>
+              </a:fillRef>
+              <a:effectRef idx="0">
+                <a:schemeClr val="accent1"/>
+              </a:effectRef>
+              <a:fontRef idx="minor">
+                <a:schemeClr val="tx1"/>
+              </a:fontRef>
+            </p:style>
+          </p:cxnSp>
+          <p:cxnSp>
+            <p:nvCxnSpPr>
+              <p:cNvPr id="89" name="직선 연결선 88">
+                <a:extLst>
+                  <a:ext uri="{FF2B5EF4-FFF2-40B4-BE49-F238E27FC236}">
+                    <a16:creationId xmlns:a16="http://schemas.microsoft.com/office/drawing/2014/main" id="{852451D1-0659-B409-C97C-3A0683E92500}"/>
+                  </a:ext>
+                </a:extLst>
+              </p:cNvPr>
+              <p:cNvCxnSpPr>
+                <a:cxnSpLocks/>
+              </p:cNvCxnSpPr>
+              <p:nvPr/>
+            </p:nvCxnSpPr>
+            <p:spPr>
+              <a:xfrm rot="5400000">
+                <a:off x="7028891" y="3329112"/>
+                <a:ext cx="108000" cy="0"/>
+              </a:xfrm>
+              <a:prstGeom prst="line">
+                <a:avLst/>
+              </a:prstGeom>
+            </p:spPr>
+            <p:style>
+              <a:lnRef idx="1">
+                <a:schemeClr val="accent1"/>
+              </a:lnRef>
+              <a:fillRef idx="0">
+                <a:schemeClr val="accent1"/>
+              </a:fillRef>
+              <a:effectRef idx="0">
+                <a:schemeClr val="accent1"/>
+              </a:effectRef>
+              <a:fontRef idx="minor">
+                <a:schemeClr val="tx1"/>
+              </a:fontRef>
+            </p:style>
+          </p:cxnSp>
+          <p:cxnSp>
+            <p:nvCxnSpPr>
+              <p:cNvPr id="90" name="직선 연결선 89">
+                <a:extLst>
+                  <a:ext uri="{FF2B5EF4-FFF2-40B4-BE49-F238E27FC236}">
+                    <a16:creationId xmlns:a16="http://schemas.microsoft.com/office/drawing/2014/main" id="{4AE22BDE-B1A1-D401-8363-D98AA132330A}"/>
+                  </a:ext>
+                </a:extLst>
+              </p:cNvPr>
+              <p:cNvCxnSpPr>
+                <a:cxnSpLocks/>
+              </p:cNvCxnSpPr>
+              <p:nvPr/>
+            </p:nvCxnSpPr>
+            <p:spPr>
+              <a:xfrm rot="5400000">
+                <a:off x="6309777" y="3329112"/>
+                <a:ext cx="108000" cy="0"/>
+              </a:xfrm>
+              <a:prstGeom prst="line">
+                <a:avLst/>
+              </a:prstGeom>
+            </p:spPr>
+            <p:style>
+              <a:lnRef idx="1">
+                <a:schemeClr val="accent1"/>
+              </a:lnRef>
+              <a:fillRef idx="0">
+                <a:schemeClr val="accent1"/>
+              </a:fillRef>
+              <a:effectRef idx="0">
+                <a:schemeClr val="accent1"/>
+              </a:effectRef>
+              <a:fontRef idx="minor">
+                <a:schemeClr val="tx1"/>
+              </a:fontRef>
+            </p:style>
+          </p:cxnSp>
+          <p:cxnSp>
+            <p:nvCxnSpPr>
+              <p:cNvPr id="91" name="직선 연결선 90">
+                <a:extLst>
+                  <a:ext uri="{FF2B5EF4-FFF2-40B4-BE49-F238E27FC236}">
+                    <a16:creationId xmlns:a16="http://schemas.microsoft.com/office/drawing/2014/main" id="{E752C958-A5FA-624F-2085-92DE4CF1F0E9}"/>
+                  </a:ext>
+                </a:extLst>
+              </p:cNvPr>
+              <p:cNvCxnSpPr>
+                <a:cxnSpLocks/>
+              </p:cNvCxnSpPr>
+              <p:nvPr/>
+            </p:nvCxnSpPr>
+            <p:spPr>
+              <a:xfrm rot="5400000">
+                <a:off x="5950220" y="3329112"/>
+                <a:ext cx="108000" cy="0"/>
+              </a:xfrm>
+              <a:prstGeom prst="line">
+                <a:avLst/>
+              </a:prstGeom>
+            </p:spPr>
+            <p:style>
+              <a:lnRef idx="1">
+                <a:schemeClr val="accent1"/>
+              </a:lnRef>
+              <a:fillRef idx="0">
+                <a:schemeClr val="accent1"/>
+              </a:fillRef>
+              <a:effectRef idx="0">
+                <a:schemeClr val="accent1"/>
+              </a:effectRef>
+              <a:fontRef idx="minor">
+                <a:schemeClr val="tx1"/>
+              </a:fontRef>
+            </p:style>
+          </p:cxnSp>
+          <p:cxnSp>
+            <p:nvCxnSpPr>
+              <p:cNvPr id="92" name="직선 연결선 91">
+                <a:extLst>
+                  <a:ext uri="{FF2B5EF4-FFF2-40B4-BE49-F238E27FC236}">
+                    <a16:creationId xmlns:a16="http://schemas.microsoft.com/office/drawing/2014/main" id="{55DD1092-758C-9F33-CD24-40B7DCD93DD4}"/>
+                  </a:ext>
+                </a:extLst>
+              </p:cNvPr>
+              <p:cNvCxnSpPr>
+                <a:cxnSpLocks/>
+              </p:cNvCxnSpPr>
+              <p:nvPr/>
+            </p:nvCxnSpPr>
+            <p:spPr>
+              <a:xfrm rot="5400000">
+                <a:off x="6669334" y="3329112"/>
+                <a:ext cx="108000" cy="0"/>
+              </a:xfrm>
+              <a:prstGeom prst="line">
+                <a:avLst/>
+              </a:prstGeom>
+            </p:spPr>
+            <p:style>
+              <a:lnRef idx="1">
+                <a:schemeClr val="accent1"/>
+              </a:lnRef>
+              <a:fillRef idx="0">
+                <a:schemeClr val="accent1"/>
+              </a:fillRef>
+              <a:effectRef idx="0">
+                <a:schemeClr val="accent1"/>
+              </a:effectRef>
+              <a:fontRef idx="minor">
+                <a:schemeClr val="tx1"/>
+              </a:fontRef>
+            </p:style>
+          </p:cxnSp>
+          <p:cxnSp>
+            <p:nvCxnSpPr>
+              <p:cNvPr id="93" name="직선 연결선 92">
+                <a:extLst>
+                  <a:ext uri="{FF2B5EF4-FFF2-40B4-BE49-F238E27FC236}">
+                    <a16:creationId xmlns:a16="http://schemas.microsoft.com/office/drawing/2014/main" id="{1E64CC72-C85E-12F0-D3D2-3130DFB73997}"/>
+                  </a:ext>
+                </a:extLst>
+              </p:cNvPr>
+              <p:cNvCxnSpPr>
+                <a:cxnSpLocks/>
+              </p:cNvCxnSpPr>
+              <p:nvPr/>
+            </p:nvCxnSpPr>
+            <p:spPr>
+              <a:xfrm rot="5400000">
+                <a:off x="8826676" y="3329112"/>
+                <a:ext cx="108000" cy="0"/>
+              </a:xfrm>
+              <a:prstGeom prst="line">
+                <a:avLst/>
+              </a:prstGeom>
+            </p:spPr>
+            <p:style>
+              <a:lnRef idx="1">
+                <a:schemeClr val="accent1"/>
+              </a:lnRef>
+              <a:fillRef idx="0">
+                <a:schemeClr val="accent1"/>
+              </a:fillRef>
+              <a:effectRef idx="0">
+                <a:schemeClr val="accent1"/>
+              </a:effectRef>
+              <a:fontRef idx="minor">
+                <a:schemeClr val="tx1"/>
+              </a:fontRef>
+            </p:style>
+          </p:cxnSp>
+          <p:cxnSp>
+            <p:nvCxnSpPr>
+              <p:cNvPr id="94" name="직선 연결선 93">
+                <a:extLst>
+                  <a:ext uri="{FF2B5EF4-FFF2-40B4-BE49-F238E27FC236}">
+                    <a16:creationId xmlns:a16="http://schemas.microsoft.com/office/drawing/2014/main" id="{309E771C-00D6-B34E-FC13-369F497298F4}"/>
+                  </a:ext>
+                </a:extLst>
+              </p:cNvPr>
+              <p:cNvCxnSpPr>
+                <a:cxnSpLocks/>
+              </p:cNvCxnSpPr>
+              <p:nvPr/>
+            </p:nvCxnSpPr>
+            <p:spPr>
+              <a:xfrm rot="5400000">
+                <a:off x="8107562" y="3329112"/>
+                <a:ext cx="108000" cy="0"/>
+              </a:xfrm>
+              <a:prstGeom prst="line">
+                <a:avLst/>
+              </a:prstGeom>
+            </p:spPr>
+            <p:style>
+              <a:lnRef idx="1">
+                <a:schemeClr val="accent1"/>
+              </a:lnRef>
+              <a:fillRef idx="0">
+                <a:schemeClr val="accent1"/>
+              </a:fillRef>
+              <a:effectRef idx="0">
+                <a:schemeClr val="accent1"/>
+              </a:effectRef>
+              <a:fontRef idx="minor">
+                <a:schemeClr val="tx1"/>
+              </a:fontRef>
+            </p:style>
+          </p:cxnSp>
+          <p:cxnSp>
+            <p:nvCxnSpPr>
+              <p:cNvPr id="95" name="직선 연결선 94">
+                <a:extLst>
+                  <a:ext uri="{FF2B5EF4-FFF2-40B4-BE49-F238E27FC236}">
+                    <a16:creationId xmlns:a16="http://schemas.microsoft.com/office/drawing/2014/main" id="{5E85E964-1DCE-CDBC-C1C5-8B17AFF98F65}"/>
+                  </a:ext>
+                </a:extLst>
+              </p:cNvPr>
+              <p:cNvCxnSpPr>
+                <a:cxnSpLocks/>
+              </p:cNvCxnSpPr>
+              <p:nvPr/>
+            </p:nvCxnSpPr>
+            <p:spPr>
+              <a:xfrm rot="5400000">
+                <a:off x="7748005" y="3329112"/>
+                <a:ext cx="108000" cy="0"/>
+              </a:xfrm>
+              <a:prstGeom prst="line">
+                <a:avLst/>
+              </a:prstGeom>
+            </p:spPr>
+            <p:style>
+              <a:lnRef idx="1">
+                <a:schemeClr val="accent1"/>
+              </a:lnRef>
+              <a:fillRef idx="0">
+                <a:schemeClr val="accent1"/>
+              </a:fillRef>
+              <a:effectRef idx="0">
+                <a:schemeClr val="accent1"/>
+              </a:effectRef>
+              <a:fontRef idx="minor">
+                <a:schemeClr val="tx1"/>
+              </a:fontRef>
+            </p:style>
+          </p:cxnSp>
+          <p:cxnSp>
+            <p:nvCxnSpPr>
+              <p:cNvPr id="96" name="직선 연결선 95">
+                <a:extLst>
+                  <a:ext uri="{FF2B5EF4-FFF2-40B4-BE49-F238E27FC236}">
+                    <a16:creationId xmlns:a16="http://schemas.microsoft.com/office/drawing/2014/main" id="{54470650-757F-D529-C9D6-549865158E9B}"/>
+                  </a:ext>
+                </a:extLst>
+              </p:cNvPr>
+              <p:cNvCxnSpPr>
+                <a:cxnSpLocks/>
+              </p:cNvCxnSpPr>
+              <p:nvPr/>
+            </p:nvCxnSpPr>
+            <p:spPr>
+              <a:xfrm rot="5400000">
+                <a:off x="8467119" y="3329112"/>
+                <a:ext cx="108000" cy="0"/>
+              </a:xfrm>
+              <a:prstGeom prst="line">
+                <a:avLst/>
+              </a:prstGeom>
+            </p:spPr>
+            <p:style>
+              <a:lnRef idx="1">
+                <a:schemeClr val="accent1"/>
+              </a:lnRef>
+              <a:fillRef idx="0">
+                <a:schemeClr val="accent1"/>
+              </a:fillRef>
+              <a:effectRef idx="0">
+                <a:schemeClr val="accent1"/>
+              </a:effectRef>
+              <a:fontRef idx="minor">
+                <a:schemeClr val="tx1"/>
+              </a:fontRef>
+            </p:style>
+          </p:cxnSp>
+          <mc:AlternateContent xmlns:mc="http://schemas.openxmlformats.org/markup-compatibility/2006">
+            <mc:Choice xmlns:a14="http://schemas.microsoft.com/office/drawing/2010/main" Requires="a14">
+              <p:sp>
+                <p:nvSpPr>
+                  <p:cNvPr id="97" name="TextBox 96">
+                    <a:extLst>
+                      <a:ext uri="{FF2B5EF4-FFF2-40B4-BE49-F238E27FC236}">
+                        <a16:creationId xmlns:a16="http://schemas.microsoft.com/office/drawing/2014/main" id="{0AC6CA89-4DE3-8FD1-76FC-A3C5F89F1B68}"/>
+                      </a:ext>
+                    </a:extLst>
+                  </p:cNvPr>
+                  <p:cNvSpPr txBox="1"/>
+                  <p:nvPr/>
+                </p:nvSpPr>
+                <p:spPr>
+                  <a:xfrm>
+                    <a:off x="9248651" y="3121223"/>
+                    <a:ext cx="363240" cy="307777"/>
+                  </a:xfrm>
+                  <a:prstGeom prst="rect">
+                    <a:avLst/>
+                  </a:prstGeom>
+                  <a:noFill/>
+                </p:spPr>
+                <p:txBody>
+                  <a:bodyPr wrap="none" lIns="0" tIns="0" rIns="0" bIns="0" rtlCol="0" anchor="ctr">
+                    <a:spAutoFit/>
+                  </a:bodyPr>
+                  <a:lstStyle/>
+                  <a:p>
+                    <a:pPr/>
+                    <a14:m>
+                      <m:oMathPara xmlns:m="http://schemas.openxmlformats.org/officeDocument/2006/math">
+                        <m:oMathParaPr>
+                          <m:jc m:val="centerGroup"/>
+                        </m:oMathParaPr>
+                        <m:oMath xmlns:m="http://schemas.openxmlformats.org/officeDocument/2006/math">
+                          <m:sSub>
+                            <m:sSubPr>
+                              <m:ctrlPr>
+                                <a:rPr lang="en-US" altLang="ko-KR" sz="2000" b="0" i="1" smtClean="0">
+                                  <a:latin typeface="Cambria Math" panose="02040503050406030204" pitchFamily="18" charset="0"/>
+                                </a:rPr>
+                              </m:ctrlPr>
+                            </m:sSubPr>
+                            <m:e>
+                              <m:r>
+                                <a:rPr lang="en-US" altLang="ko-KR" sz="2000" b="0" i="1" smtClean="0">
+                                  <a:latin typeface="Cambria Math" panose="02040503050406030204" pitchFamily="18" charset="0"/>
+                                </a:rPr>
+                                <m:t>𝑋</m:t>
+                              </m:r>
+                            </m:e>
+                            <m:sub>
+                              <m:r>
+                                <a:rPr lang="en-US" altLang="ko-KR" sz="2000" b="0" i="1" smtClean="0">
+                                  <a:latin typeface="Cambria Math" panose="02040503050406030204" pitchFamily="18" charset="0"/>
+                                </a:rPr>
+                                <m:t>4</m:t>
+                              </m:r>
+                            </m:sub>
+                          </m:sSub>
+                        </m:oMath>
+                      </m:oMathPara>
+                    </a14:m>
+                    <a:endParaRPr lang="en-US" altLang="ko-KR" sz="2000" b="0" dirty="0"/>
+                  </a:p>
+                </p:txBody>
+              </p:sp>
+            </mc:Choice>
+            <mc:Fallback>
+              <p:sp>
+                <p:nvSpPr>
+                  <p:cNvPr id="97" name="TextBox 96">
+                    <a:extLst>
+                      <a:ext uri="{FF2B5EF4-FFF2-40B4-BE49-F238E27FC236}">
+                        <a16:creationId xmlns:a16="http://schemas.microsoft.com/office/drawing/2014/main" id="{0AC6CA89-4DE3-8FD1-76FC-A3C5F89F1B68}"/>
+                      </a:ext>
+                    </a:extLst>
+                  </p:cNvPr>
+                  <p:cNvSpPr txBox="1">
+                    <a:spLocks noRot="1" noChangeAspect="1" noMove="1" noResize="1" noEditPoints="1" noAdjustHandles="1" noChangeArrowheads="1" noChangeShapeType="1" noTextEdit="1"/>
+                  </p:cNvSpPr>
+                  <p:nvPr/>
+                </p:nvSpPr>
+                <p:spPr>
+                  <a:xfrm>
+                    <a:off x="9248651" y="3121223"/>
+                    <a:ext cx="363240" cy="307777"/>
+                  </a:xfrm>
+                  <a:prstGeom prst="rect">
+                    <a:avLst/>
+                  </a:prstGeom>
+                  <a:blipFill>
+                    <a:blip r:embed="rId5"/>
+                    <a:stretch>
+                      <a:fillRect l="-11667" b="-17647"/>
+                    </a:stretch>
+                  </a:blipFill>
+                </p:spPr>
+                <p:txBody>
+                  <a:bodyPr/>
+                  <a:lstStyle/>
+                  <a:p>
+                    <a:r>
+                      <a:rPr lang="ko-KR" altLang="en-US">
+                        <a:noFill/>
+                      </a:rPr>
+                      <a:t> </a:t>
+                    </a:r>
+                  </a:p>
+                </p:txBody>
+              </p:sp>
+            </mc:Fallback>
+          </mc:AlternateContent>
+          <p:sp>
+            <p:nvSpPr>
+              <p:cNvPr id="108" name="타원 107">
+                <a:extLst>
+                  <a:ext uri="{FF2B5EF4-FFF2-40B4-BE49-F238E27FC236}">
+                    <a16:creationId xmlns:a16="http://schemas.microsoft.com/office/drawing/2014/main" id="{741D72B2-1A75-D07B-970E-B602FC5FA2BB}"/>
+                  </a:ext>
+                </a:extLst>
+              </p:cNvPr>
+              <p:cNvSpPr/>
+              <p:nvPr/>
+            </p:nvSpPr>
+            <p:spPr>
+              <a:xfrm>
+                <a:off x="1577270" y="3167114"/>
+                <a:ext cx="108000" cy="108000"/>
+              </a:xfrm>
+              <a:prstGeom prst="ellipse">
+                <a:avLst/>
+              </a:prstGeom>
+              <a:solidFill>
+                <a:srgbClr val="FF0000"/>
+              </a:solidFill>
+              <a:ln w="6350">
+                <a:solidFill>
+                  <a:schemeClr val="bg1"/>
+                </a:solidFill>
+              </a:ln>
+            </p:spPr>
+            <p:style>
+              <a:lnRef idx="2">
+                <a:schemeClr val="accent1">
+                  <a:shade val="15000"/>
+                </a:schemeClr>
+              </a:lnRef>
+              <a:fillRef idx="1">
+                <a:schemeClr val="accent1"/>
+              </a:fillRef>
+              <a:effectRef idx="0">
+                <a:schemeClr val="accent1"/>
+              </a:effectRef>
+              <a:fontRef idx="minor">
+                <a:schemeClr val="lt1"/>
+              </a:fontRef>
+            </p:style>
+            <p:txBody>
+              <a:bodyPr rtlCol="0" anchor="ctr"/>
+              <a:lstStyle/>
+              <a:p>
+                <a:pPr algn="ctr"/>
+                <a:endParaRPr lang="ko-KR" altLang="en-US"/>
+              </a:p>
+            </p:txBody>
+          </p:sp>
+          <p:sp>
+            <p:nvSpPr>
+              <p:cNvPr id="109" name="타원 108">
+                <a:extLst>
+                  <a:ext uri="{FF2B5EF4-FFF2-40B4-BE49-F238E27FC236}">
+                    <a16:creationId xmlns:a16="http://schemas.microsoft.com/office/drawing/2014/main" id="{69ED8E76-F090-F23C-DDF1-FD6609EFA99F}"/>
+                  </a:ext>
+                </a:extLst>
+              </p:cNvPr>
+              <p:cNvSpPr/>
+              <p:nvPr/>
+            </p:nvSpPr>
+            <p:spPr>
+              <a:xfrm>
+                <a:off x="1577270" y="3059113"/>
+                <a:ext cx="108000" cy="108000"/>
+              </a:xfrm>
+              <a:prstGeom prst="ellipse">
+                <a:avLst/>
+              </a:prstGeom>
+              <a:solidFill>
+                <a:srgbClr val="FF0000"/>
+              </a:solidFill>
+              <a:ln w="6350">
+                <a:solidFill>
+                  <a:schemeClr val="bg1"/>
+                </a:solidFill>
+              </a:ln>
+            </p:spPr>
+            <p:style>
+              <a:lnRef idx="2">
+                <a:schemeClr val="accent1">
+                  <a:shade val="15000"/>
+                </a:schemeClr>
+              </a:lnRef>
+              <a:fillRef idx="1">
+                <a:schemeClr val="accent1"/>
+              </a:fillRef>
+              <a:effectRef idx="0">
+                <a:schemeClr val="accent1"/>
+              </a:effectRef>
+              <a:fontRef idx="minor">
+                <a:schemeClr val="lt1"/>
+              </a:fontRef>
+            </p:style>
+            <p:txBody>
+              <a:bodyPr rtlCol="0" anchor="ctr"/>
+              <a:lstStyle/>
+              <a:p>
+                <a:pPr algn="ctr"/>
+                <a:endParaRPr lang="ko-KR" altLang="en-US"/>
+              </a:p>
+            </p:txBody>
+          </p:sp>
+          <p:sp>
+            <p:nvSpPr>
+              <p:cNvPr id="110" name="타원 109">
+                <a:extLst>
+                  <a:ext uri="{FF2B5EF4-FFF2-40B4-BE49-F238E27FC236}">
+                    <a16:creationId xmlns:a16="http://schemas.microsoft.com/office/drawing/2014/main" id="{7FDE5CFD-5B00-97BE-5CA3-5722F2DF9DCF}"/>
+                  </a:ext>
+                </a:extLst>
+              </p:cNvPr>
+              <p:cNvSpPr/>
+              <p:nvPr/>
+            </p:nvSpPr>
+            <p:spPr>
+              <a:xfrm>
+                <a:off x="1577270" y="2951114"/>
+                <a:ext cx="108000" cy="108000"/>
+              </a:xfrm>
+              <a:prstGeom prst="ellipse">
+                <a:avLst/>
+              </a:prstGeom>
+              <a:solidFill>
+                <a:srgbClr val="FF0000"/>
+              </a:solidFill>
+              <a:ln w="6350">
+                <a:solidFill>
+                  <a:schemeClr val="bg1"/>
+                </a:solidFill>
+              </a:ln>
+            </p:spPr>
+            <p:style>
+              <a:lnRef idx="2">
+                <a:schemeClr val="accent1">
+                  <a:shade val="15000"/>
+                </a:schemeClr>
+              </a:lnRef>
+              <a:fillRef idx="1">
+                <a:schemeClr val="accent1"/>
+              </a:fillRef>
+              <a:effectRef idx="0">
+                <a:schemeClr val="accent1"/>
+              </a:effectRef>
+              <a:fontRef idx="minor">
+                <a:schemeClr val="lt1"/>
+              </a:fontRef>
+            </p:style>
+            <p:txBody>
+              <a:bodyPr rtlCol="0" anchor="ctr"/>
+              <a:lstStyle/>
+              <a:p>
+                <a:pPr algn="ctr"/>
+                <a:endParaRPr lang="ko-KR" altLang="en-US"/>
+              </a:p>
+            </p:txBody>
+          </p:sp>
+          <p:sp>
+            <p:nvSpPr>
+              <p:cNvPr id="111" name="타원 110">
+                <a:extLst>
+                  <a:ext uri="{FF2B5EF4-FFF2-40B4-BE49-F238E27FC236}">
+                    <a16:creationId xmlns:a16="http://schemas.microsoft.com/office/drawing/2014/main" id="{B8DB6BAB-57B4-EEF4-D491-10B749EA14CB}"/>
+                  </a:ext>
+                </a:extLst>
+              </p:cNvPr>
+              <p:cNvSpPr/>
+              <p:nvPr/>
+            </p:nvSpPr>
+            <p:spPr>
+              <a:xfrm>
+                <a:off x="1932678" y="3167114"/>
+                <a:ext cx="108000" cy="108000"/>
+              </a:xfrm>
+              <a:prstGeom prst="ellipse">
+                <a:avLst/>
+              </a:prstGeom>
+              <a:solidFill>
+                <a:srgbClr val="FF0000"/>
+              </a:solidFill>
+              <a:ln w="6350">
+                <a:solidFill>
+                  <a:schemeClr val="bg1"/>
+                </a:solidFill>
+              </a:ln>
+            </p:spPr>
+            <p:style>
+              <a:lnRef idx="2">
+                <a:schemeClr val="accent1">
+                  <a:shade val="15000"/>
+                </a:schemeClr>
+              </a:lnRef>
+              <a:fillRef idx="1">
+                <a:schemeClr val="accent1"/>
+              </a:fillRef>
+              <a:effectRef idx="0">
+                <a:schemeClr val="accent1"/>
+              </a:effectRef>
+              <a:fontRef idx="minor">
+                <a:schemeClr val="lt1"/>
+              </a:fontRef>
+            </p:style>
+            <p:txBody>
+              <a:bodyPr rtlCol="0" anchor="ctr"/>
+              <a:lstStyle/>
+              <a:p>
+                <a:pPr algn="ctr"/>
+                <a:endParaRPr lang="ko-KR" altLang="en-US"/>
+              </a:p>
+            </p:txBody>
+          </p:sp>
+          <p:sp>
+            <p:nvSpPr>
+              <p:cNvPr id="112" name="타원 111">
+                <a:extLst>
+                  <a:ext uri="{FF2B5EF4-FFF2-40B4-BE49-F238E27FC236}">
+                    <a16:creationId xmlns:a16="http://schemas.microsoft.com/office/drawing/2014/main" id="{E8F4888A-BCCC-E939-B428-E82B0A705E08}"/>
+                  </a:ext>
+                </a:extLst>
+              </p:cNvPr>
+              <p:cNvSpPr/>
+              <p:nvPr/>
+            </p:nvSpPr>
+            <p:spPr>
+              <a:xfrm>
+                <a:off x="1932678" y="3059113"/>
+                <a:ext cx="108000" cy="108000"/>
+              </a:xfrm>
+              <a:prstGeom prst="ellipse">
+                <a:avLst/>
+              </a:prstGeom>
+              <a:solidFill>
+                <a:srgbClr val="FF0000"/>
+              </a:solidFill>
+              <a:ln w="6350">
+                <a:solidFill>
+                  <a:schemeClr val="bg1"/>
+                </a:solidFill>
+              </a:ln>
+            </p:spPr>
+            <p:style>
+              <a:lnRef idx="2">
+                <a:schemeClr val="accent1">
+                  <a:shade val="15000"/>
+                </a:schemeClr>
+              </a:lnRef>
+              <a:fillRef idx="1">
+                <a:schemeClr val="accent1"/>
+              </a:fillRef>
+              <a:effectRef idx="0">
+                <a:schemeClr val="accent1"/>
+              </a:effectRef>
+              <a:fontRef idx="minor">
+                <a:schemeClr val="lt1"/>
+              </a:fontRef>
+            </p:style>
+            <p:txBody>
+              <a:bodyPr rtlCol="0" anchor="ctr"/>
+              <a:lstStyle/>
+              <a:p>
+                <a:pPr algn="ctr"/>
+                <a:endParaRPr lang="ko-KR" altLang="en-US"/>
+              </a:p>
+            </p:txBody>
+          </p:sp>
+          <p:sp>
+            <p:nvSpPr>
+              <p:cNvPr id="113" name="타원 112">
+                <a:extLst>
+                  <a:ext uri="{FF2B5EF4-FFF2-40B4-BE49-F238E27FC236}">
+                    <a16:creationId xmlns:a16="http://schemas.microsoft.com/office/drawing/2014/main" id="{07DCFF64-6DCF-2A33-A2D9-0AAB13DB8384}"/>
+                  </a:ext>
+                </a:extLst>
+              </p:cNvPr>
+              <p:cNvSpPr/>
+              <p:nvPr/>
+            </p:nvSpPr>
+            <p:spPr>
+              <a:xfrm>
+                <a:off x="4094275" y="3167114"/>
+                <a:ext cx="108000" cy="108000"/>
+              </a:xfrm>
+              <a:prstGeom prst="ellipse">
+                <a:avLst/>
+              </a:prstGeom>
+              <a:solidFill>
+                <a:srgbClr val="0070C0"/>
+              </a:solidFill>
+              <a:ln w="6350">
+                <a:solidFill>
+                  <a:schemeClr val="bg1"/>
+                </a:solidFill>
+              </a:ln>
+            </p:spPr>
+            <p:style>
+              <a:lnRef idx="2">
+                <a:schemeClr val="accent1">
+                  <a:shade val="15000"/>
+                </a:schemeClr>
+              </a:lnRef>
+              <a:fillRef idx="1">
+                <a:schemeClr val="accent1"/>
+              </a:fillRef>
+              <a:effectRef idx="0">
+                <a:schemeClr val="accent1"/>
+              </a:effectRef>
+              <a:fontRef idx="minor">
+                <a:schemeClr val="lt1"/>
+              </a:fontRef>
+            </p:style>
+            <p:txBody>
+              <a:bodyPr rtlCol="0" anchor="ctr"/>
+              <a:lstStyle/>
+              <a:p>
+                <a:pPr algn="ctr"/>
+                <a:endParaRPr lang="ko-KR" altLang="en-US"/>
+              </a:p>
+            </p:txBody>
+          </p:sp>
+          <p:sp>
+            <p:nvSpPr>
+              <p:cNvPr id="114" name="타원 113">
+                <a:extLst>
+                  <a:ext uri="{FF2B5EF4-FFF2-40B4-BE49-F238E27FC236}">
+                    <a16:creationId xmlns:a16="http://schemas.microsoft.com/office/drawing/2014/main" id="{73582621-1689-5AD4-EC29-63464A344DD8}"/>
+                  </a:ext>
+                </a:extLst>
+              </p:cNvPr>
+              <p:cNvSpPr/>
+              <p:nvPr/>
+            </p:nvSpPr>
+            <p:spPr>
+              <a:xfrm>
+                <a:off x="4094275" y="3059113"/>
+                <a:ext cx="108000" cy="108000"/>
+              </a:xfrm>
+              <a:prstGeom prst="ellipse">
+                <a:avLst/>
+              </a:prstGeom>
+              <a:solidFill>
+                <a:srgbClr val="0070C0"/>
+              </a:solidFill>
+              <a:ln w="6350">
+                <a:solidFill>
+                  <a:schemeClr val="bg1"/>
+                </a:solidFill>
+              </a:ln>
+            </p:spPr>
+            <p:style>
+              <a:lnRef idx="2">
+                <a:schemeClr val="accent1">
+                  <a:shade val="15000"/>
+                </a:schemeClr>
+              </a:lnRef>
+              <a:fillRef idx="1">
+                <a:schemeClr val="accent1"/>
+              </a:fillRef>
+              <a:effectRef idx="0">
+                <a:schemeClr val="accent1"/>
+              </a:effectRef>
+              <a:fontRef idx="minor">
+                <a:schemeClr val="lt1"/>
+              </a:fontRef>
+            </p:style>
+            <p:txBody>
+              <a:bodyPr rtlCol="0" anchor="ctr"/>
+              <a:lstStyle/>
+              <a:p>
+                <a:pPr algn="ctr"/>
+                <a:endParaRPr lang="ko-KR" altLang="en-US"/>
+              </a:p>
+            </p:txBody>
+          </p:sp>
+          <p:sp>
+            <p:nvSpPr>
+              <p:cNvPr id="115" name="타원 114">
+                <a:extLst>
+                  <a:ext uri="{FF2B5EF4-FFF2-40B4-BE49-F238E27FC236}">
+                    <a16:creationId xmlns:a16="http://schemas.microsoft.com/office/drawing/2014/main" id="{D0B29B2C-094E-19C3-29B8-23E9E15D432C}"/>
+                  </a:ext>
+                </a:extLst>
+              </p:cNvPr>
+              <p:cNvSpPr/>
+              <p:nvPr/>
+            </p:nvSpPr>
+            <p:spPr>
+              <a:xfrm>
+                <a:off x="4094275" y="2951114"/>
+                <a:ext cx="108000" cy="108000"/>
+              </a:xfrm>
+              <a:prstGeom prst="ellipse">
+                <a:avLst/>
+              </a:prstGeom>
+              <a:solidFill>
+                <a:srgbClr val="0070C0"/>
+              </a:solidFill>
+              <a:ln w="6350">
+                <a:solidFill>
+                  <a:schemeClr val="bg1"/>
+                </a:solidFill>
+              </a:ln>
+            </p:spPr>
+            <p:style>
+              <a:lnRef idx="2">
+                <a:schemeClr val="accent1">
+                  <a:shade val="15000"/>
+                </a:schemeClr>
+              </a:lnRef>
+              <a:fillRef idx="1">
+                <a:schemeClr val="accent1"/>
+              </a:fillRef>
+              <a:effectRef idx="0">
+                <a:schemeClr val="accent1"/>
+              </a:effectRef>
+              <a:fontRef idx="minor">
+                <a:schemeClr val="lt1"/>
+              </a:fontRef>
+            </p:style>
+            <p:txBody>
+              <a:bodyPr rtlCol="0" anchor="ctr"/>
+              <a:lstStyle/>
+              <a:p>
+                <a:pPr algn="ctr"/>
+                <a:endParaRPr lang="ko-KR" altLang="en-US"/>
+              </a:p>
+            </p:txBody>
+          </p:sp>
+          <p:sp>
+            <p:nvSpPr>
+              <p:cNvPr id="116" name="타원 115">
+                <a:extLst>
+                  <a:ext uri="{FF2B5EF4-FFF2-40B4-BE49-F238E27FC236}">
+                    <a16:creationId xmlns:a16="http://schemas.microsoft.com/office/drawing/2014/main" id="{CDAA8488-6E89-2960-02D7-AF406A2A416F}"/>
+                  </a:ext>
+                </a:extLst>
+              </p:cNvPr>
+              <p:cNvSpPr/>
+              <p:nvPr/>
+            </p:nvSpPr>
+            <p:spPr>
+              <a:xfrm>
+                <a:off x="4449683" y="3167114"/>
+                <a:ext cx="108000" cy="108000"/>
+              </a:xfrm>
+              <a:prstGeom prst="ellipse">
+                <a:avLst/>
+              </a:prstGeom>
+              <a:solidFill>
+                <a:srgbClr val="0070C0"/>
+              </a:solidFill>
+              <a:ln w="6350">
+                <a:solidFill>
+                  <a:schemeClr val="bg1"/>
+                </a:solidFill>
+              </a:ln>
+            </p:spPr>
+            <p:style>
+              <a:lnRef idx="2">
+                <a:schemeClr val="accent1">
+                  <a:shade val="15000"/>
+                </a:schemeClr>
+              </a:lnRef>
+              <a:fillRef idx="1">
+                <a:schemeClr val="accent1"/>
+              </a:fillRef>
+              <a:effectRef idx="0">
+                <a:schemeClr val="accent1"/>
+              </a:effectRef>
+              <a:fontRef idx="minor">
+                <a:schemeClr val="lt1"/>
+              </a:fontRef>
+            </p:style>
+            <p:txBody>
+              <a:bodyPr rtlCol="0" anchor="ctr"/>
+              <a:lstStyle/>
+              <a:p>
+                <a:pPr algn="ctr"/>
+                <a:endParaRPr lang="ko-KR" altLang="en-US"/>
+              </a:p>
+            </p:txBody>
+          </p:sp>
+          <p:sp>
+            <p:nvSpPr>
+              <p:cNvPr id="117" name="타원 116">
+                <a:extLst>
+                  <a:ext uri="{FF2B5EF4-FFF2-40B4-BE49-F238E27FC236}">
+                    <a16:creationId xmlns:a16="http://schemas.microsoft.com/office/drawing/2014/main" id="{9FA903A7-B647-7074-39E5-FB5F3887297B}"/>
+                  </a:ext>
+                </a:extLst>
+              </p:cNvPr>
+              <p:cNvSpPr/>
+              <p:nvPr/>
+            </p:nvSpPr>
+            <p:spPr>
+              <a:xfrm>
+                <a:off x="4449683" y="3059113"/>
+                <a:ext cx="108000" cy="108000"/>
+              </a:xfrm>
+              <a:prstGeom prst="ellipse">
+                <a:avLst/>
+              </a:prstGeom>
+              <a:solidFill>
+                <a:srgbClr val="0070C0"/>
+              </a:solidFill>
+              <a:ln w="6350">
+                <a:solidFill>
+                  <a:schemeClr val="bg1"/>
+                </a:solidFill>
+              </a:ln>
+            </p:spPr>
+            <p:style>
+              <a:lnRef idx="2">
+                <a:schemeClr val="accent1">
+                  <a:shade val="15000"/>
+                </a:schemeClr>
+              </a:lnRef>
+              <a:fillRef idx="1">
+                <a:schemeClr val="accent1"/>
+              </a:fillRef>
+              <a:effectRef idx="0">
+                <a:schemeClr val="accent1"/>
+              </a:effectRef>
+              <a:fontRef idx="minor">
+                <a:schemeClr val="lt1"/>
+              </a:fontRef>
+            </p:style>
+            <p:txBody>
+              <a:bodyPr rtlCol="0" anchor="ctr"/>
+              <a:lstStyle/>
+              <a:p>
+                <a:pPr algn="ctr"/>
+                <a:endParaRPr lang="ko-KR" altLang="en-US"/>
+              </a:p>
+            </p:txBody>
+          </p:sp>
+          <p:sp>
+            <p:nvSpPr>
+              <p:cNvPr id="2" name="타원 1">
+                <a:extLst>
+                  <a:ext uri="{FF2B5EF4-FFF2-40B4-BE49-F238E27FC236}">
+                    <a16:creationId xmlns:a16="http://schemas.microsoft.com/office/drawing/2014/main" id="{4733F879-8B0D-A337-32CB-4F785DAAF261}"/>
+                  </a:ext>
+                </a:extLst>
+              </p:cNvPr>
+              <p:cNvSpPr/>
+              <p:nvPr/>
+            </p:nvSpPr>
+            <p:spPr>
+              <a:xfrm>
+                <a:off x="7390876" y="3167114"/>
+                <a:ext cx="108000" cy="108000"/>
+              </a:xfrm>
+              <a:prstGeom prst="ellipse">
+                <a:avLst/>
+              </a:prstGeom>
+              <a:solidFill>
+                <a:srgbClr val="FF0000"/>
+              </a:solidFill>
+              <a:ln w="6350">
+                <a:solidFill>
+                  <a:schemeClr val="bg1"/>
+                </a:solidFill>
+              </a:ln>
+            </p:spPr>
+            <p:style>
+              <a:lnRef idx="2">
+                <a:schemeClr val="accent1">
+                  <a:shade val="15000"/>
+                </a:schemeClr>
+              </a:lnRef>
+              <a:fillRef idx="1">
+                <a:schemeClr val="accent1"/>
+              </a:fillRef>
+              <a:effectRef idx="0">
+                <a:schemeClr val="accent1"/>
+              </a:effectRef>
+              <a:fontRef idx="minor">
+                <a:schemeClr val="lt1"/>
+              </a:fontRef>
+            </p:style>
+            <p:txBody>
+              <a:bodyPr rtlCol="0" anchor="ctr"/>
+              <a:lstStyle/>
+              <a:p>
+                <a:pPr algn="ctr"/>
+                <a:endParaRPr lang="ko-KR" altLang="en-US"/>
+              </a:p>
+            </p:txBody>
+          </p:sp>
+          <p:sp>
+            <p:nvSpPr>
+              <p:cNvPr id="3" name="타원 2">
+                <a:extLst>
+                  <a:ext uri="{FF2B5EF4-FFF2-40B4-BE49-F238E27FC236}">
+                    <a16:creationId xmlns:a16="http://schemas.microsoft.com/office/drawing/2014/main" id="{0F864846-1910-5C0A-AFF7-EE2917534AAD}"/>
+                  </a:ext>
+                </a:extLst>
+              </p:cNvPr>
+              <p:cNvSpPr/>
+              <p:nvPr/>
+            </p:nvSpPr>
+            <p:spPr>
+              <a:xfrm>
+                <a:off x="7390876" y="3059113"/>
+                <a:ext cx="108000" cy="108000"/>
+              </a:xfrm>
+              <a:prstGeom prst="ellipse">
+                <a:avLst/>
+              </a:prstGeom>
+              <a:solidFill>
+                <a:srgbClr val="FF0000"/>
+              </a:solidFill>
+              <a:ln w="6350">
+                <a:solidFill>
+                  <a:schemeClr val="bg1"/>
+                </a:solidFill>
+              </a:ln>
+            </p:spPr>
+            <p:style>
+              <a:lnRef idx="2">
+                <a:schemeClr val="accent1">
+                  <a:shade val="15000"/>
+                </a:schemeClr>
+              </a:lnRef>
+              <a:fillRef idx="1">
+                <a:schemeClr val="accent1"/>
+              </a:fillRef>
+              <a:effectRef idx="0">
+                <a:schemeClr val="accent1"/>
+              </a:effectRef>
+              <a:fontRef idx="minor">
+                <a:schemeClr val="lt1"/>
+              </a:fontRef>
+            </p:style>
+            <p:txBody>
+              <a:bodyPr rtlCol="0" anchor="ctr"/>
+              <a:lstStyle/>
+              <a:p>
+                <a:pPr algn="ctr"/>
+                <a:endParaRPr lang="ko-KR" altLang="en-US"/>
+              </a:p>
+            </p:txBody>
+          </p:sp>
+          <p:sp>
+            <p:nvSpPr>
+              <p:cNvPr id="4" name="타원 3">
+                <a:extLst>
+                  <a:ext uri="{FF2B5EF4-FFF2-40B4-BE49-F238E27FC236}">
+                    <a16:creationId xmlns:a16="http://schemas.microsoft.com/office/drawing/2014/main" id="{91CA3C59-22C0-1B68-180B-C77215E997CD}"/>
+                  </a:ext>
+                </a:extLst>
+              </p:cNvPr>
+              <p:cNvSpPr/>
+              <p:nvPr/>
+            </p:nvSpPr>
+            <p:spPr>
+              <a:xfrm>
+                <a:off x="7390876" y="2951114"/>
+                <a:ext cx="108000" cy="108000"/>
+              </a:xfrm>
+              <a:prstGeom prst="ellipse">
+                <a:avLst/>
+              </a:prstGeom>
+              <a:solidFill>
+                <a:srgbClr val="FF0000"/>
+              </a:solidFill>
+              <a:ln w="6350">
+                <a:solidFill>
+                  <a:schemeClr val="bg1"/>
+                </a:solidFill>
+              </a:ln>
+            </p:spPr>
+            <p:style>
+              <a:lnRef idx="2">
+                <a:schemeClr val="accent1">
+                  <a:shade val="15000"/>
+                </a:schemeClr>
+              </a:lnRef>
+              <a:fillRef idx="1">
+                <a:schemeClr val="accent1"/>
+              </a:fillRef>
+              <a:effectRef idx="0">
+                <a:schemeClr val="accent1"/>
+              </a:effectRef>
+              <a:fontRef idx="minor">
+                <a:schemeClr val="lt1"/>
+              </a:fontRef>
+            </p:style>
+            <p:txBody>
+              <a:bodyPr rtlCol="0" anchor="ctr"/>
+              <a:lstStyle/>
+              <a:p>
+                <a:pPr algn="ctr"/>
+                <a:endParaRPr lang="ko-KR" altLang="en-US"/>
+              </a:p>
+            </p:txBody>
+          </p:sp>
+          <p:sp>
+            <p:nvSpPr>
+              <p:cNvPr id="27" name="타원 26">
+                <a:extLst>
+                  <a:ext uri="{FF2B5EF4-FFF2-40B4-BE49-F238E27FC236}">
+                    <a16:creationId xmlns:a16="http://schemas.microsoft.com/office/drawing/2014/main" id="{DF0EA5CF-3F4A-D736-60C6-F761A8C06FAE}"/>
+                  </a:ext>
+                </a:extLst>
+              </p:cNvPr>
+              <p:cNvSpPr/>
+              <p:nvPr/>
+            </p:nvSpPr>
+            <p:spPr>
+              <a:xfrm>
+                <a:off x="7746284" y="3167114"/>
+                <a:ext cx="108000" cy="108000"/>
+              </a:xfrm>
+              <a:prstGeom prst="ellipse">
+                <a:avLst/>
+              </a:prstGeom>
+              <a:solidFill>
+                <a:srgbClr val="FF0000"/>
+              </a:solidFill>
+              <a:ln w="6350">
+                <a:solidFill>
+                  <a:schemeClr val="bg1"/>
+                </a:solidFill>
+              </a:ln>
+            </p:spPr>
+            <p:style>
+              <a:lnRef idx="2">
+                <a:schemeClr val="accent1">
+                  <a:shade val="15000"/>
+                </a:schemeClr>
+              </a:lnRef>
+              <a:fillRef idx="1">
+                <a:schemeClr val="accent1"/>
+              </a:fillRef>
+              <a:effectRef idx="0">
+                <a:schemeClr val="accent1"/>
+              </a:effectRef>
+              <a:fontRef idx="minor">
+                <a:schemeClr val="lt1"/>
+              </a:fontRef>
+            </p:style>
+            <p:txBody>
+              <a:bodyPr rtlCol="0" anchor="ctr"/>
+              <a:lstStyle/>
+              <a:p>
+                <a:pPr algn="ctr"/>
+                <a:endParaRPr lang="ko-KR" altLang="en-US"/>
+              </a:p>
+            </p:txBody>
+          </p:sp>
+          <p:sp>
+            <p:nvSpPr>
+              <p:cNvPr id="41" name="타원 40">
+                <a:extLst>
+                  <a:ext uri="{FF2B5EF4-FFF2-40B4-BE49-F238E27FC236}">
+                    <a16:creationId xmlns:a16="http://schemas.microsoft.com/office/drawing/2014/main" id="{09B203FE-C4BD-303E-20DD-FB722B6426BE}"/>
+                  </a:ext>
+                </a:extLst>
+              </p:cNvPr>
+              <p:cNvSpPr/>
+              <p:nvPr/>
+            </p:nvSpPr>
+            <p:spPr>
+              <a:xfrm>
+                <a:off x="7746284" y="3059113"/>
+                <a:ext cx="108000" cy="108000"/>
+              </a:xfrm>
+              <a:prstGeom prst="ellipse">
+                <a:avLst/>
+              </a:prstGeom>
+              <a:solidFill>
+                <a:srgbClr val="FF0000"/>
+              </a:solidFill>
+              <a:ln w="6350">
+                <a:solidFill>
+                  <a:schemeClr val="bg1"/>
+                </a:solidFill>
+              </a:ln>
+            </p:spPr>
+            <p:style>
+              <a:lnRef idx="2">
+                <a:schemeClr val="accent1">
+                  <a:shade val="15000"/>
+                </a:schemeClr>
+              </a:lnRef>
+              <a:fillRef idx="1">
+                <a:schemeClr val="accent1"/>
+              </a:fillRef>
+              <a:effectRef idx="0">
+                <a:schemeClr val="accent1"/>
+              </a:effectRef>
+              <a:fontRef idx="minor">
+                <a:schemeClr val="lt1"/>
+              </a:fontRef>
+            </p:style>
+            <p:txBody>
+              <a:bodyPr rtlCol="0" anchor="ctr"/>
+              <a:lstStyle/>
+              <a:p>
+                <a:pPr algn="ctr"/>
+                <a:endParaRPr lang="ko-KR" altLang="en-US"/>
+              </a:p>
+            </p:txBody>
+          </p:sp>
+          <p:sp>
+            <p:nvSpPr>
+              <p:cNvPr id="42" name="타원 41">
+                <a:extLst>
+                  <a:ext uri="{FF2B5EF4-FFF2-40B4-BE49-F238E27FC236}">
+                    <a16:creationId xmlns:a16="http://schemas.microsoft.com/office/drawing/2014/main" id="{8DECB7B4-EA13-9D85-78C0-B65B045C5A34}"/>
+                  </a:ext>
+                </a:extLst>
+              </p:cNvPr>
+              <p:cNvSpPr/>
+              <p:nvPr/>
+            </p:nvSpPr>
+            <p:spPr>
+              <a:xfrm>
+                <a:off x="7390876" y="2843115"/>
+                <a:ext cx="108000" cy="108000"/>
+              </a:xfrm>
+              <a:prstGeom prst="ellipse">
+                <a:avLst/>
+              </a:prstGeom>
+              <a:solidFill>
+                <a:srgbClr val="0070C0"/>
+              </a:solidFill>
+              <a:ln w="6350">
+                <a:solidFill>
+                  <a:schemeClr val="bg1"/>
+                </a:solidFill>
+              </a:ln>
+            </p:spPr>
+            <p:style>
+              <a:lnRef idx="2">
+                <a:schemeClr val="accent1">
+                  <a:shade val="15000"/>
+                </a:schemeClr>
+              </a:lnRef>
+              <a:fillRef idx="1">
+                <a:schemeClr val="accent1"/>
+              </a:fillRef>
+              <a:effectRef idx="0">
+                <a:schemeClr val="accent1"/>
+              </a:effectRef>
+              <a:fontRef idx="minor">
+                <a:schemeClr val="lt1"/>
+              </a:fontRef>
+            </p:style>
+            <p:txBody>
+              <a:bodyPr rtlCol="0" anchor="ctr"/>
+              <a:lstStyle/>
+              <a:p>
+                <a:pPr algn="ctr"/>
+                <a:endParaRPr lang="ko-KR" altLang="en-US"/>
+              </a:p>
+            </p:txBody>
+          </p:sp>
+          <p:sp>
+            <p:nvSpPr>
+              <p:cNvPr id="43" name="타원 42">
+                <a:extLst>
+                  <a:ext uri="{FF2B5EF4-FFF2-40B4-BE49-F238E27FC236}">
+                    <a16:creationId xmlns:a16="http://schemas.microsoft.com/office/drawing/2014/main" id="{01072B86-892E-AD78-6400-F1302BBE817D}"/>
+                  </a:ext>
+                </a:extLst>
+              </p:cNvPr>
+              <p:cNvSpPr/>
+              <p:nvPr/>
+            </p:nvSpPr>
+            <p:spPr>
+              <a:xfrm>
+                <a:off x="7746284" y="2951114"/>
+                <a:ext cx="108000" cy="108000"/>
+              </a:xfrm>
+              <a:prstGeom prst="ellipse">
+                <a:avLst/>
+              </a:prstGeom>
+              <a:solidFill>
+                <a:srgbClr val="0070C0"/>
+              </a:solidFill>
+              <a:ln w="6350">
+                <a:solidFill>
+                  <a:schemeClr val="bg1"/>
+                </a:solidFill>
+              </a:ln>
+            </p:spPr>
+            <p:style>
+              <a:lnRef idx="2">
+                <a:schemeClr val="accent1">
+                  <a:shade val="15000"/>
+                </a:schemeClr>
+              </a:lnRef>
+              <a:fillRef idx="1">
+                <a:schemeClr val="accent1"/>
+              </a:fillRef>
+              <a:effectRef idx="0">
+                <a:schemeClr val="accent1"/>
+              </a:effectRef>
+              <a:fontRef idx="minor">
+                <a:schemeClr val="lt1"/>
+              </a:fontRef>
+            </p:style>
+            <p:txBody>
+              <a:bodyPr rtlCol="0" anchor="ctr"/>
+              <a:lstStyle/>
+              <a:p>
+                <a:pPr algn="ctr"/>
+                <a:endParaRPr lang="ko-KR" altLang="en-US"/>
+              </a:p>
+            </p:txBody>
+          </p:sp>
+          <p:sp>
+            <p:nvSpPr>
+              <p:cNvPr id="44" name="타원 43">
+                <a:extLst>
+                  <a:ext uri="{FF2B5EF4-FFF2-40B4-BE49-F238E27FC236}">
+                    <a16:creationId xmlns:a16="http://schemas.microsoft.com/office/drawing/2014/main" id="{5919E4AD-7A75-3DC0-9B7E-775A3606DCDC}"/>
+                  </a:ext>
+                </a:extLst>
+              </p:cNvPr>
+              <p:cNvSpPr/>
+              <p:nvPr/>
+            </p:nvSpPr>
+            <p:spPr>
+              <a:xfrm>
+                <a:off x="8114258" y="3167114"/>
+                <a:ext cx="108000" cy="108000"/>
+              </a:xfrm>
+              <a:prstGeom prst="ellipse">
+                <a:avLst/>
+              </a:prstGeom>
+              <a:solidFill>
+                <a:srgbClr val="0070C0"/>
+              </a:solidFill>
+              <a:ln w="6350">
+                <a:solidFill>
+                  <a:schemeClr val="bg1"/>
+                </a:solidFill>
+              </a:ln>
+            </p:spPr>
+            <p:style>
+              <a:lnRef idx="2">
+                <a:schemeClr val="accent1">
+                  <a:shade val="15000"/>
+                </a:schemeClr>
+              </a:lnRef>
+              <a:fillRef idx="1">
+                <a:schemeClr val="accent1"/>
+              </a:fillRef>
+              <a:effectRef idx="0">
+                <a:schemeClr val="accent1"/>
+              </a:effectRef>
+              <a:fontRef idx="minor">
+                <a:schemeClr val="lt1"/>
+              </a:fontRef>
+            </p:style>
+            <p:txBody>
+              <a:bodyPr rtlCol="0" anchor="ctr"/>
+              <a:lstStyle/>
+              <a:p>
+                <a:pPr algn="ctr"/>
+                <a:endParaRPr lang="ko-KR" altLang="en-US"/>
+              </a:p>
+            </p:txBody>
+          </p:sp>
+          <p:sp>
+            <p:nvSpPr>
+              <p:cNvPr id="45" name="타원 44">
+                <a:extLst>
+                  <a:ext uri="{FF2B5EF4-FFF2-40B4-BE49-F238E27FC236}">
+                    <a16:creationId xmlns:a16="http://schemas.microsoft.com/office/drawing/2014/main" id="{27DDE44A-512F-169D-1B35-AF3612EBB301}"/>
+                  </a:ext>
+                </a:extLst>
+              </p:cNvPr>
+              <p:cNvSpPr/>
+              <p:nvPr/>
+            </p:nvSpPr>
+            <p:spPr>
+              <a:xfrm>
+                <a:off x="8114258" y="3059113"/>
+                <a:ext cx="108000" cy="108000"/>
+              </a:xfrm>
+              <a:prstGeom prst="ellipse">
+                <a:avLst/>
+              </a:prstGeom>
+              <a:solidFill>
+                <a:srgbClr val="0070C0"/>
+              </a:solidFill>
+              <a:ln w="6350">
+                <a:solidFill>
+                  <a:schemeClr val="bg1"/>
+                </a:solidFill>
+              </a:ln>
+            </p:spPr>
+            <p:style>
+              <a:lnRef idx="2">
+                <a:schemeClr val="accent1">
+                  <a:shade val="15000"/>
+                </a:schemeClr>
+              </a:lnRef>
+              <a:fillRef idx="1">
+                <a:schemeClr val="accent1"/>
+              </a:fillRef>
+              <a:effectRef idx="0">
+                <a:schemeClr val="accent1"/>
+              </a:effectRef>
+              <a:fontRef idx="minor">
+                <a:schemeClr val="lt1"/>
+              </a:fontRef>
+            </p:style>
+            <p:txBody>
+              <a:bodyPr rtlCol="0" anchor="ctr"/>
+              <a:lstStyle/>
+              <a:p>
+                <a:pPr algn="ctr"/>
+                <a:endParaRPr lang="ko-KR" altLang="en-US"/>
+              </a:p>
+            </p:txBody>
+          </p:sp>
+          <p:sp>
+            <p:nvSpPr>
+              <p:cNvPr id="46" name="타원 45">
+                <a:extLst>
+                  <a:ext uri="{FF2B5EF4-FFF2-40B4-BE49-F238E27FC236}">
+                    <a16:creationId xmlns:a16="http://schemas.microsoft.com/office/drawing/2014/main" id="{71A21A4C-D00B-BB75-6E08-99981B76A219}"/>
+                  </a:ext>
+                </a:extLst>
+              </p:cNvPr>
+              <p:cNvSpPr/>
+              <p:nvPr/>
+            </p:nvSpPr>
+            <p:spPr>
+              <a:xfrm>
+                <a:off x="8459153" y="3167114"/>
+                <a:ext cx="108000" cy="108000"/>
+              </a:xfrm>
+              <a:prstGeom prst="ellipse">
+                <a:avLst/>
+              </a:prstGeom>
+              <a:solidFill>
+                <a:srgbClr val="0070C0"/>
+              </a:solidFill>
+              <a:ln w="6350">
+                <a:solidFill>
+                  <a:schemeClr val="bg1"/>
+                </a:solidFill>
+              </a:ln>
+            </p:spPr>
+            <p:style>
+              <a:lnRef idx="2">
+                <a:schemeClr val="accent1">
+                  <a:shade val="15000"/>
+                </a:schemeClr>
+              </a:lnRef>
+              <a:fillRef idx="1">
+                <a:schemeClr val="accent1"/>
+              </a:fillRef>
+              <a:effectRef idx="0">
+                <a:schemeClr val="accent1"/>
+              </a:effectRef>
+              <a:fontRef idx="minor">
+                <a:schemeClr val="lt1"/>
+              </a:fontRef>
+            </p:style>
+            <p:txBody>
+              <a:bodyPr rtlCol="0" anchor="ctr"/>
+              <a:lstStyle/>
+              <a:p>
+                <a:pPr algn="ctr"/>
+                <a:endParaRPr lang="ko-KR" altLang="en-US"/>
+              </a:p>
+            </p:txBody>
+          </p:sp>
+        </p:grpSp>
+        <p:grpSp>
+          <p:nvGrpSpPr>
+            <p:cNvPr id="77" name="그룹 76">
+              <a:extLst>
+                <a:ext uri="{FF2B5EF4-FFF2-40B4-BE49-F238E27FC236}">
+                  <a16:creationId xmlns:a16="http://schemas.microsoft.com/office/drawing/2014/main" id="{B9B7388A-86F5-405B-2799-0454F05F1B63}"/>
+                </a:ext>
+              </a:extLst>
+            </p:cNvPr>
+            <p:cNvGrpSpPr/>
+            <p:nvPr/>
+          </p:nvGrpSpPr>
+          <p:grpSpPr>
+            <a:xfrm>
+              <a:off x="9690063" y="1440147"/>
+              <a:ext cx="730856" cy="425020"/>
+              <a:chOff x="9690063" y="1440147"/>
+              <a:chExt cx="730856" cy="425020"/>
+            </a:xfrm>
+          </p:grpSpPr>
+          <p:sp>
+            <p:nvSpPr>
+              <p:cNvPr id="48" name="타원 47">
+                <a:extLst>
+                  <a:ext uri="{FF2B5EF4-FFF2-40B4-BE49-F238E27FC236}">
+                    <a16:creationId xmlns:a16="http://schemas.microsoft.com/office/drawing/2014/main" id="{5531FC01-B4A2-7A04-E9D9-045D9DF11566}"/>
+                  </a:ext>
+                </a:extLst>
+              </p:cNvPr>
+              <p:cNvSpPr/>
+              <p:nvPr/>
+            </p:nvSpPr>
+            <p:spPr>
+              <a:xfrm>
+                <a:off x="9690063" y="1440147"/>
+                <a:ext cx="108000" cy="108000"/>
+              </a:xfrm>
+              <a:prstGeom prst="ellipse">
+                <a:avLst/>
+              </a:prstGeom>
+              <a:solidFill>
+                <a:srgbClr val="FF0000"/>
+              </a:solidFill>
+              <a:ln w="6350">
+                <a:solidFill>
+                  <a:schemeClr val="bg1"/>
+                </a:solidFill>
+              </a:ln>
+            </p:spPr>
+            <p:style>
+              <a:lnRef idx="2">
+                <a:schemeClr val="accent1">
+                  <a:shade val="15000"/>
+                </a:schemeClr>
+              </a:lnRef>
+              <a:fillRef idx="1">
+                <a:schemeClr val="accent1"/>
+              </a:fillRef>
+              <a:effectRef idx="0">
+                <a:schemeClr val="accent1"/>
+              </a:effectRef>
+              <a:fontRef idx="minor">
+                <a:schemeClr val="lt1"/>
+              </a:fontRef>
+            </p:style>
+            <p:txBody>
+              <a:bodyPr rtlCol="0" anchor="ctr"/>
+              <a:lstStyle/>
+              <a:p>
+                <a:pPr algn="ctr"/>
+                <a:endParaRPr lang="ko-KR" altLang="en-US"/>
+              </a:p>
+            </p:txBody>
+          </p:sp>
+          <p:sp>
+            <p:nvSpPr>
+              <p:cNvPr id="49" name="TextBox 48">
+                <a:extLst>
+                  <a:ext uri="{FF2B5EF4-FFF2-40B4-BE49-F238E27FC236}">
+                    <a16:creationId xmlns:a16="http://schemas.microsoft.com/office/drawing/2014/main" id="{0A5A767E-7CDA-F103-878C-B5375198E5E2}"/>
+                  </a:ext>
+                </a:extLst>
+              </p:cNvPr>
+              <p:cNvSpPr txBox="1"/>
+              <p:nvPr/>
+            </p:nvSpPr>
+            <p:spPr>
+              <a:xfrm>
+                <a:off x="9885516" y="1440147"/>
+                <a:ext cx="535403" cy="184666"/>
+              </a:xfrm>
+              <a:prstGeom prst="rect">
+                <a:avLst/>
+              </a:prstGeom>
+              <a:noFill/>
+            </p:spPr>
+            <p:txBody>
+              <a:bodyPr wrap="none" lIns="0" tIns="0" rIns="0" bIns="0" rtlCol="0" anchor="ctr">
+                <a:spAutoFit/>
+              </a:bodyPr>
+              <a:lstStyle/>
+              <a:p>
+                <a:pPr/>
+                <a:r>
+                  <a:rPr lang="ko-KR" altLang="en-US" sz="1200" dirty="0">
+                    <a:latin typeface="KoPubWorld돋움체_Pro Light" panose="00000300000000000000" pitchFamily="50" charset="-127"/>
+                    <a:ea typeface="KoPubWorld돋움체_Pro Light" panose="00000300000000000000" pitchFamily="50" charset="-127"/>
+                    <a:cs typeface="KoPubWorld돋움체_Pro Light" panose="00000300000000000000" pitchFamily="50" charset="-127"/>
+                  </a:rPr>
+                  <a:t>클래스 </a:t>
+                </a:r>
+                <a:r>
+                  <a:rPr lang="en-US" altLang="ko-KR" sz="1200" dirty="0">
+                    <a:latin typeface="KoPubWorld돋움체_Pro Light" panose="00000300000000000000" pitchFamily="50" charset="-127"/>
+                    <a:ea typeface="KoPubWorld돋움체_Pro Light" panose="00000300000000000000" pitchFamily="50" charset="-127"/>
+                    <a:cs typeface="KoPubWorld돋움체_Pro Light" panose="00000300000000000000" pitchFamily="50" charset="-127"/>
+                  </a:rPr>
+                  <a:t>1</a:t>
+                </a:r>
+                <a:endParaRPr lang="en-US" altLang="ko-KR" sz="1200" b="0" dirty="0">
+                  <a:latin typeface="KoPubWorld돋움체_Pro Light" panose="00000300000000000000" pitchFamily="50" charset="-127"/>
+                  <a:ea typeface="KoPubWorld돋움체_Pro Light" panose="00000300000000000000" pitchFamily="50" charset="-127"/>
+                  <a:cs typeface="KoPubWorld돋움체_Pro Light" panose="00000300000000000000" pitchFamily="50" charset="-127"/>
+                </a:endParaRPr>
+              </a:p>
+            </p:txBody>
+          </p:sp>
+          <p:sp>
+            <p:nvSpPr>
+              <p:cNvPr id="50" name="타원 49">
+                <a:extLst>
+                  <a:ext uri="{FF2B5EF4-FFF2-40B4-BE49-F238E27FC236}">
+                    <a16:creationId xmlns:a16="http://schemas.microsoft.com/office/drawing/2014/main" id="{83CE290E-4A93-1BE6-D904-12921F1189B3}"/>
+                  </a:ext>
+                </a:extLst>
+              </p:cNvPr>
+              <p:cNvSpPr/>
+              <p:nvPr/>
+            </p:nvSpPr>
+            <p:spPr>
+              <a:xfrm>
+                <a:off x="9690063" y="1680501"/>
+                <a:ext cx="108000" cy="108000"/>
+              </a:xfrm>
+              <a:prstGeom prst="ellipse">
+                <a:avLst/>
+              </a:prstGeom>
+              <a:solidFill>
+                <a:srgbClr val="0070C0"/>
+              </a:solidFill>
+              <a:ln w="6350">
+                <a:solidFill>
+                  <a:schemeClr val="bg1"/>
+                </a:solidFill>
+              </a:ln>
+            </p:spPr>
+            <p:style>
+              <a:lnRef idx="2">
+                <a:schemeClr val="accent1">
+                  <a:shade val="15000"/>
+                </a:schemeClr>
+              </a:lnRef>
+              <a:fillRef idx="1">
+                <a:schemeClr val="accent1"/>
+              </a:fillRef>
+              <a:effectRef idx="0">
+                <a:schemeClr val="accent1"/>
+              </a:effectRef>
+              <a:fontRef idx="minor">
+                <a:schemeClr val="lt1"/>
+              </a:fontRef>
+            </p:style>
+            <p:txBody>
+              <a:bodyPr rtlCol="0" anchor="ctr"/>
+              <a:lstStyle/>
+              <a:p>
+                <a:pPr algn="ctr"/>
+                <a:endParaRPr lang="ko-KR" altLang="en-US"/>
+              </a:p>
+            </p:txBody>
+          </p:sp>
+          <p:sp>
+            <p:nvSpPr>
+              <p:cNvPr id="74" name="TextBox 73">
+                <a:extLst>
+                  <a:ext uri="{FF2B5EF4-FFF2-40B4-BE49-F238E27FC236}">
+                    <a16:creationId xmlns:a16="http://schemas.microsoft.com/office/drawing/2014/main" id="{1E7E6469-AB21-5863-1CB0-82D37DBEC572}"/>
+                  </a:ext>
+                </a:extLst>
+              </p:cNvPr>
+              <p:cNvSpPr txBox="1"/>
+              <p:nvPr/>
+            </p:nvSpPr>
+            <p:spPr>
+              <a:xfrm>
+                <a:off x="9885516" y="1680501"/>
+                <a:ext cx="535403" cy="184666"/>
+              </a:xfrm>
+              <a:prstGeom prst="rect">
+                <a:avLst/>
+              </a:prstGeom>
+              <a:noFill/>
+            </p:spPr>
+            <p:txBody>
+              <a:bodyPr wrap="none" lIns="0" tIns="0" rIns="0" bIns="0" rtlCol="0" anchor="ctr">
+                <a:spAutoFit/>
+              </a:bodyPr>
+              <a:lstStyle/>
+              <a:p>
+                <a:pPr/>
+                <a:r>
+                  <a:rPr lang="ko-KR" altLang="en-US" sz="1200" dirty="0">
+                    <a:latin typeface="KoPubWorld돋움체_Pro Light" panose="00000300000000000000" pitchFamily="50" charset="-127"/>
+                    <a:ea typeface="KoPubWorld돋움체_Pro Light" panose="00000300000000000000" pitchFamily="50" charset="-127"/>
+                    <a:cs typeface="KoPubWorld돋움체_Pro Light" panose="00000300000000000000" pitchFamily="50" charset="-127"/>
+                  </a:rPr>
+                  <a:t>클래스 </a:t>
+                </a:r>
+                <a:r>
+                  <a:rPr lang="en-US" altLang="ko-KR" sz="1200" dirty="0">
+                    <a:latin typeface="KoPubWorld돋움체_Pro Light" panose="00000300000000000000" pitchFamily="50" charset="-127"/>
+                    <a:ea typeface="KoPubWorld돋움체_Pro Light" panose="00000300000000000000" pitchFamily="50" charset="-127"/>
+                    <a:cs typeface="KoPubWorld돋움체_Pro Light" panose="00000300000000000000" pitchFamily="50" charset="-127"/>
+                  </a:rPr>
+                  <a:t>2</a:t>
+                </a:r>
+                <a:endParaRPr lang="en-US" altLang="ko-KR" sz="1200" b="0" dirty="0">
+                  <a:latin typeface="KoPubWorld돋움체_Pro Light" panose="00000300000000000000" pitchFamily="50" charset="-127"/>
+                  <a:ea typeface="KoPubWorld돋움체_Pro Light" panose="00000300000000000000" pitchFamily="50" charset="-127"/>
+                  <a:cs typeface="KoPubWorld돋움체_Pro Light" panose="00000300000000000000" pitchFamily="50" charset="-127"/>
+                </a:endParaRPr>
+              </a:p>
+            </p:txBody>
+          </p:sp>
+        </p:grpSp>
+      </p:grpSp>
+    </p:spTree>
+    <p:extLst>
+      <p:ext uri="{BB962C8B-B14F-4D97-AF65-F5344CB8AC3E}">
+        <p14:creationId xmlns:p14="http://schemas.microsoft.com/office/powerpoint/2010/main" val="4033564683"/>
+      </p:ext>
+    </p:extLst>
+  </p:cSld>
+  <p:clrMapOvr>
+    <a:masterClrMapping/>
+  </p:clrMapOvr>
+</p:sld>
+</file>
+
+<file path=ppt/slides/slide4.xml><?xml version="1.0" encoding="utf-8"?>
+<p:sld xmlns:a="http://schemas.openxmlformats.org/drawingml/2006/main" xmlns:r="http://schemas.openxmlformats.org/officeDocument/2006/relationships" xmlns:p="http://schemas.openxmlformats.org/presentationml/2006/main">
+  <p:cSld>
+    <p:spTree>
+      <p:nvGrpSpPr>
+        <p:cNvPr id="1" name=""/>
+        <p:cNvGrpSpPr/>
+        <p:nvPr/>
+      </p:nvGrpSpPr>
+      <p:grpSpPr>
+        <a:xfrm>
+          <a:off x="0" y="0"/>
+          <a:ext cx="0" cy="0"/>
+          <a:chOff x="0" y="0"/>
+          <a:chExt cx="0" cy="0"/>
+        </a:xfrm>
+      </p:grpSpPr>
+      <p:sp>
+        <p:nvSpPr>
+          <p:cNvPr id="23" name="사각형: 둥근 모서리 22">
             <a:extLst>
               <a:ext uri="{FF2B5EF4-FFF2-40B4-BE49-F238E27FC236}">
-                <a16:creationId xmlns:a16="http://schemas.microsoft.com/office/drawing/2014/main" id="{0B2181C4-6D3D-06F9-1678-209B5EF51BB3}"/>
-              </a:ext>
-            </a:extLst>
-          </p:cNvPr>
-          <p:cNvCxnSpPr>
-            <a:cxnSpLocks/>
-          </p:cNvCxnSpPr>
-          <p:nvPr/>
-        </p:nvCxnSpPr>
-        <p:spPr>
-          <a:xfrm rot="5400000">
-            <a:off x="1213564" y="2039819"/>
-            <a:ext cx="108000" cy="0"/>
-          </a:xfrm>
-          <a:prstGeom prst="line">
-            <a:avLst/>
-          </a:prstGeom>
-        </p:spPr>
-        <p:style>
-          <a:lnRef idx="1">
-            <a:schemeClr val="accent1"/>
-          </a:lnRef>
-          <a:fillRef idx="0">
-            <a:schemeClr val="accent1"/>
-          </a:fillRef>
-          <a:effectRef idx="0">
-            <a:schemeClr val="accent1"/>
-          </a:effectRef>
-          <a:fontRef idx="minor">
-            <a:schemeClr val="tx1"/>
-          </a:fontRef>
-        </p:style>
-      </p:cxnSp>
-      <p:cxnSp>
-        <p:nvCxnSpPr>
-          <p:cNvPr id="7" name="직선 연결선 6">
-            <a:extLst>
-              <a:ext uri="{FF2B5EF4-FFF2-40B4-BE49-F238E27FC236}">
-                <a16:creationId xmlns:a16="http://schemas.microsoft.com/office/drawing/2014/main" id="{81207BE1-AB3F-B74B-323E-BF5A8847F8C4}"/>
-              </a:ext>
-            </a:extLst>
-          </p:cNvPr>
-          <p:cNvCxnSpPr>
-            <a:cxnSpLocks/>
-          </p:cNvCxnSpPr>
-          <p:nvPr/>
-        </p:nvCxnSpPr>
-        <p:spPr>
-          <a:xfrm rot="5400000">
-            <a:off x="4809131" y="2039819"/>
-            <a:ext cx="108000" cy="0"/>
-          </a:xfrm>
-          <a:prstGeom prst="line">
-            <a:avLst/>
-          </a:prstGeom>
-        </p:spPr>
-        <p:style>
-          <a:lnRef idx="1">
-            <a:schemeClr val="accent1"/>
-          </a:lnRef>
-          <a:fillRef idx="0">
-            <a:schemeClr val="accent1"/>
-          </a:fillRef>
-          <a:effectRef idx="0">
-            <a:schemeClr val="accent1"/>
-          </a:effectRef>
-          <a:fontRef idx="minor">
-            <a:schemeClr val="tx1"/>
-          </a:fontRef>
-        </p:style>
-      </p:cxnSp>
-      <p:cxnSp>
-        <p:nvCxnSpPr>
-          <p:cNvPr id="8" name="직선 연결선 7">
-            <a:extLst>
-              <a:ext uri="{FF2B5EF4-FFF2-40B4-BE49-F238E27FC236}">
-                <a16:creationId xmlns:a16="http://schemas.microsoft.com/office/drawing/2014/main" id="{5498240A-37C0-F53B-3C03-62B4008325A5}"/>
-              </a:ext>
-            </a:extLst>
-          </p:cNvPr>
-          <p:cNvCxnSpPr>
-            <a:cxnSpLocks/>
-          </p:cNvCxnSpPr>
-          <p:nvPr/>
-        </p:nvCxnSpPr>
-        <p:spPr>
-          <a:xfrm rot="5400000">
-            <a:off x="3011349" y="2039819"/>
-            <a:ext cx="108000" cy="0"/>
-          </a:xfrm>
-          <a:prstGeom prst="line">
-            <a:avLst/>
-          </a:prstGeom>
-        </p:spPr>
-        <p:style>
-          <a:lnRef idx="1">
-            <a:schemeClr val="accent1"/>
-          </a:lnRef>
-          <a:fillRef idx="0">
-            <a:schemeClr val="accent1"/>
-          </a:fillRef>
-          <a:effectRef idx="0">
-            <a:schemeClr val="accent1"/>
-          </a:effectRef>
-          <a:fontRef idx="minor">
-            <a:schemeClr val="tx1"/>
-          </a:fontRef>
-        </p:style>
-      </p:cxnSp>
-      <p:cxnSp>
-        <p:nvCxnSpPr>
-          <p:cNvPr id="9" name="직선 연결선 8">
-            <a:extLst>
-              <a:ext uri="{FF2B5EF4-FFF2-40B4-BE49-F238E27FC236}">
-                <a16:creationId xmlns:a16="http://schemas.microsoft.com/office/drawing/2014/main" id="{2AE88422-A168-A7DC-65D9-DEB3810AA5E7}"/>
-              </a:ext>
-            </a:extLst>
-          </p:cNvPr>
-          <p:cNvCxnSpPr>
-            <a:cxnSpLocks/>
-          </p:cNvCxnSpPr>
-          <p:nvPr/>
-        </p:nvCxnSpPr>
-        <p:spPr>
-          <a:xfrm rot="5400000">
-            <a:off x="2651792" y="2039819"/>
-            <a:ext cx="108000" cy="0"/>
-          </a:xfrm>
-          <a:prstGeom prst="line">
-            <a:avLst/>
-          </a:prstGeom>
-        </p:spPr>
-        <p:style>
-          <a:lnRef idx="1">
-            <a:schemeClr val="accent1"/>
-          </a:lnRef>
-          <a:fillRef idx="0">
-            <a:schemeClr val="accent1"/>
-          </a:fillRef>
-          <a:effectRef idx="0">
-            <a:schemeClr val="accent1"/>
-          </a:effectRef>
-          <a:fontRef idx="minor">
-            <a:schemeClr val="tx1"/>
-          </a:fontRef>
-        </p:style>
-      </p:cxnSp>
-      <p:cxnSp>
-        <p:nvCxnSpPr>
-          <p:cNvPr id="10" name="직선 연결선 9">
-            <a:extLst>
-              <a:ext uri="{FF2B5EF4-FFF2-40B4-BE49-F238E27FC236}">
-                <a16:creationId xmlns:a16="http://schemas.microsoft.com/office/drawing/2014/main" id="{55BFF650-7152-8241-B83B-67DFB55AE14D}"/>
-              </a:ext>
-            </a:extLst>
-          </p:cNvPr>
-          <p:cNvCxnSpPr>
-            <a:cxnSpLocks/>
-          </p:cNvCxnSpPr>
-          <p:nvPr/>
-        </p:nvCxnSpPr>
-        <p:spPr>
-          <a:xfrm rot="5400000">
-            <a:off x="1932678" y="2039819"/>
-            <a:ext cx="108000" cy="0"/>
-          </a:xfrm>
-          <a:prstGeom prst="line">
-            <a:avLst/>
-          </a:prstGeom>
-        </p:spPr>
-        <p:style>
-          <a:lnRef idx="1">
-            <a:schemeClr val="accent1"/>
-          </a:lnRef>
-          <a:fillRef idx="0">
-            <a:schemeClr val="accent1"/>
-          </a:fillRef>
-          <a:effectRef idx="0">
-            <a:schemeClr val="accent1"/>
-          </a:effectRef>
-          <a:fontRef idx="minor">
-            <a:schemeClr val="tx1"/>
-          </a:fontRef>
-        </p:style>
-      </p:cxnSp>
-      <p:cxnSp>
-        <p:nvCxnSpPr>
-          <p:cNvPr id="11" name="직선 연결선 10">
-            <a:extLst>
-              <a:ext uri="{FF2B5EF4-FFF2-40B4-BE49-F238E27FC236}">
-                <a16:creationId xmlns:a16="http://schemas.microsoft.com/office/drawing/2014/main" id="{6158F1D6-CA01-2C37-F008-8704CDCFA462}"/>
-              </a:ext>
-            </a:extLst>
-          </p:cNvPr>
-          <p:cNvCxnSpPr>
-            <a:cxnSpLocks/>
-          </p:cNvCxnSpPr>
-          <p:nvPr/>
-        </p:nvCxnSpPr>
-        <p:spPr>
-          <a:xfrm rot="5400000">
-            <a:off x="1573121" y="2039819"/>
-            <a:ext cx="108000" cy="0"/>
-          </a:xfrm>
-          <a:prstGeom prst="line">
-            <a:avLst/>
-          </a:prstGeom>
-        </p:spPr>
-        <p:style>
-          <a:lnRef idx="1">
-            <a:schemeClr val="accent1"/>
-          </a:lnRef>
-          <a:fillRef idx="0">
-            <a:schemeClr val="accent1"/>
-          </a:fillRef>
-          <a:effectRef idx="0">
-            <a:schemeClr val="accent1"/>
-          </a:effectRef>
-          <a:fontRef idx="minor">
-            <a:schemeClr val="tx1"/>
-          </a:fontRef>
-        </p:style>
-      </p:cxnSp>
-      <p:cxnSp>
-        <p:nvCxnSpPr>
-          <p:cNvPr id="12" name="직선 연결선 11">
-            <a:extLst>
-              <a:ext uri="{FF2B5EF4-FFF2-40B4-BE49-F238E27FC236}">
-                <a16:creationId xmlns:a16="http://schemas.microsoft.com/office/drawing/2014/main" id="{DC4BEDD0-4F71-55C4-ADEE-8495758F4A80}"/>
-              </a:ext>
-            </a:extLst>
-          </p:cNvPr>
-          <p:cNvCxnSpPr>
-            <a:cxnSpLocks/>
-          </p:cNvCxnSpPr>
-          <p:nvPr/>
-        </p:nvCxnSpPr>
-        <p:spPr>
-          <a:xfrm rot="5400000">
-            <a:off x="2292235" y="2039819"/>
-            <a:ext cx="108000" cy="0"/>
-          </a:xfrm>
-          <a:prstGeom prst="line">
-            <a:avLst/>
-          </a:prstGeom>
-        </p:spPr>
-        <p:style>
-          <a:lnRef idx="1">
-            <a:schemeClr val="accent1"/>
-          </a:lnRef>
-          <a:fillRef idx="0">
-            <a:schemeClr val="accent1"/>
-          </a:fillRef>
-          <a:effectRef idx="0">
-            <a:schemeClr val="accent1"/>
-          </a:effectRef>
-          <a:fontRef idx="minor">
-            <a:schemeClr val="tx1"/>
-          </a:fontRef>
-        </p:style>
-      </p:cxnSp>
-      <p:cxnSp>
-        <p:nvCxnSpPr>
-          <p:cNvPr id="13" name="직선 연결선 12">
-            <a:extLst>
-              <a:ext uri="{FF2B5EF4-FFF2-40B4-BE49-F238E27FC236}">
-                <a16:creationId xmlns:a16="http://schemas.microsoft.com/office/drawing/2014/main" id="{9F70C0EE-DFD1-CF81-F0B3-1B6CF4062C01}"/>
-              </a:ext>
-            </a:extLst>
-          </p:cNvPr>
-          <p:cNvCxnSpPr>
-            <a:cxnSpLocks/>
-          </p:cNvCxnSpPr>
-          <p:nvPr/>
-        </p:nvCxnSpPr>
-        <p:spPr>
-          <a:xfrm rot="5400000">
-            <a:off x="4449577" y="2039819"/>
-            <a:ext cx="108000" cy="0"/>
-          </a:xfrm>
-          <a:prstGeom prst="line">
-            <a:avLst/>
-          </a:prstGeom>
-        </p:spPr>
-        <p:style>
-          <a:lnRef idx="1">
-            <a:schemeClr val="accent1"/>
-          </a:lnRef>
-          <a:fillRef idx="0">
-            <a:schemeClr val="accent1"/>
-          </a:fillRef>
-          <a:effectRef idx="0">
-            <a:schemeClr val="accent1"/>
-          </a:effectRef>
-          <a:fontRef idx="minor">
-            <a:schemeClr val="tx1"/>
-          </a:fontRef>
-        </p:style>
-      </p:cxnSp>
-      <p:cxnSp>
-        <p:nvCxnSpPr>
-          <p:cNvPr id="14" name="직선 연결선 13">
-            <a:extLst>
-              <a:ext uri="{FF2B5EF4-FFF2-40B4-BE49-F238E27FC236}">
-                <a16:creationId xmlns:a16="http://schemas.microsoft.com/office/drawing/2014/main" id="{8EDA4DE7-6DF2-96EE-C7AE-EC2DC8E60E43}"/>
-              </a:ext>
-            </a:extLst>
-          </p:cNvPr>
-          <p:cNvCxnSpPr>
-            <a:cxnSpLocks/>
-          </p:cNvCxnSpPr>
-          <p:nvPr/>
-        </p:nvCxnSpPr>
-        <p:spPr>
-          <a:xfrm rot="5400000">
-            <a:off x="3730463" y="2039819"/>
-            <a:ext cx="108000" cy="0"/>
-          </a:xfrm>
-          <a:prstGeom prst="line">
-            <a:avLst/>
-          </a:prstGeom>
-        </p:spPr>
-        <p:style>
-          <a:lnRef idx="1">
-            <a:schemeClr val="accent1"/>
-          </a:lnRef>
-          <a:fillRef idx="0">
-            <a:schemeClr val="accent1"/>
-          </a:fillRef>
-          <a:effectRef idx="0">
-            <a:schemeClr val="accent1"/>
-          </a:effectRef>
-          <a:fontRef idx="minor">
-            <a:schemeClr val="tx1"/>
-          </a:fontRef>
-        </p:style>
-      </p:cxnSp>
-      <p:cxnSp>
-        <p:nvCxnSpPr>
-          <p:cNvPr id="15" name="직선 연결선 14">
-            <a:extLst>
-              <a:ext uri="{FF2B5EF4-FFF2-40B4-BE49-F238E27FC236}">
-                <a16:creationId xmlns:a16="http://schemas.microsoft.com/office/drawing/2014/main" id="{AB9A8F8F-C1A4-B22E-A68C-80A142204A31}"/>
-              </a:ext>
-            </a:extLst>
-          </p:cNvPr>
-          <p:cNvCxnSpPr>
-            <a:cxnSpLocks/>
-          </p:cNvCxnSpPr>
-          <p:nvPr/>
-        </p:nvCxnSpPr>
-        <p:spPr>
-          <a:xfrm rot="5400000">
-            <a:off x="3370906" y="2039819"/>
-            <a:ext cx="108000" cy="0"/>
-          </a:xfrm>
-          <a:prstGeom prst="line">
-            <a:avLst/>
-          </a:prstGeom>
-        </p:spPr>
-        <p:style>
-          <a:lnRef idx="1">
-            <a:schemeClr val="accent1"/>
-          </a:lnRef>
-          <a:fillRef idx="0">
-            <a:schemeClr val="accent1"/>
-          </a:fillRef>
-          <a:effectRef idx="0">
-            <a:schemeClr val="accent1"/>
-          </a:effectRef>
-          <a:fontRef idx="minor">
-            <a:schemeClr val="tx1"/>
-          </a:fontRef>
-        </p:style>
-      </p:cxnSp>
-      <p:cxnSp>
-        <p:nvCxnSpPr>
-          <p:cNvPr id="16" name="직선 연결선 15">
-            <a:extLst>
-              <a:ext uri="{FF2B5EF4-FFF2-40B4-BE49-F238E27FC236}">
-                <a16:creationId xmlns:a16="http://schemas.microsoft.com/office/drawing/2014/main" id="{8F82C57C-BCC1-AAC8-BFD4-A890279084BE}"/>
-              </a:ext>
-            </a:extLst>
-          </p:cNvPr>
-          <p:cNvCxnSpPr>
-            <a:cxnSpLocks/>
-          </p:cNvCxnSpPr>
-          <p:nvPr/>
-        </p:nvCxnSpPr>
-        <p:spPr>
-          <a:xfrm rot="5400000">
-            <a:off x="4090020" y="2039819"/>
-            <a:ext cx="108000" cy="0"/>
-          </a:xfrm>
-          <a:prstGeom prst="line">
-            <a:avLst/>
-          </a:prstGeom>
-        </p:spPr>
-        <p:style>
-          <a:lnRef idx="1">
-            <a:schemeClr val="accent1"/>
-          </a:lnRef>
-          <a:fillRef idx="0">
-            <a:schemeClr val="accent1"/>
-          </a:fillRef>
-          <a:effectRef idx="0">
-            <a:schemeClr val="accent1"/>
-          </a:effectRef>
-          <a:fontRef idx="minor">
-            <a:schemeClr val="tx1"/>
-          </a:fontRef>
-        </p:style>
-      </p:cxnSp>
-      <p:sp>
-        <p:nvSpPr>
-          <p:cNvPr id="17" name="타원 16">
-            <a:extLst>
-              <a:ext uri="{FF2B5EF4-FFF2-40B4-BE49-F238E27FC236}">
-                <a16:creationId xmlns:a16="http://schemas.microsoft.com/office/drawing/2014/main" id="{F8523104-1AB3-8414-82B0-8D309E77128D}"/>
+                <a16:creationId xmlns:a16="http://schemas.microsoft.com/office/drawing/2014/main" id="{150B6F32-4CB7-3407-505A-4BE58157FC9E}"/>
               </a:ext>
             </a:extLst>
           </p:cNvPr>
@@ -5392,19 +9687,19 @@
         </p:nvSpPr>
         <p:spPr>
           <a:xfrm>
-            <a:off x="3011349" y="1877821"/>
-            <a:ext cx="108000" cy="108000"/>
+            <a:off x="4737322" y="1446458"/>
+            <a:ext cx="1777779" cy="1435535"/>
           </a:xfrm>
-          <a:prstGeom prst="ellipse">
+          <a:prstGeom prst="roundRect">
             <a:avLst/>
           </a:prstGeom>
           <a:solidFill>
-            <a:srgbClr val="FF0000"/>
+            <a:schemeClr val="accent5">
+              <a:lumMod val="75000"/>
+            </a:schemeClr>
           </a:solidFill>
-          <a:ln w="6350">
-            <a:solidFill>
-              <a:schemeClr val="bg1"/>
-            </a:solidFill>
+          <a:ln>
+            <a:noFill/>
           </a:ln>
         </p:spPr>
         <p:style>
@@ -5434,10 +9729,10 @@
       </p:sp>
       <p:sp>
         <p:nvSpPr>
-          <p:cNvPr id="18" name="타원 17">
+          <p:cNvPr id="19" name="사각형: 둥근 모서리 18">
             <a:extLst>
               <a:ext uri="{FF2B5EF4-FFF2-40B4-BE49-F238E27FC236}">
-                <a16:creationId xmlns:a16="http://schemas.microsoft.com/office/drawing/2014/main" id="{A573D3B4-A0F7-337C-757D-AC8E22A3553F}"/>
+                <a16:creationId xmlns:a16="http://schemas.microsoft.com/office/drawing/2014/main" id="{E348E483-C6FD-C06C-25C3-5AEA8BFBC63C}"/>
               </a:ext>
             </a:extLst>
           </p:cNvPr>
@@ -5446,19 +9741,20 @@
         </p:nvSpPr>
         <p:spPr>
           <a:xfrm>
-            <a:off x="3011349" y="1769820"/>
-            <a:ext cx="108000" cy="108000"/>
+            <a:off x="3692303" y="4170571"/>
+            <a:ext cx="1777779" cy="1240971"/>
           </a:xfrm>
-          <a:prstGeom prst="ellipse">
+          <a:prstGeom prst="roundRect">
             <a:avLst/>
           </a:prstGeom>
           <a:solidFill>
-            <a:srgbClr val="FF0000"/>
+            <a:schemeClr val="accent5">
+              <a:lumMod val="60000"/>
+              <a:lumOff val="40000"/>
+            </a:schemeClr>
           </a:solidFill>
-          <a:ln w="6350">
-            <a:solidFill>
-              <a:schemeClr val="bg1"/>
-            </a:solidFill>
+          <a:ln>
+            <a:noFill/>
           </a:ln>
         </p:spPr>
         <p:style>
@@ -5488,10 +9784,61 @@
       </p:sp>
       <p:sp>
         <p:nvSpPr>
-          <p:cNvPr id="19" name="타원 18">
+          <p:cNvPr id="20" name="TextBox 19">
             <a:extLst>
               <a:ext uri="{FF2B5EF4-FFF2-40B4-BE49-F238E27FC236}">
-                <a16:creationId xmlns:a16="http://schemas.microsoft.com/office/drawing/2014/main" id="{985E575C-5CF8-65EB-5422-4B499DCA4B8D}"/>
+                <a16:creationId xmlns:a16="http://schemas.microsoft.com/office/drawing/2014/main" id="{145C3A56-313F-6738-312A-0C13EEE613F3}"/>
+              </a:ext>
+            </a:extLst>
+          </p:cNvPr>
+          <p:cNvSpPr txBox="1"/>
+          <p:nvPr/>
+        </p:nvSpPr>
+        <p:spPr>
+          <a:xfrm>
+            <a:off x="4030102" y="5411542"/>
+            <a:ext cx="1102179" cy="338554"/>
+          </a:xfrm>
+          <a:prstGeom prst="rect">
+            <a:avLst/>
+          </a:prstGeom>
+          <a:noFill/>
+        </p:spPr>
+        <p:txBody>
+          <a:bodyPr wrap="square" rtlCol="0">
+            <a:spAutoFit/>
+          </a:bodyPr>
+          <a:lstStyle/>
+          <a:p>
+            <a:pPr algn="ctr"/>
+            <a:r>
+              <a:rPr lang="en-US" altLang="ko-KR" sz="1600" dirty="0">
+                <a:solidFill>
+                  <a:srgbClr val="C00000"/>
+                </a:solidFill>
+                <a:latin typeface="KoPubWorld돋움체_Pro Bold" panose="00000800000000000000" pitchFamily="50" charset="-127"/>
+                <a:ea typeface="KoPubWorld돋움체_Pro Bold" panose="00000800000000000000" pitchFamily="50" charset="-127"/>
+                <a:cs typeface="KoPubWorld돋움체_Pro Bold" panose="00000800000000000000" pitchFamily="50" charset="-127"/>
+              </a:rPr>
+              <a:t>Phase 3</a:t>
+            </a:r>
+            <a:endParaRPr lang="ko-KR" altLang="en-US" sz="1600" dirty="0">
+              <a:solidFill>
+                <a:srgbClr val="C00000"/>
+              </a:solidFill>
+              <a:latin typeface="KoPubWorld돋움체_Pro Bold" panose="00000800000000000000" pitchFamily="50" charset="-127"/>
+              <a:ea typeface="KoPubWorld돋움체_Pro Bold" panose="00000800000000000000" pitchFamily="50" charset="-127"/>
+              <a:cs typeface="KoPubWorld돋움체_Pro Bold" panose="00000800000000000000" pitchFamily="50" charset="-127"/>
+            </a:endParaRPr>
+          </a:p>
+        </p:txBody>
+      </p:sp>
+      <p:sp>
+        <p:nvSpPr>
+          <p:cNvPr id="17" name="사각형: 둥근 모서리 16">
+            <a:extLst>
+              <a:ext uri="{FF2B5EF4-FFF2-40B4-BE49-F238E27FC236}">
+                <a16:creationId xmlns:a16="http://schemas.microsoft.com/office/drawing/2014/main" id="{15FA632F-0186-D1EA-EC9B-28B27800A444}"/>
               </a:ext>
             </a:extLst>
           </p:cNvPr>
@@ -5500,19 +9847,20 @@
         </p:nvSpPr>
         <p:spPr>
           <a:xfrm>
-            <a:off x="3011349" y="1661821"/>
-            <a:ext cx="108000" cy="108000"/>
+            <a:off x="1593053" y="4170571"/>
+            <a:ext cx="1777779" cy="1240971"/>
           </a:xfrm>
-          <a:prstGeom prst="ellipse">
+          <a:prstGeom prst="roundRect">
             <a:avLst/>
           </a:prstGeom>
           <a:solidFill>
-            <a:srgbClr val="FF0000"/>
+            <a:schemeClr val="accent5">
+              <a:lumMod val="40000"/>
+              <a:lumOff val="60000"/>
+            </a:schemeClr>
           </a:solidFill>
-          <a:ln w="6350">
-            <a:solidFill>
-              <a:schemeClr val="bg1"/>
-            </a:solidFill>
+          <a:ln>
+            <a:noFill/>
           </a:ln>
         </p:spPr>
         <p:style>
@@ -5542,10 +9890,10 @@
       </p:sp>
       <p:sp>
         <p:nvSpPr>
-          <p:cNvPr id="20" name="타원 19">
+          <p:cNvPr id="16" name="사각형: 둥근 모서리 15">
             <a:extLst>
               <a:ext uri="{FF2B5EF4-FFF2-40B4-BE49-F238E27FC236}">
-                <a16:creationId xmlns:a16="http://schemas.microsoft.com/office/drawing/2014/main" id="{FA4324FE-F601-987E-C756-5ABC17F2C655}"/>
+                <a16:creationId xmlns:a16="http://schemas.microsoft.com/office/drawing/2014/main" id="{F8D4ECE0-1577-9770-4E9E-F3A3C52394AB}"/>
               </a:ext>
             </a:extLst>
           </p:cNvPr>
@@ -5554,19 +9902,20 @@
         </p:nvSpPr>
         <p:spPr>
           <a:xfrm>
-            <a:off x="3011349" y="1553822"/>
-            <a:ext cx="108000" cy="108000"/>
+            <a:off x="696000" y="1641022"/>
+            <a:ext cx="1777779" cy="1240971"/>
           </a:xfrm>
-          <a:prstGeom prst="ellipse">
+          <a:prstGeom prst="roundRect">
             <a:avLst/>
           </a:prstGeom>
           <a:solidFill>
-            <a:srgbClr val="0070C0"/>
+            <a:schemeClr val="accent5">
+              <a:lumMod val="20000"/>
+              <a:lumOff val="80000"/>
+            </a:schemeClr>
           </a:solidFill>
-          <a:ln w="6350">
-            <a:solidFill>
-              <a:schemeClr val="bg1"/>
-            </a:solidFill>
+          <a:ln>
+            <a:noFill/>
           </a:ln>
         </p:spPr>
         <p:style>
@@ -5594,3232 +9943,204 @@
           </a:p>
         </p:txBody>
       </p:sp>
-      <p:sp>
-        <p:nvSpPr>
-          <p:cNvPr id="21" name="타원 20">
+      <p:pic>
+        <p:nvPicPr>
+          <p:cNvPr id="5" name="그림 4">
             <a:extLst>
               <a:ext uri="{FF2B5EF4-FFF2-40B4-BE49-F238E27FC236}">
-                <a16:creationId xmlns:a16="http://schemas.microsoft.com/office/drawing/2014/main" id="{5B8CC487-7A5E-BA70-E183-82CBE8C8904C}"/>
+                <a16:creationId xmlns:a16="http://schemas.microsoft.com/office/drawing/2014/main" id="{F7B2A2EE-0496-286C-5FCC-5D7AD9B75E6B}"/>
               </a:ext>
             </a:extLst>
           </p:cNvPr>
-          <p:cNvSpPr/>
+          <p:cNvPicPr>
+            <a:picLocks noChangeAspect="1"/>
+          </p:cNvPicPr>
+          <p:nvPr/>
+        </p:nvPicPr>
+        <p:blipFill>
+          <a:blip r:embed="rId2">
+            <a:clrChange>
+              <a:clrFrom>
+                <a:srgbClr val="FFFFFF"/>
+              </a:clrFrom>
+              <a:clrTo>
+                <a:srgbClr val="FFFFFF">
+                  <a:alpha val="0"/>
+                </a:srgbClr>
+              </a:clrTo>
+            </a:clrChange>
+          </a:blip>
+          <a:stretch>
+            <a:fillRect/>
+          </a:stretch>
+        </p:blipFill>
+        <p:spPr>
+          <a:xfrm>
+            <a:off x="696000" y="1446458"/>
+            <a:ext cx="10800000" cy="3965084"/>
+          </a:xfrm>
+          <a:prstGeom prst="rect">
+            <a:avLst/>
+          </a:prstGeom>
+        </p:spPr>
+      </p:pic>
+      <p:sp>
+        <p:nvSpPr>
+          <p:cNvPr id="9" name="TextBox 8">
+            <a:extLst>
+              <a:ext uri="{FF2B5EF4-FFF2-40B4-BE49-F238E27FC236}">
+                <a16:creationId xmlns:a16="http://schemas.microsoft.com/office/drawing/2014/main" id="{47D02FC4-9B74-3701-AB14-5D4BEBF07465}"/>
+              </a:ext>
+            </a:extLst>
+          </p:cNvPr>
+          <p:cNvSpPr txBox="1"/>
           <p:nvPr/>
         </p:nvSpPr>
         <p:spPr>
           <a:xfrm>
-            <a:off x="3011349" y="1440147"/>
-            <a:ext cx="108000" cy="108000"/>
+            <a:off x="1033799" y="1302468"/>
+            <a:ext cx="1102179" cy="338554"/>
           </a:xfrm>
-          <a:prstGeom prst="ellipse">
+          <a:prstGeom prst="rect">
             <a:avLst/>
           </a:prstGeom>
-          <a:solidFill>
-            <a:srgbClr val="0070C0"/>
-          </a:solidFill>
-          <a:ln w="6350">
-            <a:solidFill>
-              <a:schemeClr val="bg1"/>
-            </a:solidFill>
-          </a:ln>
+          <a:noFill/>
         </p:spPr>
-        <p:style>
-          <a:lnRef idx="2">
-            <a:schemeClr val="accent1">
-              <a:shade val="15000"/>
-            </a:schemeClr>
-          </a:lnRef>
-          <a:fillRef idx="1">
-            <a:schemeClr val="accent1"/>
-          </a:fillRef>
-          <a:effectRef idx="0">
-            <a:schemeClr val="accent1"/>
-          </a:effectRef>
-          <a:fontRef idx="minor">
-            <a:schemeClr val="lt1"/>
-          </a:fontRef>
-        </p:style>
         <p:txBody>
-          <a:bodyPr rtlCol="0" anchor="ctr"/>
+          <a:bodyPr wrap="square" rtlCol="0">
+            <a:spAutoFit/>
+          </a:bodyPr>
           <a:lstStyle/>
           <a:p>
             <a:pPr algn="ctr"/>
-            <a:endParaRPr lang="ko-KR" altLang="en-US"/>
+            <a:r>
+              <a:rPr lang="en-US" altLang="ko-KR" sz="1600" dirty="0">
+                <a:solidFill>
+                  <a:srgbClr val="C00000"/>
+                </a:solidFill>
+                <a:latin typeface="KoPubWorld돋움체_Pro Bold" panose="00000800000000000000" pitchFamily="50" charset="-127"/>
+                <a:ea typeface="KoPubWorld돋움체_Pro Bold" panose="00000800000000000000" pitchFamily="50" charset="-127"/>
+                <a:cs typeface="KoPubWorld돋움체_Pro Bold" panose="00000800000000000000" pitchFamily="50" charset="-127"/>
+              </a:rPr>
+              <a:t>Phase 1</a:t>
+            </a:r>
+            <a:endParaRPr lang="ko-KR" altLang="en-US" sz="1600" dirty="0">
+              <a:solidFill>
+                <a:srgbClr val="C00000"/>
+              </a:solidFill>
+              <a:latin typeface="KoPubWorld돋움체_Pro Bold" panose="00000800000000000000" pitchFamily="50" charset="-127"/>
+              <a:ea typeface="KoPubWorld돋움체_Pro Bold" panose="00000800000000000000" pitchFamily="50" charset="-127"/>
+              <a:cs typeface="KoPubWorld돋움체_Pro Bold" panose="00000800000000000000" pitchFamily="50" charset="-127"/>
+            </a:endParaRPr>
           </a:p>
         </p:txBody>
       </p:sp>
       <p:sp>
         <p:nvSpPr>
-          <p:cNvPr id="22" name="타원 21">
+          <p:cNvPr id="18" name="TextBox 17">
             <a:extLst>
               <a:ext uri="{FF2B5EF4-FFF2-40B4-BE49-F238E27FC236}">
-                <a16:creationId xmlns:a16="http://schemas.microsoft.com/office/drawing/2014/main" id="{DEDAC198-1DF7-2ECC-D784-5BABA0AA2356}"/>
+                <a16:creationId xmlns:a16="http://schemas.microsoft.com/office/drawing/2014/main" id="{BA99009E-F3C0-7AE9-FA06-A9519F98413F}"/>
               </a:ext>
             </a:extLst>
           </p:cNvPr>
-          <p:cNvSpPr/>
+          <p:cNvSpPr txBox="1"/>
           <p:nvPr/>
         </p:nvSpPr>
         <p:spPr>
           <a:xfrm>
-            <a:off x="3370906" y="1877821"/>
-            <a:ext cx="108000" cy="108000"/>
+            <a:off x="1930852" y="5411542"/>
+            <a:ext cx="1102179" cy="338554"/>
           </a:xfrm>
-          <a:prstGeom prst="ellipse">
+          <a:prstGeom prst="rect">
             <a:avLst/>
           </a:prstGeom>
-          <a:solidFill>
-            <a:srgbClr val="FF0000"/>
-          </a:solidFill>
-          <a:ln w="6350">
-            <a:solidFill>
-              <a:schemeClr val="bg1"/>
-            </a:solidFill>
-          </a:ln>
+          <a:noFill/>
         </p:spPr>
-        <p:style>
-          <a:lnRef idx="2">
-            <a:schemeClr val="accent1">
-              <a:shade val="15000"/>
-            </a:schemeClr>
-          </a:lnRef>
-          <a:fillRef idx="1">
-            <a:schemeClr val="accent1"/>
-          </a:fillRef>
-          <a:effectRef idx="0">
-            <a:schemeClr val="accent1"/>
-          </a:effectRef>
-          <a:fontRef idx="minor">
-            <a:schemeClr val="lt1"/>
-          </a:fontRef>
-        </p:style>
         <p:txBody>
-          <a:bodyPr rtlCol="0" anchor="ctr"/>
+          <a:bodyPr wrap="square" rtlCol="0">
+            <a:spAutoFit/>
+          </a:bodyPr>
           <a:lstStyle/>
           <a:p>
             <a:pPr algn="ctr"/>
-            <a:endParaRPr lang="ko-KR" altLang="en-US"/>
+            <a:r>
+              <a:rPr lang="en-US" altLang="ko-KR" sz="1600" dirty="0">
+                <a:solidFill>
+                  <a:srgbClr val="C00000"/>
+                </a:solidFill>
+                <a:latin typeface="KoPubWorld돋움체_Pro Bold" panose="00000800000000000000" pitchFamily="50" charset="-127"/>
+                <a:ea typeface="KoPubWorld돋움체_Pro Bold" panose="00000800000000000000" pitchFamily="50" charset="-127"/>
+                <a:cs typeface="KoPubWorld돋움체_Pro Bold" panose="00000800000000000000" pitchFamily="50" charset="-127"/>
+              </a:rPr>
+              <a:t>Phase 2</a:t>
+            </a:r>
+            <a:endParaRPr lang="ko-KR" altLang="en-US" sz="1600" dirty="0">
+              <a:solidFill>
+                <a:srgbClr val="C00000"/>
+              </a:solidFill>
+              <a:latin typeface="KoPubWorld돋움체_Pro Bold" panose="00000800000000000000" pitchFamily="50" charset="-127"/>
+              <a:ea typeface="KoPubWorld돋움체_Pro Bold" panose="00000800000000000000" pitchFamily="50" charset="-127"/>
+              <a:cs typeface="KoPubWorld돋움체_Pro Bold" panose="00000800000000000000" pitchFamily="50" charset="-127"/>
+            </a:endParaRPr>
           </a:p>
         </p:txBody>
       </p:sp>
       <p:sp>
         <p:nvSpPr>
-          <p:cNvPr id="23" name="타원 22">
+          <p:cNvPr id="24" name="TextBox 23">
             <a:extLst>
               <a:ext uri="{FF2B5EF4-FFF2-40B4-BE49-F238E27FC236}">
-                <a16:creationId xmlns:a16="http://schemas.microsoft.com/office/drawing/2014/main" id="{9EF23FF5-E3B3-F84D-B834-107706CD83A5}"/>
+                <a16:creationId xmlns:a16="http://schemas.microsoft.com/office/drawing/2014/main" id="{B7377323-87E9-9D4A-605D-2D3BC8074FEB}"/>
               </a:ext>
             </a:extLst>
           </p:cNvPr>
-          <p:cNvSpPr/>
+          <p:cNvSpPr txBox="1"/>
           <p:nvPr/>
         </p:nvSpPr>
         <p:spPr>
           <a:xfrm>
-            <a:off x="3370906" y="1769820"/>
-            <a:ext cx="108000" cy="108000"/>
+            <a:off x="5075121" y="1107904"/>
+            <a:ext cx="1102179" cy="338554"/>
           </a:xfrm>
-          <a:prstGeom prst="ellipse">
+          <a:prstGeom prst="rect">
             <a:avLst/>
           </a:prstGeom>
-          <a:solidFill>
-            <a:srgbClr val="FF0000"/>
-          </a:solidFill>
-          <a:ln w="6350">
-            <a:solidFill>
-              <a:schemeClr val="bg1"/>
-            </a:solidFill>
-          </a:ln>
+          <a:noFill/>
         </p:spPr>
-        <p:style>
-          <a:lnRef idx="2">
-            <a:schemeClr val="accent1">
-              <a:shade val="15000"/>
-            </a:schemeClr>
-          </a:lnRef>
-          <a:fillRef idx="1">
-            <a:schemeClr val="accent1"/>
-          </a:fillRef>
-          <a:effectRef idx="0">
-            <a:schemeClr val="accent1"/>
-          </a:effectRef>
-          <a:fontRef idx="minor">
-            <a:schemeClr val="lt1"/>
-          </a:fontRef>
-        </p:style>
         <p:txBody>
-          <a:bodyPr rtlCol="0" anchor="ctr"/>
+          <a:bodyPr wrap="square" rtlCol="0">
+            <a:spAutoFit/>
+          </a:bodyPr>
           <a:lstStyle/>
           <a:p>
             <a:pPr algn="ctr"/>
-            <a:endParaRPr lang="ko-KR" altLang="en-US"/>
-          </a:p>
-        </p:txBody>
-      </p:sp>
-      <p:sp>
-        <p:nvSpPr>
-          <p:cNvPr id="24" name="타원 23">
-            <a:extLst>
-              <a:ext uri="{FF2B5EF4-FFF2-40B4-BE49-F238E27FC236}">
-                <a16:creationId xmlns:a16="http://schemas.microsoft.com/office/drawing/2014/main" id="{4E777BA4-5602-5FEB-9FFE-23D614581202}"/>
-              </a:ext>
-            </a:extLst>
-          </p:cNvPr>
-          <p:cNvSpPr/>
-          <p:nvPr/>
-        </p:nvSpPr>
-        <p:spPr>
-          <a:xfrm>
-            <a:off x="3370906" y="1661821"/>
-            <a:ext cx="108000" cy="108000"/>
-          </a:xfrm>
-          <a:prstGeom prst="ellipse">
-            <a:avLst/>
-          </a:prstGeom>
-          <a:solidFill>
-            <a:srgbClr val="0070C0"/>
-          </a:solidFill>
-          <a:ln w="6350">
-            <a:solidFill>
-              <a:schemeClr val="bg1"/>
-            </a:solidFill>
-          </a:ln>
-        </p:spPr>
-        <p:style>
-          <a:lnRef idx="2">
-            <a:schemeClr val="accent1">
-              <a:shade val="15000"/>
-            </a:schemeClr>
-          </a:lnRef>
-          <a:fillRef idx="1">
-            <a:schemeClr val="accent1"/>
-          </a:fillRef>
-          <a:effectRef idx="0">
-            <a:schemeClr val="accent1"/>
-          </a:effectRef>
-          <a:fontRef idx="minor">
-            <a:schemeClr val="lt1"/>
-          </a:fontRef>
-        </p:style>
-        <p:txBody>
-          <a:bodyPr rtlCol="0" anchor="ctr"/>
-          <a:lstStyle/>
-          <a:p>
-            <a:pPr algn="ctr"/>
-            <a:endParaRPr lang="ko-KR" altLang="en-US"/>
-          </a:p>
-        </p:txBody>
-      </p:sp>
-      <p:sp>
-        <p:nvSpPr>
-          <p:cNvPr id="25" name="타원 24">
-            <a:extLst>
-              <a:ext uri="{FF2B5EF4-FFF2-40B4-BE49-F238E27FC236}">
-                <a16:creationId xmlns:a16="http://schemas.microsoft.com/office/drawing/2014/main" id="{41F56819-9617-0E1B-2723-D5C52994B3ED}"/>
-              </a:ext>
-            </a:extLst>
-          </p:cNvPr>
-          <p:cNvSpPr/>
-          <p:nvPr/>
-        </p:nvSpPr>
-        <p:spPr>
-          <a:xfrm>
-            <a:off x="3370906" y="1553822"/>
-            <a:ext cx="108000" cy="108000"/>
-          </a:xfrm>
-          <a:prstGeom prst="ellipse">
-            <a:avLst/>
-          </a:prstGeom>
-          <a:solidFill>
-            <a:srgbClr val="0070C0"/>
-          </a:solidFill>
-          <a:ln w="6350">
-            <a:solidFill>
-              <a:schemeClr val="bg1"/>
-            </a:solidFill>
-          </a:ln>
-        </p:spPr>
-        <p:style>
-          <a:lnRef idx="2">
-            <a:schemeClr val="accent1">
-              <a:shade val="15000"/>
-            </a:schemeClr>
-          </a:lnRef>
-          <a:fillRef idx="1">
-            <a:schemeClr val="accent1"/>
-          </a:fillRef>
-          <a:effectRef idx="0">
-            <a:schemeClr val="accent1"/>
-          </a:effectRef>
-          <a:fontRef idx="minor">
-            <a:schemeClr val="lt1"/>
-          </a:fontRef>
-        </p:style>
-        <p:txBody>
-          <a:bodyPr rtlCol="0" anchor="ctr"/>
-          <a:lstStyle/>
-          <a:p>
-            <a:pPr algn="ctr"/>
-            <a:endParaRPr lang="ko-KR" altLang="en-US"/>
-          </a:p>
-        </p:txBody>
-      </p:sp>
-      <p:sp>
-        <p:nvSpPr>
-          <p:cNvPr id="26" name="타원 25">
-            <a:extLst>
-              <a:ext uri="{FF2B5EF4-FFF2-40B4-BE49-F238E27FC236}">
-                <a16:creationId xmlns:a16="http://schemas.microsoft.com/office/drawing/2014/main" id="{49BADD05-FE97-7A08-1D97-F61CFFF436AD}"/>
-              </a:ext>
-            </a:extLst>
-          </p:cNvPr>
-          <p:cNvSpPr/>
-          <p:nvPr/>
-        </p:nvSpPr>
-        <p:spPr>
-          <a:xfrm>
-            <a:off x="3370906" y="1440147"/>
-            <a:ext cx="108000" cy="108000"/>
-          </a:xfrm>
-          <a:prstGeom prst="ellipse">
-            <a:avLst/>
-          </a:prstGeom>
-          <a:solidFill>
-            <a:srgbClr val="0070C0"/>
-          </a:solidFill>
-          <a:ln w="6350">
-            <a:solidFill>
-              <a:schemeClr val="bg1"/>
-            </a:solidFill>
-          </a:ln>
-        </p:spPr>
-        <p:style>
-          <a:lnRef idx="2">
-            <a:schemeClr val="accent1">
-              <a:shade val="15000"/>
-            </a:schemeClr>
-          </a:lnRef>
-          <a:fillRef idx="1">
-            <a:schemeClr val="accent1"/>
-          </a:fillRef>
-          <a:effectRef idx="0">
-            <a:schemeClr val="accent1"/>
-          </a:effectRef>
-          <a:fontRef idx="minor">
-            <a:schemeClr val="lt1"/>
-          </a:fontRef>
-        </p:style>
-        <p:txBody>
-          <a:bodyPr rtlCol="0" anchor="ctr"/>
-          <a:lstStyle/>
-          <a:p>
-            <a:pPr algn="ctr"/>
-            <a:endParaRPr lang="ko-KR" altLang="en-US"/>
-          </a:p>
-        </p:txBody>
-      </p:sp>
-      <mc:AlternateContent xmlns:mc="http://schemas.openxmlformats.org/markup-compatibility/2006">
-        <mc:Choice xmlns:a14="http://schemas.microsoft.com/office/drawing/2010/main" Requires="a14">
-          <p:sp>
-            <p:nvSpPr>
-              <p:cNvPr id="28" name="TextBox 27">
-                <a:extLst>
-                  <a:ext uri="{FF2B5EF4-FFF2-40B4-BE49-F238E27FC236}">
-                    <a16:creationId xmlns:a16="http://schemas.microsoft.com/office/drawing/2014/main" id="{2E4621B6-F631-033C-2B8B-7D282151EE57}"/>
-                  </a:ext>
-                </a:extLst>
-              </p:cNvPr>
-              <p:cNvSpPr txBox="1"/>
-              <p:nvPr/>
-            </p:nvSpPr>
-            <p:spPr>
-              <a:xfrm>
-                <a:off x="4871552" y="1831930"/>
-                <a:ext cx="360000" cy="307777"/>
-              </a:xfrm>
-              <a:prstGeom prst="rect">
-                <a:avLst/>
-              </a:prstGeom>
-              <a:noFill/>
-            </p:spPr>
-            <p:txBody>
-              <a:bodyPr wrap="none" lIns="0" tIns="0" rIns="0" bIns="0" rtlCol="0" anchor="ctr">
-                <a:spAutoFit/>
-              </a:bodyPr>
-              <a:lstStyle/>
-              <a:p>
-                <a14:m>
-                  <m:oMathPara xmlns:m="http://schemas.openxmlformats.org/officeDocument/2006/math">
-                    <m:oMathParaPr>
-                      <m:jc m:val="centerGroup"/>
-                    </m:oMathParaPr>
-                    <m:oMath xmlns:m="http://schemas.openxmlformats.org/officeDocument/2006/math">
-                      <m:sSub>
-                        <m:sSubPr>
-                          <m:ctrlPr>
-                            <a:rPr lang="en-US" altLang="ko-KR" sz="2000" b="0" i="1" smtClean="0">
-                              <a:latin typeface="Cambria Math" panose="02040503050406030204" pitchFamily="18" charset="0"/>
-                            </a:rPr>
-                          </m:ctrlPr>
-                        </m:sSubPr>
-                        <m:e>
-                          <m:r>
-                            <a:rPr lang="en-US" altLang="ko-KR" sz="2000" b="0" i="1" smtClean="0">
-                              <a:latin typeface="Cambria Math" panose="02040503050406030204" pitchFamily="18" charset="0"/>
-                            </a:rPr>
-                            <m:t>𝑥</m:t>
-                          </m:r>
-                        </m:e>
-                        <m:sub>
-                          <m:r>
-                            <a:rPr lang="en-US" altLang="ko-KR" sz="2000" b="0" i="1" smtClean="0">
-                              <a:latin typeface="Cambria Math" panose="02040503050406030204" pitchFamily="18" charset="0"/>
-                            </a:rPr>
-                            <m:t>1</m:t>
-                          </m:r>
-                        </m:sub>
-                      </m:sSub>
-                    </m:oMath>
-                  </m:oMathPara>
-                </a14:m>
-                <a:endParaRPr lang="en-US" altLang="ko-KR" sz="2000" b="0" dirty="0"/>
-              </a:p>
-            </p:txBody>
-          </p:sp>
-        </mc:Choice>
-        <mc:Fallback>
-          <p:sp>
-            <p:nvSpPr>
-              <p:cNvPr id="28" name="TextBox 27">
-                <a:extLst>
-                  <a:ext uri="{FF2B5EF4-FFF2-40B4-BE49-F238E27FC236}">
-                    <a16:creationId xmlns:a16="http://schemas.microsoft.com/office/drawing/2014/main" id="{2E4621B6-F631-033C-2B8B-7D282151EE57}"/>
-                  </a:ext>
-                </a:extLst>
-              </p:cNvPr>
-              <p:cNvSpPr txBox="1">
-                <a:spLocks noRot="1" noChangeAspect="1" noMove="1" noResize="1" noEditPoints="1" noAdjustHandles="1" noChangeArrowheads="1" noChangeShapeType="1" noTextEdit="1"/>
-              </p:cNvSpPr>
-              <p:nvPr/>
-            </p:nvSpPr>
-            <p:spPr>
-              <a:xfrm>
-                <a:off x="4871552" y="1831930"/>
-                <a:ext cx="360000" cy="307777"/>
-              </a:xfrm>
-              <a:prstGeom prst="rect">
-                <a:avLst/>
-              </a:prstGeom>
-              <a:blipFill>
-                <a:blip r:embed="rId2"/>
-                <a:stretch>
-                  <a:fillRect l="-1695" b="-20000"/>
-                </a:stretch>
-              </a:blipFill>
-            </p:spPr>
-            <p:txBody>
-              <a:bodyPr/>
-              <a:lstStyle/>
-              <a:p>
-                <a:r>
-                  <a:rPr lang="ko-KR" altLang="en-US">
-                    <a:noFill/>
-                  </a:rPr>
-                  <a:t> </a:t>
-                </a:r>
-              </a:p>
-            </p:txBody>
-          </p:sp>
-        </mc:Fallback>
-      </mc:AlternateContent>
-      <p:cxnSp>
-        <p:nvCxnSpPr>
-          <p:cNvPr id="29" name="직선 연결선 28">
-            <a:extLst>
-              <a:ext uri="{FF2B5EF4-FFF2-40B4-BE49-F238E27FC236}">
-                <a16:creationId xmlns:a16="http://schemas.microsoft.com/office/drawing/2014/main" id="{C439C7A1-13D8-337F-FC86-E08CC60C944B}"/>
-              </a:ext>
-            </a:extLst>
-          </p:cNvPr>
-          <p:cNvCxnSpPr/>
-          <p:nvPr/>
-        </p:nvCxnSpPr>
-        <p:spPr>
-          <a:xfrm>
-            <a:off x="5644663" y="1985819"/>
-            <a:ext cx="3600000" cy="0"/>
-          </a:xfrm>
-          <a:prstGeom prst="line">
-            <a:avLst/>
-          </a:prstGeom>
-        </p:spPr>
-        <p:style>
-          <a:lnRef idx="1">
-            <a:schemeClr val="accent1"/>
-          </a:lnRef>
-          <a:fillRef idx="0">
-            <a:schemeClr val="accent1"/>
-          </a:fillRef>
-          <a:effectRef idx="0">
-            <a:schemeClr val="accent1"/>
-          </a:effectRef>
-          <a:fontRef idx="minor">
-            <a:schemeClr val="tx1"/>
-          </a:fontRef>
-        </p:style>
-      </p:cxnSp>
-      <p:cxnSp>
-        <p:nvCxnSpPr>
-          <p:cNvPr id="30" name="직선 연결선 29">
-            <a:extLst>
-              <a:ext uri="{FF2B5EF4-FFF2-40B4-BE49-F238E27FC236}">
-                <a16:creationId xmlns:a16="http://schemas.microsoft.com/office/drawing/2014/main" id="{23C1E1B3-288C-3BA1-8BB3-C4E65476E301}"/>
-              </a:ext>
-            </a:extLst>
-          </p:cNvPr>
-          <p:cNvCxnSpPr>
-            <a:cxnSpLocks/>
-          </p:cNvCxnSpPr>
-          <p:nvPr/>
-        </p:nvCxnSpPr>
-        <p:spPr>
-          <a:xfrm rot="5400000">
-            <a:off x="5590663" y="2039819"/>
-            <a:ext cx="108000" cy="0"/>
-          </a:xfrm>
-          <a:prstGeom prst="line">
-            <a:avLst/>
-          </a:prstGeom>
-        </p:spPr>
-        <p:style>
-          <a:lnRef idx="1">
-            <a:schemeClr val="accent1"/>
-          </a:lnRef>
-          <a:fillRef idx="0">
-            <a:schemeClr val="accent1"/>
-          </a:fillRef>
-          <a:effectRef idx="0">
-            <a:schemeClr val="accent1"/>
-          </a:effectRef>
-          <a:fontRef idx="minor">
-            <a:schemeClr val="tx1"/>
-          </a:fontRef>
-        </p:style>
-      </p:cxnSp>
-      <p:cxnSp>
-        <p:nvCxnSpPr>
-          <p:cNvPr id="31" name="직선 연결선 30">
-            <a:extLst>
-              <a:ext uri="{FF2B5EF4-FFF2-40B4-BE49-F238E27FC236}">
-                <a16:creationId xmlns:a16="http://schemas.microsoft.com/office/drawing/2014/main" id="{22A82328-0F2F-30D6-8C21-6937E49DADA3}"/>
-              </a:ext>
-            </a:extLst>
-          </p:cNvPr>
-          <p:cNvCxnSpPr>
-            <a:cxnSpLocks/>
-          </p:cNvCxnSpPr>
-          <p:nvPr/>
-        </p:nvCxnSpPr>
-        <p:spPr>
-          <a:xfrm rot="5400000">
-            <a:off x="9186230" y="2039819"/>
-            <a:ext cx="108000" cy="0"/>
-          </a:xfrm>
-          <a:prstGeom prst="line">
-            <a:avLst/>
-          </a:prstGeom>
-        </p:spPr>
-        <p:style>
-          <a:lnRef idx="1">
-            <a:schemeClr val="accent1"/>
-          </a:lnRef>
-          <a:fillRef idx="0">
-            <a:schemeClr val="accent1"/>
-          </a:fillRef>
-          <a:effectRef idx="0">
-            <a:schemeClr val="accent1"/>
-          </a:effectRef>
-          <a:fontRef idx="minor">
-            <a:schemeClr val="tx1"/>
-          </a:fontRef>
-        </p:style>
-      </p:cxnSp>
-      <p:cxnSp>
-        <p:nvCxnSpPr>
-          <p:cNvPr id="32" name="직선 연결선 31">
-            <a:extLst>
-              <a:ext uri="{FF2B5EF4-FFF2-40B4-BE49-F238E27FC236}">
-                <a16:creationId xmlns:a16="http://schemas.microsoft.com/office/drawing/2014/main" id="{1E6FD95E-3919-77F5-9F53-926C02881494}"/>
-              </a:ext>
-            </a:extLst>
-          </p:cNvPr>
-          <p:cNvCxnSpPr>
-            <a:cxnSpLocks/>
-          </p:cNvCxnSpPr>
-          <p:nvPr/>
-        </p:nvCxnSpPr>
-        <p:spPr>
-          <a:xfrm rot="5400000">
-            <a:off x="7388448" y="2039819"/>
-            <a:ext cx="108000" cy="0"/>
-          </a:xfrm>
-          <a:prstGeom prst="line">
-            <a:avLst/>
-          </a:prstGeom>
-        </p:spPr>
-        <p:style>
-          <a:lnRef idx="1">
-            <a:schemeClr val="accent1"/>
-          </a:lnRef>
-          <a:fillRef idx="0">
-            <a:schemeClr val="accent1"/>
-          </a:fillRef>
-          <a:effectRef idx="0">
-            <a:schemeClr val="accent1"/>
-          </a:effectRef>
-          <a:fontRef idx="minor">
-            <a:schemeClr val="tx1"/>
-          </a:fontRef>
-        </p:style>
-      </p:cxnSp>
-      <p:cxnSp>
-        <p:nvCxnSpPr>
-          <p:cNvPr id="33" name="직선 연결선 32">
-            <a:extLst>
-              <a:ext uri="{FF2B5EF4-FFF2-40B4-BE49-F238E27FC236}">
-                <a16:creationId xmlns:a16="http://schemas.microsoft.com/office/drawing/2014/main" id="{04F79F78-DAA6-4AF5-7AB1-50C6B4A1980A}"/>
-              </a:ext>
-            </a:extLst>
-          </p:cNvPr>
-          <p:cNvCxnSpPr>
-            <a:cxnSpLocks/>
-          </p:cNvCxnSpPr>
-          <p:nvPr/>
-        </p:nvCxnSpPr>
-        <p:spPr>
-          <a:xfrm rot="5400000">
-            <a:off x="7028891" y="2039819"/>
-            <a:ext cx="108000" cy="0"/>
-          </a:xfrm>
-          <a:prstGeom prst="line">
-            <a:avLst/>
-          </a:prstGeom>
-        </p:spPr>
-        <p:style>
-          <a:lnRef idx="1">
-            <a:schemeClr val="accent1"/>
-          </a:lnRef>
-          <a:fillRef idx="0">
-            <a:schemeClr val="accent1"/>
-          </a:fillRef>
-          <a:effectRef idx="0">
-            <a:schemeClr val="accent1"/>
-          </a:effectRef>
-          <a:fontRef idx="minor">
-            <a:schemeClr val="tx1"/>
-          </a:fontRef>
-        </p:style>
-      </p:cxnSp>
-      <p:cxnSp>
-        <p:nvCxnSpPr>
-          <p:cNvPr id="34" name="직선 연결선 33">
-            <a:extLst>
-              <a:ext uri="{FF2B5EF4-FFF2-40B4-BE49-F238E27FC236}">
-                <a16:creationId xmlns:a16="http://schemas.microsoft.com/office/drawing/2014/main" id="{17C52D8D-8700-20D1-1A83-EE6EA6EB8375}"/>
-              </a:ext>
-            </a:extLst>
-          </p:cNvPr>
-          <p:cNvCxnSpPr>
-            <a:cxnSpLocks/>
-          </p:cNvCxnSpPr>
-          <p:nvPr/>
-        </p:nvCxnSpPr>
-        <p:spPr>
-          <a:xfrm rot="5400000">
-            <a:off x="6309777" y="2039819"/>
-            <a:ext cx="108000" cy="0"/>
-          </a:xfrm>
-          <a:prstGeom prst="line">
-            <a:avLst/>
-          </a:prstGeom>
-        </p:spPr>
-        <p:style>
-          <a:lnRef idx="1">
-            <a:schemeClr val="accent1"/>
-          </a:lnRef>
-          <a:fillRef idx="0">
-            <a:schemeClr val="accent1"/>
-          </a:fillRef>
-          <a:effectRef idx="0">
-            <a:schemeClr val="accent1"/>
-          </a:effectRef>
-          <a:fontRef idx="minor">
-            <a:schemeClr val="tx1"/>
-          </a:fontRef>
-        </p:style>
-      </p:cxnSp>
-      <p:cxnSp>
-        <p:nvCxnSpPr>
-          <p:cNvPr id="35" name="직선 연결선 34">
-            <a:extLst>
-              <a:ext uri="{FF2B5EF4-FFF2-40B4-BE49-F238E27FC236}">
-                <a16:creationId xmlns:a16="http://schemas.microsoft.com/office/drawing/2014/main" id="{C7542D2E-6FFB-E0DD-775F-8E6F547A10C4}"/>
-              </a:ext>
-            </a:extLst>
-          </p:cNvPr>
-          <p:cNvCxnSpPr>
-            <a:cxnSpLocks/>
-          </p:cNvCxnSpPr>
-          <p:nvPr/>
-        </p:nvCxnSpPr>
-        <p:spPr>
-          <a:xfrm rot="5400000">
-            <a:off x="5950220" y="2039819"/>
-            <a:ext cx="108000" cy="0"/>
-          </a:xfrm>
-          <a:prstGeom prst="line">
-            <a:avLst/>
-          </a:prstGeom>
-        </p:spPr>
-        <p:style>
-          <a:lnRef idx="1">
-            <a:schemeClr val="accent1"/>
-          </a:lnRef>
-          <a:fillRef idx="0">
-            <a:schemeClr val="accent1"/>
-          </a:fillRef>
-          <a:effectRef idx="0">
-            <a:schemeClr val="accent1"/>
-          </a:effectRef>
-          <a:fontRef idx="minor">
-            <a:schemeClr val="tx1"/>
-          </a:fontRef>
-        </p:style>
-      </p:cxnSp>
-      <p:cxnSp>
-        <p:nvCxnSpPr>
-          <p:cNvPr id="36" name="직선 연결선 35">
-            <a:extLst>
-              <a:ext uri="{FF2B5EF4-FFF2-40B4-BE49-F238E27FC236}">
-                <a16:creationId xmlns:a16="http://schemas.microsoft.com/office/drawing/2014/main" id="{E7BAE631-3FEC-5D42-E540-FA951BA0ABA4}"/>
-              </a:ext>
-            </a:extLst>
-          </p:cNvPr>
-          <p:cNvCxnSpPr>
-            <a:cxnSpLocks/>
-          </p:cNvCxnSpPr>
-          <p:nvPr/>
-        </p:nvCxnSpPr>
-        <p:spPr>
-          <a:xfrm rot="5400000">
-            <a:off x="6669334" y="2039819"/>
-            <a:ext cx="108000" cy="0"/>
-          </a:xfrm>
-          <a:prstGeom prst="line">
-            <a:avLst/>
-          </a:prstGeom>
-        </p:spPr>
-        <p:style>
-          <a:lnRef idx="1">
-            <a:schemeClr val="accent1"/>
-          </a:lnRef>
-          <a:fillRef idx="0">
-            <a:schemeClr val="accent1"/>
-          </a:fillRef>
-          <a:effectRef idx="0">
-            <a:schemeClr val="accent1"/>
-          </a:effectRef>
-          <a:fontRef idx="minor">
-            <a:schemeClr val="tx1"/>
-          </a:fontRef>
-        </p:style>
-      </p:cxnSp>
-      <p:cxnSp>
-        <p:nvCxnSpPr>
-          <p:cNvPr id="37" name="직선 연결선 36">
-            <a:extLst>
-              <a:ext uri="{FF2B5EF4-FFF2-40B4-BE49-F238E27FC236}">
-                <a16:creationId xmlns:a16="http://schemas.microsoft.com/office/drawing/2014/main" id="{1770C4DA-B7EB-35C9-4A95-2FE594002136}"/>
-              </a:ext>
-            </a:extLst>
-          </p:cNvPr>
-          <p:cNvCxnSpPr>
-            <a:cxnSpLocks/>
-          </p:cNvCxnSpPr>
-          <p:nvPr/>
-        </p:nvCxnSpPr>
-        <p:spPr>
-          <a:xfrm rot="5400000">
-            <a:off x="8826676" y="2039819"/>
-            <a:ext cx="108000" cy="0"/>
-          </a:xfrm>
-          <a:prstGeom prst="line">
-            <a:avLst/>
-          </a:prstGeom>
-        </p:spPr>
-        <p:style>
-          <a:lnRef idx="1">
-            <a:schemeClr val="accent1"/>
-          </a:lnRef>
-          <a:fillRef idx="0">
-            <a:schemeClr val="accent1"/>
-          </a:fillRef>
-          <a:effectRef idx="0">
-            <a:schemeClr val="accent1"/>
-          </a:effectRef>
-          <a:fontRef idx="minor">
-            <a:schemeClr val="tx1"/>
-          </a:fontRef>
-        </p:style>
-      </p:cxnSp>
-      <p:cxnSp>
-        <p:nvCxnSpPr>
-          <p:cNvPr id="38" name="직선 연결선 37">
-            <a:extLst>
-              <a:ext uri="{FF2B5EF4-FFF2-40B4-BE49-F238E27FC236}">
-                <a16:creationId xmlns:a16="http://schemas.microsoft.com/office/drawing/2014/main" id="{53D9E153-0B16-0440-CCED-63B940F0FE4C}"/>
-              </a:ext>
-            </a:extLst>
-          </p:cNvPr>
-          <p:cNvCxnSpPr>
-            <a:cxnSpLocks/>
-          </p:cNvCxnSpPr>
-          <p:nvPr/>
-        </p:nvCxnSpPr>
-        <p:spPr>
-          <a:xfrm rot="5400000">
-            <a:off x="8107562" y="2039819"/>
-            <a:ext cx="108000" cy="0"/>
-          </a:xfrm>
-          <a:prstGeom prst="line">
-            <a:avLst/>
-          </a:prstGeom>
-        </p:spPr>
-        <p:style>
-          <a:lnRef idx="1">
-            <a:schemeClr val="accent1"/>
-          </a:lnRef>
-          <a:fillRef idx="0">
-            <a:schemeClr val="accent1"/>
-          </a:fillRef>
-          <a:effectRef idx="0">
-            <a:schemeClr val="accent1"/>
-          </a:effectRef>
-          <a:fontRef idx="minor">
-            <a:schemeClr val="tx1"/>
-          </a:fontRef>
-        </p:style>
-      </p:cxnSp>
-      <p:cxnSp>
-        <p:nvCxnSpPr>
-          <p:cNvPr id="39" name="직선 연결선 38">
-            <a:extLst>
-              <a:ext uri="{FF2B5EF4-FFF2-40B4-BE49-F238E27FC236}">
-                <a16:creationId xmlns:a16="http://schemas.microsoft.com/office/drawing/2014/main" id="{9DE0FADC-DDA5-B789-C25C-C2FCC65EF6B2}"/>
-              </a:ext>
-            </a:extLst>
-          </p:cNvPr>
-          <p:cNvCxnSpPr>
-            <a:cxnSpLocks/>
-          </p:cNvCxnSpPr>
-          <p:nvPr/>
-        </p:nvCxnSpPr>
-        <p:spPr>
-          <a:xfrm rot="5400000">
-            <a:off x="7748005" y="2039819"/>
-            <a:ext cx="108000" cy="0"/>
-          </a:xfrm>
-          <a:prstGeom prst="line">
-            <a:avLst/>
-          </a:prstGeom>
-        </p:spPr>
-        <p:style>
-          <a:lnRef idx="1">
-            <a:schemeClr val="accent1"/>
-          </a:lnRef>
-          <a:fillRef idx="0">
-            <a:schemeClr val="accent1"/>
-          </a:fillRef>
-          <a:effectRef idx="0">
-            <a:schemeClr val="accent1"/>
-          </a:effectRef>
-          <a:fontRef idx="minor">
-            <a:schemeClr val="tx1"/>
-          </a:fontRef>
-        </p:style>
-      </p:cxnSp>
-      <p:cxnSp>
-        <p:nvCxnSpPr>
-          <p:cNvPr id="40" name="직선 연결선 39">
-            <a:extLst>
-              <a:ext uri="{FF2B5EF4-FFF2-40B4-BE49-F238E27FC236}">
-                <a16:creationId xmlns:a16="http://schemas.microsoft.com/office/drawing/2014/main" id="{61CDB306-9177-DA5A-718B-761F0813BBFA}"/>
-              </a:ext>
-            </a:extLst>
-          </p:cNvPr>
-          <p:cNvCxnSpPr>
-            <a:cxnSpLocks/>
-          </p:cNvCxnSpPr>
-          <p:nvPr/>
-        </p:nvCxnSpPr>
-        <p:spPr>
-          <a:xfrm rot="5400000">
-            <a:off x="8467119" y="2039819"/>
-            <a:ext cx="108000" cy="0"/>
-          </a:xfrm>
-          <a:prstGeom prst="line">
-            <a:avLst/>
-          </a:prstGeom>
-        </p:spPr>
-        <p:style>
-          <a:lnRef idx="1">
-            <a:schemeClr val="accent1"/>
-          </a:lnRef>
-          <a:fillRef idx="0">
-            <a:schemeClr val="accent1"/>
-          </a:fillRef>
-          <a:effectRef idx="0">
-            <a:schemeClr val="accent1"/>
-          </a:effectRef>
-          <a:fontRef idx="minor">
-            <a:schemeClr val="tx1"/>
-          </a:fontRef>
-        </p:style>
-      </p:cxnSp>
-      <mc:AlternateContent xmlns:mc="http://schemas.openxmlformats.org/markup-compatibility/2006">
-        <mc:Choice xmlns:a14="http://schemas.microsoft.com/office/drawing/2010/main" Requires="a14">
-          <p:sp>
-            <p:nvSpPr>
-              <p:cNvPr id="51" name="TextBox 50">
-                <a:extLst>
-                  <a:ext uri="{FF2B5EF4-FFF2-40B4-BE49-F238E27FC236}">
-                    <a16:creationId xmlns:a16="http://schemas.microsoft.com/office/drawing/2014/main" id="{0BA56343-E13A-E68D-BDBD-57A47D80D45E}"/>
-                  </a:ext>
-                </a:extLst>
-              </p:cNvPr>
-              <p:cNvSpPr txBox="1"/>
-              <p:nvPr/>
-            </p:nvSpPr>
-            <p:spPr>
-              <a:xfrm>
-                <a:off x="9248651" y="1831930"/>
-                <a:ext cx="343171" cy="307777"/>
-              </a:xfrm>
-              <a:prstGeom prst="rect">
-                <a:avLst/>
-              </a:prstGeom>
-              <a:noFill/>
-            </p:spPr>
-            <p:txBody>
-              <a:bodyPr wrap="none" lIns="0" tIns="0" rIns="0" bIns="0" rtlCol="0" anchor="ctr">
-                <a:spAutoFit/>
-              </a:bodyPr>
-              <a:lstStyle/>
-              <a:p>
-                <a14:m>
-                  <m:oMathPara xmlns:m="http://schemas.openxmlformats.org/officeDocument/2006/math">
-                    <m:oMathParaPr>
-                      <m:jc m:val="centerGroup"/>
-                    </m:oMathParaPr>
-                    <m:oMath xmlns:m="http://schemas.openxmlformats.org/officeDocument/2006/math">
-                      <m:sSub>
-                        <m:sSubPr>
-                          <m:ctrlPr>
-                            <a:rPr lang="en-US" altLang="ko-KR" sz="2000" b="0" i="1" smtClean="0">
-                              <a:latin typeface="Cambria Math" panose="02040503050406030204" pitchFamily="18" charset="0"/>
-                            </a:rPr>
-                          </m:ctrlPr>
-                        </m:sSubPr>
-                        <m:e>
-                          <m:r>
-                            <a:rPr lang="en-US" altLang="ko-KR" sz="2000" b="0" i="1" smtClean="0">
-                              <a:latin typeface="Cambria Math" panose="02040503050406030204" pitchFamily="18" charset="0"/>
-                            </a:rPr>
-                            <m:t>𝑥</m:t>
-                          </m:r>
-                        </m:e>
-                        <m:sub>
-                          <m:r>
-                            <a:rPr lang="en-US" altLang="ko-KR" sz="2000" b="0" i="1" smtClean="0">
-                              <a:latin typeface="Cambria Math" panose="02040503050406030204" pitchFamily="18" charset="0"/>
-                            </a:rPr>
-                            <m:t>2</m:t>
-                          </m:r>
-                        </m:sub>
-                      </m:sSub>
-                    </m:oMath>
-                  </m:oMathPara>
-                </a14:m>
-                <a:endParaRPr lang="en-US" altLang="ko-KR" sz="2000" b="0" dirty="0"/>
-              </a:p>
-            </p:txBody>
-          </p:sp>
-        </mc:Choice>
-        <mc:Fallback>
-          <p:sp>
-            <p:nvSpPr>
-              <p:cNvPr id="51" name="TextBox 50">
-                <a:extLst>
-                  <a:ext uri="{FF2B5EF4-FFF2-40B4-BE49-F238E27FC236}">
-                    <a16:creationId xmlns:a16="http://schemas.microsoft.com/office/drawing/2014/main" id="{0BA56343-E13A-E68D-BDBD-57A47D80D45E}"/>
-                  </a:ext>
-                </a:extLst>
-              </p:cNvPr>
-              <p:cNvSpPr txBox="1">
-                <a:spLocks noRot="1" noChangeAspect="1" noMove="1" noResize="1" noEditPoints="1" noAdjustHandles="1" noChangeArrowheads="1" noChangeShapeType="1" noTextEdit="1"/>
-              </p:cNvSpPr>
-              <p:nvPr/>
-            </p:nvSpPr>
-            <p:spPr>
-              <a:xfrm>
-                <a:off x="9248651" y="1831930"/>
-                <a:ext cx="343171" cy="307777"/>
-              </a:xfrm>
-              <a:prstGeom prst="rect">
-                <a:avLst/>
-              </a:prstGeom>
-              <a:blipFill>
-                <a:blip r:embed="rId3"/>
-                <a:stretch>
-                  <a:fillRect l="-3571" r="-5357" b="-20000"/>
-                </a:stretch>
-              </a:blipFill>
-            </p:spPr>
-            <p:txBody>
-              <a:bodyPr/>
-              <a:lstStyle/>
-              <a:p>
-                <a:r>
-                  <a:rPr lang="ko-KR" altLang="en-US">
-                    <a:noFill/>
-                  </a:rPr>
-                  <a:t> </a:t>
-                </a:r>
-              </a:p>
-            </p:txBody>
-          </p:sp>
-        </mc:Fallback>
-      </mc:AlternateContent>
-      <p:sp>
-        <p:nvSpPr>
-          <p:cNvPr id="52" name="타원 51">
-            <a:extLst>
-              <a:ext uri="{FF2B5EF4-FFF2-40B4-BE49-F238E27FC236}">
-                <a16:creationId xmlns:a16="http://schemas.microsoft.com/office/drawing/2014/main" id="{50160125-F85B-3763-173A-CE33C9F66C2D}"/>
-              </a:ext>
-            </a:extLst>
-          </p:cNvPr>
-          <p:cNvSpPr/>
-          <p:nvPr/>
-        </p:nvSpPr>
-        <p:spPr>
-          <a:xfrm>
-            <a:off x="5950220" y="1877821"/>
-            <a:ext cx="108000" cy="108000"/>
-          </a:xfrm>
-          <a:prstGeom prst="ellipse">
-            <a:avLst/>
-          </a:prstGeom>
-          <a:solidFill>
-            <a:srgbClr val="0070C0"/>
-          </a:solidFill>
-          <a:ln w="6350">
-            <a:solidFill>
-              <a:schemeClr val="bg1"/>
-            </a:solidFill>
-          </a:ln>
-        </p:spPr>
-        <p:style>
-          <a:lnRef idx="2">
-            <a:schemeClr val="accent1">
-              <a:shade val="15000"/>
-            </a:schemeClr>
-          </a:lnRef>
-          <a:fillRef idx="1">
-            <a:schemeClr val="accent1"/>
-          </a:fillRef>
-          <a:effectRef idx="0">
-            <a:schemeClr val="accent1"/>
-          </a:effectRef>
-          <a:fontRef idx="minor">
-            <a:schemeClr val="lt1"/>
-          </a:fontRef>
-        </p:style>
-        <p:txBody>
-          <a:bodyPr rtlCol="0" anchor="ctr"/>
-          <a:lstStyle/>
-          <a:p>
-            <a:pPr algn="ctr"/>
-            <a:endParaRPr lang="ko-KR" altLang="en-US"/>
-          </a:p>
-        </p:txBody>
-      </p:sp>
-      <p:sp>
-        <p:nvSpPr>
-          <p:cNvPr id="53" name="타원 52">
-            <a:extLst>
-              <a:ext uri="{FF2B5EF4-FFF2-40B4-BE49-F238E27FC236}">
-                <a16:creationId xmlns:a16="http://schemas.microsoft.com/office/drawing/2014/main" id="{DDF788E1-8F86-EB21-E508-97B077C077BF}"/>
-              </a:ext>
-            </a:extLst>
-          </p:cNvPr>
-          <p:cNvSpPr/>
-          <p:nvPr/>
-        </p:nvSpPr>
-        <p:spPr>
-          <a:xfrm>
-            <a:off x="5950220" y="1769820"/>
-            <a:ext cx="108000" cy="108000"/>
-          </a:xfrm>
-          <a:prstGeom prst="ellipse">
-            <a:avLst/>
-          </a:prstGeom>
-          <a:solidFill>
-            <a:srgbClr val="0070C0"/>
-          </a:solidFill>
-          <a:ln w="6350">
-            <a:solidFill>
-              <a:schemeClr val="bg1"/>
-            </a:solidFill>
-          </a:ln>
-        </p:spPr>
-        <p:style>
-          <a:lnRef idx="2">
-            <a:schemeClr val="accent1">
-              <a:shade val="15000"/>
-            </a:schemeClr>
-          </a:lnRef>
-          <a:fillRef idx="1">
-            <a:schemeClr val="accent1"/>
-          </a:fillRef>
-          <a:effectRef idx="0">
-            <a:schemeClr val="accent1"/>
-          </a:effectRef>
-          <a:fontRef idx="minor">
-            <a:schemeClr val="lt1"/>
-          </a:fontRef>
-        </p:style>
-        <p:txBody>
-          <a:bodyPr rtlCol="0" anchor="ctr"/>
-          <a:lstStyle/>
-          <a:p>
-            <a:pPr algn="ctr"/>
-            <a:endParaRPr lang="ko-KR" altLang="en-US"/>
-          </a:p>
-        </p:txBody>
-      </p:sp>
-      <p:sp>
-        <p:nvSpPr>
-          <p:cNvPr id="54" name="타원 53">
-            <a:extLst>
-              <a:ext uri="{FF2B5EF4-FFF2-40B4-BE49-F238E27FC236}">
-                <a16:creationId xmlns:a16="http://schemas.microsoft.com/office/drawing/2014/main" id="{72AA058A-8C76-F83C-6DD2-A53DFA6F6045}"/>
-              </a:ext>
-            </a:extLst>
-          </p:cNvPr>
-          <p:cNvSpPr/>
-          <p:nvPr/>
-        </p:nvSpPr>
-        <p:spPr>
-          <a:xfrm>
-            <a:off x="6316488" y="1877821"/>
-            <a:ext cx="108000" cy="108000"/>
-          </a:xfrm>
-          <a:prstGeom prst="ellipse">
-            <a:avLst/>
-          </a:prstGeom>
-          <a:solidFill>
-            <a:srgbClr val="0070C0"/>
-          </a:solidFill>
-          <a:ln w="6350">
-            <a:solidFill>
-              <a:schemeClr val="bg1"/>
-            </a:solidFill>
-          </a:ln>
-        </p:spPr>
-        <p:style>
-          <a:lnRef idx="2">
-            <a:schemeClr val="accent1">
-              <a:shade val="15000"/>
-            </a:schemeClr>
-          </a:lnRef>
-          <a:fillRef idx="1">
-            <a:schemeClr val="accent1"/>
-          </a:fillRef>
-          <a:effectRef idx="0">
-            <a:schemeClr val="accent1"/>
-          </a:effectRef>
-          <a:fontRef idx="minor">
-            <a:schemeClr val="lt1"/>
-          </a:fontRef>
-        </p:style>
-        <p:txBody>
-          <a:bodyPr rtlCol="0" anchor="ctr"/>
-          <a:lstStyle/>
-          <a:p>
-            <a:pPr algn="ctr"/>
-            <a:endParaRPr lang="ko-KR" altLang="en-US"/>
-          </a:p>
-        </p:txBody>
-      </p:sp>
-      <p:sp>
-        <p:nvSpPr>
-          <p:cNvPr id="55" name="타원 54">
-            <a:extLst>
-              <a:ext uri="{FF2B5EF4-FFF2-40B4-BE49-F238E27FC236}">
-                <a16:creationId xmlns:a16="http://schemas.microsoft.com/office/drawing/2014/main" id="{852B7D52-B33E-DDB2-A371-F55336FF6A1E}"/>
-              </a:ext>
-            </a:extLst>
-          </p:cNvPr>
-          <p:cNvSpPr/>
-          <p:nvPr/>
-        </p:nvSpPr>
-        <p:spPr>
-          <a:xfrm>
-            <a:off x="6316488" y="1769820"/>
-            <a:ext cx="108000" cy="108000"/>
-          </a:xfrm>
-          <a:prstGeom prst="ellipse">
-            <a:avLst/>
-          </a:prstGeom>
-          <a:solidFill>
-            <a:srgbClr val="0070C0"/>
-          </a:solidFill>
-          <a:ln w="6350">
-            <a:solidFill>
-              <a:schemeClr val="bg1"/>
-            </a:solidFill>
-          </a:ln>
-        </p:spPr>
-        <p:style>
-          <a:lnRef idx="2">
-            <a:schemeClr val="accent1">
-              <a:shade val="15000"/>
-            </a:schemeClr>
-          </a:lnRef>
-          <a:fillRef idx="1">
-            <a:schemeClr val="accent1"/>
-          </a:fillRef>
-          <a:effectRef idx="0">
-            <a:schemeClr val="accent1"/>
-          </a:effectRef>
-          <a:fontRef idx="minor">
-            <a:schemeClr val="lt1"/>
-          </a:fontRef>
-        </p:style>
-        <p:txBody>
-          <a:bodyPr rtlCol="0" anchor="ctr"/>
-          <a:lstStyle/>
-          <a:p>
-            <a:pPr algn="ctr"/>
-            <a:endParaRPr lang="ko-KR" altLang="en-US"/>
-          </a:p>
-        </p:txBody>
-      </p:sp>
-      <p:sp>
-        <p:nvSpPr>
-          <p:cNvPr id="56" name="타원 55">
-            <a:extLst>
-              <a:ext uri="{FF2B5EF4-FFF2-40B4-BE49-F238E27FC236}">
-                <a16:creationId xmlns:a16="http://schemas.microsoft.com/office/drawing/2014/main" id="{45010A02-D4E1-1327-96A8-D7D64AD13102}"/>
-              </a:ext>
-            </a:extLst>
-          </p:cNvPr>
-          <p:cNvSpPr/>
-          <p:nvPr/>
-        </p:nvSpPr>
-        <p:spPr>
-          <a:xfrm>
-            <a:off x="6671339" y="1877821"/>
-            <a:ext cx="108000" cy="108000"/>
-          </a:xfrm>
-          <a:prstGeom prst="ellipse">
-            <a:avLst/>
-          </a:prstGeom>
-          <a:solidFill>
-            <a:srgbClr val="0070C0"/>
-          </a:solidFill>
-          <a:ln w="6350">
-            <a:solidFill>
-              <a:schemeClr val="bg1"/>
-            </a:solidFill>
-          </a:ln>
-        </p:spPr>
-        <p:style>
-          <a:lnRef idx="2">
-            <a:schemeClr val="accent1">
-              <a:shade val="15000"/>
-            </a:schemeClr>
-          </a:lnRef>
-          <a:fillRef idx="1">
-            <a:schemeClr val="accent1"/>
-          </a:fillRef>
-          <a:effectRef idx="0">
-            <a:schemeClr val="accent1"/>
-          </a:effectRef>
-          <a:fontRef idx="minor">
-            <a:schemeClr val="lt1"/>
-          </a:fontRef>
-        </p:style>
-        <p:txBody>
-          <a:bodyPr rtlCol="0" anchor="ctr"/>
-          <a:lstStyle/>
-          <a:p>
-            <a:pPr algn="ctr"/>
-            <a:endParaRPr lang="ko-KR" altLang="en-US"/>
-          </a:p>
-        </p:txBody>
-      </p:sp>
-      <p:sp>
-        <p:nvSpPr>
-          <p:cNvPr id="57" name="타원 56">
-            <a:extLst>
-              <a:ext uri="{FF2B5EF4-FFF2-40B4-BE49-F238E27FC236}">
-                <a16:creationId xmlns:a16="http://schemas.microsoft.com/office/drawing/2014/main" id="{0F7703A5-3529-1559-D554-894D19EA2EB3}"/>
-              </a:ext>
-            </a:extLst>
-          </p:cNvPr>
-          <p:cNvSpPr/>
-          <p:nvPr/>
-        </p:nvSpPr>
-        <p:spPr>
-          <a:xfrm>
-            <a:off x="8109567" y="1877821"/>
-            <a:ext cx="108000" cy="108000"/>
-          </a:xfrm>
-          <a:prstGeom prst="ellipse">
-            <a:avLst/>
-          </a:prstGeom>
-          <a:solidFill>
-            <a:srgbClr val="FF0000"/>
-          </a:solidFill>
-          <a:ln w="6350">
-            <a:solidFill>
-              <a:schemeClr val="bg1"/>
-            </a:solidFill>
-          </a:ln>
-        </p:spPr>
-        <p:style>
-          <a:lnRef idx="2">
-            <a:schemeClr val="accent1">
-              <a:shade val="15000"/>
-            </a:schemeClr>
-          </a:lnRef>
-          <a:fillRef idx="1">
-            <a:schemeClr val="accent1"/>
-          </a:fillRef>
-          <a:effectRef idx="0">
-            <a:schemeClr val="accent1"/>
-          </a:effectRef>
-          <a:fontRef idx="minor">
-            <a:schemeClr val="lt1"/>
-          </a:fontRef>
-        </p:style>
-        <p:txBody>
-          <a:bodyPr rtlCol="0" anchor="ctr"/>
-          <a:lstStyle/>
-          <a:p>
-            <a:pPr algn="ctr"/>
-            <a:endParaRPr lang="ko-KR" altLang="en-US"/>
-          </a:p>
-        </p:txBody>
-      </p:sp>
-      <p:sp>
-        <p:nvSpPr>
-          <p:cNvPr id="58" name="타원 57">
-            <a:extLst>
-              <a:ext uri="{FF2B5EF4-FFF2-40B4-BE49-F238E27FC236}">
-                <a16:creationId xmlns:a16="http://schemas.microsoft.com/office/drawing/2014/main" id="{84C8BE22-4A9F-B06D-A3B1-D8A7D9607FE8}"/>
-              </a:ext>
-            </a:extLst>
-          </p:cNvPr>
-          <p:cNvSpPr/>
-          <p:nvPr/>
-        </p:nvSpPr>
-        <p:spPr>
-          <a:xfrm>
-            <a:off x="8460408" y="1877821"/>
-            <a:ext cx="108000" cy="108000"/>
-          </a:xfrm>
-          <a:prstGeom prst="ellipse">
-            <a:avLst/>
-          </a:prstGeom>
-          <a:solidFill>
-            <a:srgbClr val="FF0000"/>
-          </a:solidFill>
-          <a:ln w="6350">
-            <a:solidFill>
-              <a:schemeClr val="bg1"/>
-            </a:solidFill>
-          </a:ln>
-        </p:spPr>
-        <p:style>
-          <a:lnRef idx="2">
-            <a:schemeClr val="accent1">
-              <a:shade val="15000"/>
-            </a:schemeClr>
-          </a:lnRef>
-          <a:fillRef idx="1">
-            <a:schemeClr val="accent1"/>
-          </a:fillRef>
-          <a:effectRef idx="0">
-            <a:schemeClr val="accent1"/>
-          </a:effectRef>
-          <a:fontRef idx="minor">
-            <a:schemeClr val="lt1"/>
-          </a:fontRef>
-        </p:style>
-        <p:txBody>
-          <a:bodyPr rtlCol="0" anchor="ctr"/>
-          <a:lstStyle/>
-          <a:p>
-            <a:pPr algn="ctr"/>
-            <a:endParaRPr lang="ko-KR" altLang="en-US"/>
-          </a:p>
-        </p:txBody>
-      </p:sp>
-      <p:sp>
-        <p:nvSpPr>
-          <p:cNvPr id="59" name="타원 58">
-            <a:extLst>
-              <a:ext uri="{FF2B5EF4-FFF2-40B4-BE49-F238E27FC236}">
-                <a16:creationId xmlns:a16="http://schemas.microsoft.com/office/drawing/2014/main" id="{9E35D0C0-0B5B-55B6-C05A-D406EF64C47C}"/>
-              </a:ext>
-            </a:extLst>
-          </p:cNvPr>
-          <p:cNvSpPr/>
-          <p:nvPr/>
-        </p:nvSpPr>
-        <p:spPr>
-          <a:xfrm>
-            <a:off x="8460408" y="1769820"/>
-            <a:ext cx="108000" cy="108000"/>
-          </a:xfrm>
-          <a:prstGeom prst="ellipse">
-            <a:avLst/>
-          </a:prstGeom>
-          <a:solidFill>
-            <a:srgbClr val="FF0000"/>
-          </a:solidFill>
-          <a:ln w="6350">
-            <a:solidFill>
-              <a:schemeClr val="bg1"/>
-            </a:solidFill>
-          </a:ln>
-        </p:spPr>
-        <p:style>
-          <a:lnRef idx="2">
-            <a:schemeClr val="accent1">
-              <a:shade val="15000"/>
-            </a:schemeClr>
-          </a:lnRef>
-          <a:fillRef idx="1">
-            <a:schemeClr val="accent1"/>
-          </a:fillRef>
-          <a:effectRef idx="0">
-            <a:schemeClr val="accent1"/>
-          </a:effectRef>
-          <a:fontRef idx="minor">
-            <a:schemeClr val="lt1"/>
-          </a:fontRef>
-        </p:style>
-        <p:txBody>
-          <a:bodyPr rtlCol="0" anchor="ctr"/>
-          <a:lstStyle/>
-          <a:p>
-            <a:pPr algn="ctr"/>
-            <a:endParaRPr lang="ko-KR" altLang="en-US"/>
-          </a:p>
-        </p:txBody>
-      </p:sp>
-      <p:sp>
-        <p:nvSpPr>
-          <p:cNvPr id="60" name="타원 59">
-            <a:extLst>
-              <a:ext uri="{FF2B5EF4-FFF2-40B4-BE49-F238E27FC236}">
-                <a16:creationId xmlns:a16="http://schemas.microsoft.com/office/drawing/2014/main" id="{BE2CB5FB-3FD9-DEAC-19D2-65DF3CAC9284}"/>
-              </a:ext>
-            </a:extLst>
-          </p:cNvPr>
-          <p:cNvSpPr/>
-          <p:nvPr/>
-        </p:nvSpPr>
-        <p:spPr>
-          <a:xfrm>
-            <a:off x="8819965" y="1877821"/>
-            <a:ext cx="108000" cy="108000"/>
-          </a:xfrm>
-          <a:prstGeom prst="ellipse">
-            <a:avLst/>
-          </a:prstGeom>
-          <a:solidFill>
-            <a:srgbClr val="FF0000"/>
-          </a:solidFill>
-          <a:ln w="6350">
-            <a:solidFill>
-              <a:schemeClr val="bg1"/>
-            </a:solidFill>
-          </a:ln>
-        </p:spPr>
-        <p:style>
-          <a:lnRef idx="2">
-            <a:schemeClr val="accent1">
-              <a:shade val="15000"/>
-            </a:schemeClr>
-          </a:lnRef>
-          <a:fillRef idx="1">
-            <a:schemeClr val="accent1"/>
-          </a:fillRef>
-          <a:effectRef idx="0">
-            <a:schemeClr val="accent1"/>
-          </a:effectRef>
-          <a:fontRef idx="minor">
-            <a:schemeClr val="lt1"/>
-          </a:fontRef>
-        </p:style>
-        <p:txBody>
-          <a:bodyPr rtlCol="0" anchor="ctr"/>
-          <a:lstStyle/>
-          <a:p>
-            <a:pPr algn="ctr"/>
-            <a:endParaRPr lang="ko-KR" altLang="en-US"/>
-          </a:p>
-        </p:txBody>
-      </p:sp>
-      <p:sp>
-        <p:nvSpPr>
-          <p:cNvPr id="61" name="타원 60">
-            <a:extLst>
-              <a:ext uri="{FF2B5EF4-FFF2-40B4-BE49-F238E27FC236}">
-                <a16:creationId xmlns:a16="http://schemas.microsoft.com/office/drawing/2014/main" id="{D3936EE2-D625-B649-74F8-3012A87C8635}"/>
-              </a:ext>
-            </a:extLst>
-          </p:cNvPr>
-          <p:cNvSpPr/>
-          <p:nvPr/>
-        </p:nvSpPr>
-        <p:spPr>
-          <a:xfrm>
-            <a:off x="8819965" y="1769820"/>
-            <a:ext cx="108000" cy="108000"/>
-          </a:xfrm>
-          <a:prstGeom prst="ellipse">
-            <a:avLst/>
-          </a:prstGeom>
-          <a:solidFill>
-            <a:srgbClr val="FF0000"/>
-          </a:solidFill>
-          <a:ln w="6350">
-            <a:solidFill>
-              <a:schemeClr val="bg1"/>
-            </a:solidFill>
-          </a:ln>
-        </p:spPr>
-        <p:style>
-          <a:lnRef idx="2">
-            <a:schemeClr val="accent1">
-              <a:shade val="15000"/>
-            </a:schemeClr>
-          </a:lnRef>
-          <a:fillRef idx="1">
-            <a:schemeClr val="accent1"/>
-          </a:fillRef>
-          <a:effectRef idx="0">
-            <a:schemeClr val="accent1"/>
-          </a:effectRef>
-          <a:fontRef idx="minor">
-            <a:schemeClr val="lt1"/>
-          </a:fontRef>
-        </p:style>
-        <p:txBody>
-          <a:bodyPr rtlCol="0" anchor="ctr"/>
-          <a:lstStyle/>
-          <a:p>
-            <a:pPr algn="ctr"/>
-            <a:endParaRPr lang="ko-KR" altLang="en-US"/>
-          </a:p>
-        </p:txBody>
-      </p:sp>
-      <p:cxnSp>
-        <p:nvCxnSpPr>
-          <p:cNvPr id="62" name="직선 연결선 61">
-            <a:extLst>
-              <a:ext uri="{FF2B5EF4-FFF2-40B4-BE49-F238E27FC236}">
-                <a16:creationId xmlns:a16="http://schemas.microsoft.com/office/drawing/2014/main" id="{FB7A9B47-202E-F19B-3847-E6FF3AA92F4A}"/>
-              </a:ext>
-            </a:extLst>
-          </p:cNvPr>
-          <p:cNvCxnSpPr/>
-          <p:nvPr/>
-        </p:nvCxnSpPr>
-        <p:spPr>
-          <a:xfrm>
-            <a:off x="1267564" y="3275112"/>
-            <a:ext cx="3600000" cy="0"/>
-          </a:xfrm>
-          <a:prstGeom prst="line">
-            <a:avLst/>
-          </a:prstGeom>
-        </p:spPr>
-        <p:style>
-          <a:lnRef idx="1">
-            <a:schemeClr val="accent1"/>
-          </a:lnRef>
-          <a:fillRef idx="0">
-            <a:schemeClr val="accent1"/>
-          </a:fillRef>
-          <a:effectRef idx="0">
-            <a:schemeClr val="accent1"/>
-          </a:effectRef>
-          <a:fontRef idx="minor">
-            <a:schemeClr val="tx1"/>
-          </a:fontRef>
-        </p:style>
-      </p:cxnSp>
-      <p:cxnSp>
-        <p:nvCxnSpPr>
-          <p:cNvPr id="63" name="직선 연결선 62">
-            <a:extLst>
-              <a:ext uri="{FF2B5EF4-FFF2-40B4-BE49-F238E27FC236}">
-                <a16:creationId xmlns:a16="http://schemas.microsoft.com/office/drawing/2014/main" id="{AC999447-3FC8-8E47-52E8-52FB78431F1C}"/>
-              </a:ext>
-            </a:extLst>
-          </p:cNvPr>
-          <p:cNvCxnSpPr>
-            <a:cxnSpLocks/>
-          </p:cNvCxnSpPr>
-          <p:nvPr/>
-        </p:nvCxnSpPr>
-        <p:spPr>
-          <a:xfrm rot="5400000">
-            <a:off x="1213564" y="3329112"/>
-            <a:ext cx="108000" cy="0"/>
-          </a:xfrm>
-          <a:prstGeom prst="line">
-            <a:avLst/>
-          </a:prstGeom>
-        </p:spPr>
-        <p:style>
-          <a:lnRef idx="1">
-            <a:schemeClr val="accent1"/>
-          </a:lnRef>
-          <a:fillRef idx="0">
-            <a:schemeClr val="accent1"/>
-          </a:fillRef>
-          <a:effectRef idx="0">
-            <a:schemeClr val="accent1"/>
-          </a:effectRef>
-          <a:fontRef idx="minor">
-            <a:schemeClr val="tx1"/>
-          </a:fontRef>
-        </p:style>
-      </p:cxnSp>
-      <p:cxnSp>
-        <p:nvCxnSpPr>
-          <p:cNvPr id="64" name="직선 연결선 63">
-            <a:extLst>
-              <a:ext uri="{FF2B5EF4-FFF2-40B4-BE49-F238E27FC236}">
-                <a16:creationId xmlns:a16="http://schemas.microsoft.com/office/drawing/2014/main" id="{BD077CFB-1E80-2838-A3AF-8736F524B982}"/>
-              </a:ext>
-            </a:extLst>
-          </p:cNvPr>
-          <p:cNvCxnSpPr>
-            <a:cxnSpLocks/>
-          </p:cNvCxnSpPr>
-          <p:nvPr/>
-        </p:nvCxnSpPr>
-        <p:spPr>
-          <a:xfrm rot="5400000">
-            <a:off x="4809131" y="3329112"/>
-            <a:ext cx="108000" cy="0"/>
-          </a:xfrm>
-          <a:prstGeom prst="line">
-            <a:avLst/>
-          </a:prstGeom>
-        </p:spPr>
-        <p:style>
-          <a:lnRef idx="1">
-            <a:schemeClr val="accent1"/>
-          </a:lnRef>
-          <a:fillRef idx="0">
-            <a:schemeClr val="accent1"/>
-          </a:fillRef>
-          <a:effectRef idx="0">
-            <a:schemeClr val="accent1"/>
-          </a:effectRef>
-          <a:fontRef idx="minor">
-            <a:schemeClr val="tx1"/>
-          </a:fontRef>
-        </p:style>
-      </p:cxnSp>
-      <p:cxnSp>
-        <p:nvCxnSpPr>
-          <p:cNvPr id="65" name="직선 연결선 64">
-            <a:extLst>
-              <a:ext uri="{FF2B5EF4-FFF2-40B4-BE49-F238E27FC236}">
-                <a16:creationId xmlns:a16="http://schemas.microsoft.com/office/drawing/2014/main" id="{B7C60523-4C5D-2FE1-3153-4A6F24CA49B8}"/>
-              </a:ext>
-            </a:extLst>
-          </p:cNvPr>
-          <p:cNvCxnSpPr>
-            <a:cxnSpLocks/>
-          </p:cNvCxnSpPr>
-          <p:nvPr/>
-        </p:nvCxnSpPr>
-        <p:spPr>
-          <a:xfrm rot="5400000">
-            <a:off x="3011349" y="3329112"/>
-            <a:ext cx="108000" cy="0"/>
-          </a:xfrm>
-          <a:prstGeom prst="line">
-            <a:avLst/>
-          </a:prstGeom>
-        </p:spPr>
-        <p:style>
-          <a:lnRef idx="1">
-            <a:schemeClr val="accent1"/>
-          </a:lnRef>
-          <a:fillRef idx="0">
-            <a:schemeClr val="accent1"/>
-          </a:fillRef>
-          <a:effectRef idx="0">
-            <a:schemeClr val="accent1"/>
-          </a:effectRef>
-          <a:fontRef idx="minor">
-            <a:schemeClr val="tx1"/>
-          </a:fontRef>
-        </p:style>
-      </p:cxnSp>
-      <p:cxnSp>
-        <p:nvCxnSpPr>
-          <p:cNvPr id="66" name="직선 연결선 65">
-            <a:extLst>
-              <a:ext uri="{FF2B5EF4-FFF2-40B4-BE49-F238E27FC236}">
-                <a16:creationId xmlns:a16="http://schemas.microsoft.com/office/drawing/2014/main" id="{69A6C0A9-C790-DB33-3433-1792BC46BE20}"/>
-              </a:ext>
-            </a:extLst>
-          </p:cNvPr>
-          <p:cNvCxnSpPr>
-            <a:cxnSpLocks/>
-          </p:cNvCxnSpPr>
-          <p:nvPr/>
-        </p:nvCxnSpPr>
-        <p:spPr>
-          <a:xfrm rot="5400000">
-            <a:off x="2651792" y="3329112"/>
-            <a:ext cx="108000" cy="0"/>
-          </a:xfrm>
-          <a:prstGeom prst="line">
-            <a:avLst/>
-          </a:prstGeom>
-        </p:spPr>
-        <p:style>
-          <a:lnRef idx="1">
-            <a:schemeClr val="accent1"/>
-          </a:lnRef>
-          <a:fillRef idx="0">
-            <a:schemeClr val="accent1"/>
-          </a:fillRef>
-          <a:effectRef idx="0">
-            <a:schemeClr val="accent1"/>
-          </a:effectRef>
-          <a:fontRef idx="minor">
-            <a:schemeClr val="tx1"/>
-          </a:fontRef>
-        </p:style>
-      </p:cxnSp>
-      <p:cxnSp>
-        <p:nvCxnSpPr>
-          <p:cNvPr id="67" name="직선 연결선 66">
-            <a:extLst>
-              <a:ext uri="{FF2B5EF4-FFF2-40B4-BE49-F238E27FC236}">
-                <a16:creationId xmlns:a16="http://schemas.microsoft.com/office/drawing/2014/main" id="{78B021F4-B917-6645-32AD-77240EA0A97C}"/>
-              </a:ext>
-            </a:extLst>
-          </p:cNvPr>
-          <p:cNvCxnSpPr>
-            <a:cxnSpLocks/>
-          </p:cNvCxnSpPr>
-          <p:nvPr/>
-        </p:nvCxnSpPr>
-        <p:spPr>
-          <a:xfrm rot="5400000">
-            <a:off x="1932678" y="3329112"/>
-            <a:ext cx="108000" cy="0"/>
-          </a:xfrm>
-          <a:prstGeom prst="line">
-            <a:avLst/>
-          </a:prstGeom>
-        </p:spPr>
-        <p:style>
-          <a:lnRef idx="1">
-            <a:schemeClr val="accent1"/>
-          </a:lnRef>
-          <a:fillRef idx="0">
-            <a:schemeClr val="accent1"/>
-          </a:fillRef>
-          <a:effectRef idx="0">
-            <a:schemeClr val="accent1"/>
-          </a:effectRef>
-          <a:fontRef idx="minor">
-            <a:schemeClr val="tx1"/>
-          </a:fontRef>
-        </p:style>
-      </p:cxnSp>
-      <p:cxnSp>
-        <p:nvCxnSpPr>
-          <p:cNvPr id="68" name="직선 연결선 67">
-            <a:extLst>
-              <a:ext uri="{FF2B5EF4-FFF2-40B4-BE49-F238E27FC236}">
-                <a16:creationId xmlns:a16="http://schemas.microsoft.com/office/drawing/2014/main" id="{6F523B5A-E92E-F737-2BE4-0FC54ABD002A}"/>
-              </a:ext>
-            </a:extLst>
-          </p:cNvPr>
-          <p:cNvCxnSpPr>
-            <a:cxnSpLocks/>
-          </p:cNvCxnSpPr>
-          <p:nvPr/>
-        </p:nvCxnSpPr>
-        <p:spPr>
-          <a:xfrm rot="5400000">
-            <a:off x="1573121" y="3329112"/>
-            <a:ext cx="108000" cy="0"/>
-          </a:xfrm>
-          <a:prstGeom prst="line">
-            <a:avLst/>
-          </a:prstGeom>
-        </p:spPr>
-        <p:style>
-          <a:lnRef idx="1">
-            <a:schemeClr val="accent1"/>
-          </a:lnRef>
-          <a:fillRef idx="0">
-            <a:schemeClr val="accent1"/>
-          </a:fillRef>
-          <a:effectRef idx="0">
-            <a:schemeClr val="accent1"/>
-          </a:effectRef>
-          <a:fontRef idx="minor">
-            <a:schemeClr val="tx1"/>
-          </a:fontRef>
-        </p:style>
-      </p:cxnSp>
-      <p:cxnSp>
-        <p:nvCxnSpPr>
-          <p:cNvPr id="69" name="직선 연결선 68">
-            <a:extLst>
-              <a:ext uri="{FF2B5EF4-FFF2-40B4-BE49-F238E27FC236}">
-                <a16:creationId xmlns:a16="http://schemas.microsoft.com/office/drawing/2014/main" id="{2FD8207E-2AD4-84E2-4415-468B60A22A64}"/>
-              </a:ext>
-            </a:extLst>
-          </p:cNvPr>
-          <p:cNvCxnSpPr>
-            <a:cxnSpLocks/>
-          </p:cNvCxnSpPr>
-          <p:nvPr/>
-        </p:nvCxnSpPr>
-        <p:spPr>
-          <a:xfrm rot="5400000">
-            <a:off x="2292235" y="3329112"/>
-            <a:ext cx="108000" cy="0"/>
-          </a:xfrm>
-          <a:prstGeom prst="line">
-            <a:avLst/>
-          </a:prstGeom>
-        </p:spPr>
-        <p:style>
-          <a:lnRef idx="1">
-            <a:schemeClr val="accent1"/>
-          </a:lnRef>
-          <a:fillRef idx="0">
-            <a:schemeClr val="accent1"/>
-          </a:fillRef>
-          <a:effectRef idx="0">
-            <a:schemeClr val="accent1"/>
-          </a:effectRef>
-          <a:fontRef idx="minor">
-            <a:schemeClr val="tx1"/>
-          </a:fontRef>
-        </p:style>
-      </p:cxnSp>
-      <p:cxnSp>
-        <p:nvCxnSpPr>
-          <p:cNvPr id="70" name="직선 연결선 69">
-            <a:extLst>
-              <a:ext uri="{FF2B5EF4-FFF2-40B4-BE49-F238E27FC236}">
-                <a16:creationId xmlns:a16="http://schemas.microsoft.com/office/drawing/2014/main" id="{05C0DFAC-5281-24C1-8359-FED7FCE19F8D}"/>
-              </a:ext>
-            </a:extLst>
-          </p:cNvPr>
-          <p:cNvCxnSpPr>
-            <a:cxnSpLocks/>
-          </p:cNvCxnSpPr>
-          <p:nvPr/>
-        </p:nvCxnSpPr>
-        <p:spPr>
-          <a:xfrm rot="5400000">
-            <a:off x="4449577" y="3329112"/>
-            <a:ext cx="108000" cy="0"/>
-          </a:xfrm>
-          <a:prstGeom prst="line">
-            <a:avLst/>
-          </a:prstGeom>
-        </p:spPr>
-        <p:style>
-          <a:lnRef idx="1">
-            <a:schemeClr val="accent1"/>
-          </a:lnRef>
-          <a:fillRef idx="0">
-            <a:schemeClr val="accent1"/>
-          </a:fillRef>
-          <a:effectRef idx="0">
-            <a:schemeClr val="accent1"/>
-          </a:effectRef>
-          <a:fontRef idx="minor">
-            <a:schemeClr val="tx1"/>
-          </a:fontRef>
-        </p:style>
-      </p:cxnSp>
-      <p:cxnSp>
-        <p:nvCxnSpPr>
-          <p:cNvPr id="71" name="직선 연결선 70">
-            <a:extLst>
-              <a:ext uri="{FF2B5EF4-FFF2-40B4-BE49-F238E27FC236}">
-                <a16:creationId xmlns:a16="http://schemas.microsoft.com/office/drawing/2014/main" id="{64DA6C88-BB8C-C2DB-A513-D68A716973A4}"/>
-              </a:ext>
-            </a:extLst>
-          </p:cNvPr>
-          <p:cNvCxnSpPr>
-            <a:cxnSpLocks/>
-          </p:cNvCxnSpPr>
-          <p:nvPr/>
-        </p:nvCxnSpPr>
-        <p:spPr>
-          <a:xfrm rot="5400000">
-            <a:off x="3730463" y="3329112"/>
-            <a:ext cx="108000" cy="0"/>
-          </a:xfrm>
-          <a:prstGeom prst="line">
-            <a:avLst/>
-          </a:prstGeom>
-        </p:spPr>
-        <p:style>
-          <a:lnRef idx="1">
-            <a:schemeClr val="accent1"/>
-          </a:lnRef>
-          <a:fillRef idx="0">
-            <a:schemeClr val="accent1"/>
-          </a:fillRef>
-          <a:effectRef idx="0">
-            <a:schemeClr val="accent1"/>
-          </a:effectRef>
-          <a:fontRef idx="minor">
-            <a:schemeClr val="tx1"/>
-          </a:fontRef>
-        </p:style>
-      </p:cxnSp>
-      <p:cxnSp>
-        <p:nvCxnSpPr>
-          <p:cNvPr id="72" name="직선 연결선 71">
-            <a:extLst>
-              <a:ext uri="{FF2B5EF4-FFF2-40B4-BE49-F238E27FC236}">
-                <a16:creationId xmlns:a16="http://schemas.microsoft.com/office/drawing/2014/main" id="{28E55F78-A109-1754-C3B1-6D3D568D8F1D}"/>
-              </a:ext>
-            </a:extLst>
-          </p:cNvPr>
-          <p:cNvCxnSpPr>
-            <a:cxnSpLocks/>
-          </p:cNvCxnSpPr>
-          <p:nvPr/>
-        </p:nvCxnSpPr>
-        <p:spPr>
-          <a:xfrm rot="5400000">
-            <a:off x="3370906" y="3329112"/>
-            <a:ext cx="108000" cy="0"/>
-          </a:xfrm>
-          <a:prstGeom prst="line">
-            <a:avLst/>
-          </a:prstGeom>
-        </p:spPr>
-        <p:style>
-          <a:lnRef idx="1">
-            <a:schemeClr val="accent1"/>
-          </a:lnRef>
-          <a:fillRef idx="0">
-            <a:schemeClr val="accent1"/>
-          </a:fillRef>
-          <a:effectRef idx="0">
-            <a:schemeClr val="accent1"/>
-          </a:effectRef>
-          <a:fontRef idx="minor">
-            <a:schemeClr val="tx1"/>
-          </a:fontRef>
-        </p:style>
-      </p:cxnSp>
-      <p:cxnSp>
-        <p:nvCxnSpPr>
-          <p:cNvPr id="73" name="직선 연결선 72">
-            <a:extLst>
-              <a:ext uri="{FF2B5EF4-FFF2-40B4-BE49-F238E27FC236}">
-                <a16:creationId xmlns:a16="http://schemas.microsoft.com/office/drawing/2014/main" id="{FBD044FB-A37B-287F-A0B7-C5F4D6CE9165}"/>
-              </a:ext>
-            </a:extLst>
-          </p:cNvPr>
-          <p:cNvCxnSpPr>
-            <a:cxnSpLocks/>
-          </p:cNvCxnSpPr>
-          <p:nvPr/>
-        </p:nvCxnSpPr>
-        <p:spPr>
-          <a:xfrm rot="5400000">
-            <a:off x="4090020" y="3329112"/>
-            <a:ext cx="108000" cy="0"/>
-          </a:xfrm>
-          <a:prstGeom prst="line">
-            <a:avLst/>
-          </a:prstGeom>
-        </p:spPr>
-        <p:style>
-          <a:lnRef idx="1">
-            <a:schemeClr val="accent1"/>
-          </a:lnRef>
-          <a:fillRef idx="0">
-            <a:schemeClr val="accent1"/>
-          </a:fillRef>
-          <a:effectRef idx="0">
-            <a:schemeClr val="accent1"/>
-          </a:effectRef>
-          <a:fontRef idx="minor">
-            <a:schemeClr val="tx1"/>
-          </a:fontRef>
-        </p:style>
-      </p:cxnSp>
-      <mc:AlternateContent xmlns:mc="http://schemas.openxmlformats.org/markup-compatibility/2006">
-        <mc:Choice xmlns:a14="http://schemas.microsoft.com/office/drawing/2010/main" Requires="a14">
-          <p:sp>
-            <p:nvSpPr>
-              <p:cNvPr id="84" name="TextBox 83">
-                <a:extLst>
-                  <a:ext uri="{FF2B5EF4-FFF2-40B4-BE49-F238E27FC236}">
-                    <a16:creationId xmlns:a16="http://schemas.microsoft.com/office/drawing/2014/main" id="{BDA8A6B4-892A-578C-1CBA-EDBA2D1AFA8D}"/>
-                  </a:ext>
-                </a:extLst>
-              </p:cNvPr>
-              <p:cNvSpPr txBox="1"/>
-              <p:nvPr/>
-            </p:nvSpPr>
-            <p:spPr>
-              <a:xfrm>
-                <a:off x="4871552" y="3121223"/>
-                <a:ext cx="343171" cy="307777"/>
-              </a:xfrm>
-              <a:prstGeom prst="rect">
-                <a:avLst/>
-              </a:prstGeom>
-              <a:noFill/>
-            </p:spPr>
-            <p:txBody>
-              <a:bodyPr wrap="none" lIns="0" tIns="0" rIns="0" bIns="0" rtlCol="0" anchor="ctr">
-                <a:spAutoFit/>
-              </a:bodyPr>
-              <a:lstStyle/>
-              <a:p>
-                <a14:m>
-                  <m:oMathPara xmlns:m="http://schemas.openxmlformats.org/officeDocument/2006/math">
-                    <m:oMathParaPr>
-                      <m:jc m:val="centerGroup"/>
-                    </m:oMathParaPr>
-                    <m:oMath xmlns:m="http://schemas.openxmlformats.org/officeDocument/2006/math">
-                      <m:sSub>
-                        <m:sSubPr>
-                          <m:ctrlPr>
-                            <a:rPr lang="en-US" altLang="ko-KR" sz="2000" b="0" i="1" smtClean="0">
-                              <a:latin typeface="Cambria Math" panose="02040503050406030204" pitchFamily="18" charset="0"/>
-                            </a:rPr>
-                          </m:ctrlPr>
-                        </m:sSubPr>
-                        <m:e>
-                          <m:r>
-                            <a:rPr lang="en-US" altLang="ko-KR" sz="2000" b="0" i="1" smtClean="0">
-                              <a:latin typeface="Cambria Math" panose="02040503050406030204" pitchFamily="18" charset="0"/>
-                            </a:rPr>
-                            <m:t>𝑥</m:t>
-                          </m:r>
-                        </m:e>
-                        <m:sub>
-                          <m:r>
-                            <a:rPr lang="en-US" altLang="ko-KR" sz="2000" b="0" i="1" smtClean="0">
-                              <a:latin typeface="Cambria Math" panose="02040503050406030204" pitchFamily="18" charset="0"/>
-                            </a:rPr>
-                            <m:t>3</m:t>
-                          </m:r>
-                        </m:sub>
-                      </m:sSub>
-                    </m:oMath>
-                  </m:oMathPara>
-                </a14:m>
-                <a:endParaRPr lang="en-US" altLang="ko-KR" sz="2000" b="0" dirty="0"/>
-              </a:p>
-            </p:txBody>
-          </p:sp>
-        </mc:Choice>
-        <mc:Fallback>
-          <p:sp>
-            <p:nvSpPr>
-              <p:cNvPr id="84" name="TextBox 83">
-                <a:extLst>
-                  <a:ext uri="{FF2B5EF4-FFF2-40B4-BE49-F238E27FC236}">
-                    <a16:creationId xmlns:a16="http://schemas.microsoft.com/office/drawing/2014/main" id="{BDA8A6B4-892A-578C-1CBA-EDBA2D1AFA8D}"/>
-                  </a:ext>
-                </a:extLst>
-              </p:cNvPr>
-              <p:cNvSpPr txBox="1">
-                <a:spLocks noRot="1" noChangeAspect="1" noMove="1" noResize="1" noEditPoints="1" noAdjustHandles="1" noChangeArrowheads="1" noChangeShapeType="1" noTextEdit="1"/>
-              </p:cNvSpPr>
-              <p:nvPr/>
-            </p:nvSpPr>
-            <p:spPr>
-              <a:xfrm>
-                <a:off x="4871552" y="3121223"/>
-                <a:ext cx="343171" cy="307777"/>
-              </a:xfrm>
-              <a:prstGeom prst="rect">
-                <a:avLst/>
-              </a:prstGeom>
-              <a:blipFill>
-                <a:blip r:embed="rId4"/>
-                <a:stretch>
-                  <a:fillRect l="-3571" r="-5357" b="-19608"/>
-                </a:stretch>
-              </a:blipFill>
-            </p:spPr>
-            <p:txBody>
-              <a:bodyPr/>
-              <a:lstStyle/>
-              <a:p>
-                <a:r>
-                  <a:rPr lang="ko-KR" altLang="en-US">
-                    <a:noFill/>
-                  </a:rPr>
-                  <a:t> </a:t>
-                </a:r>
-              </a:p>
-            </p:txBody>
-          </p:sp>
-        </mc:Fallback>
-      </mc:AlternateContent>
-      <p:cxnSp>
-        <p:nvCxnSpPr>
-          <p:cNvPr id="85" name="직선 연결선 84">
-            <a:extLst>
-              <a:ext uri="{FF2B5EF4-FFF2-40B4-BE49-F238E27FC236}">
-                <a16:creationId xmlns:a16="http://schemas.microsoft.com/office/drawing/2014/main" id="{B8FE72DD-1373-1E36-C432-2FF64A0681A5}"/>
-              </a:ext>
-            </a:extLst>
-          </p:cNvPr>
-          <p:cNvCxnSpPr/>
-          <p:nvPr/>
-        </p:nvCxnSpPr>
-        <p:spPr>
-          <a:xfrm>
-            <a:off x="5644663" y="3275112"/>
-            <a:ext cx="3600000" cy="0"/>
-          </a:xfrm>
-          <a:prstGeom prst="line">
-            <a:avLst/>
-          </a:prstGeom>
-        </p:spPr>
-        <p:style>
-          <a:lnRef idx="1">
-            <a:schemeClr val="accent1"/>
-          </a:lnRef>
-          <a:fillRef idx="0">
-            <a:schemeClr val="accent1"/>
-          </a:fillRef>
-          <a:effectRef idx="0">
-            <a:schemeClr val="accent1"/>
-          </a:effectRef>
-          <a:fontRef idx="minor">
-            <a:schemeClr val="tx1"/>
-          </a:fontRef>
-        </p:style>
-      </p:cxnSp>
-      <p:cxnSp>
-        <p:nvCxnSpPr>
-          <p:cNvPr id="86" name="직선 연결선 85">
-            <a:extLst>
-              <a:ext uri="{FF2B5EF4-FFF2-40B4-BE49-F238E27FC236}">
-                <a16:creationId xmlns:a16="http://schemas.microsoft.com/office/drawing/2014/main" id="{85A7307B-0674-6E3F-1E66-987D5BBBC09B}"/>
-              </a:ext>
-            </a:extLst>
-          </p:cNvPr>
-          <p:cNvCxnSpPr>
-            <a:cxnSpLocks/>
-          </p:cNvCxnSpPr>
-          <p:nvPr/>
-        </p:nvCxnSpPr>
-        <p:spPr>
-          <a:xfrm rot="5400000">
-            <a:off x="5590663" y="3329112"/>
-            <a:ext cx="108000" cy="0"/>
-          </a:xfrm>
-          <a:prstGeom prst="line">
-            <a:avLst/>
-          </a:prstGeom>
-        </p:spPr>
-        <p:style>
-          <a:lnRef idx="1">
-            <a:schemeClr val="accent1"/>
-          </a:lnRef>
-          <a:fillRef idx="0">
-            <a:schemeClr val="accent1"/>
-          </a:fillRef>
-          <a:effectRef idx="0">
-            <a:schemeClr val="accent1"/>
-          </a:effectRef>
-          <a:fontRef idx="minor">
-            <a:schemeClr val="tx1"/>
-          </a:fontRef>
-        </p:style>
-      </p:cxnSp>
-      <p:cxnSp>
-        <p:nvCxnSpPr>
-          <p:cNvPr id="87" name="직선 연결선 86">
-            <a:extLst>
-              <a:ext uri="{FF2B5EF4-FFF2-40B4-BE49-F238E27FC236}">
-                <a16:creationId xmlns:a16="http://schemas.microsoft.com/office/drawing/2014/main" id="{CB76B2E1-A97D-1BF9-7124-F911A1905132}"/>
-              </a:ext>
-            </a:extLst>
-          </p:cNvPr>
-          <p:cNvCxnSpPr>
-            <a:cxnSpLocks/>
-          </p:cNvCxnSpPr>
-          <p:nvPr/>
-        </p:nvCxnSpPr>
-        <p:spPr>
-          <a:xfrm rot="5400000">
-            <a:off x="9186230" y="3329112"/>
-            <a:ext cx="108000" cy="0"/>
-          </a:xfrm>
-          <a:prstGeom prst="line">
-            <a:avLst/>
-          </a:prstGeom>
-        </p:spPr>
-        <p:style>
-          <a:lnRef idx="1">
-            <a:schemeClr val="accent1"/>
-          </a:lnRef>
-          <a:fillRef idx="0">
-            <a:schemeClr val="accent1"/>
-          </a:fillRef>
-          <a:effectRef idx="0">
-            <a:schemeClr val="accent1"/>
-          </a:effectRef>
-          <a:fontRef idx="minor">
-            <a:schemeClr val="tx1"/>
-          </a:fontRef>
-        </p:style>
-      </p:cxnSp>
-      <p:cxnSp>
-        <p:nvCxnSpPr>
-          <p:cNvPr id="88" name="직선 연결선 87">
-            <a:extLst>
-              <a:ext uri="{FF2B5EF4-FFF2-40B4-BE49-F238E27FC236}">
-                <a16:creationId xmlns:a16="http://schemas.microsoft.com/office/drawing/2014/main" id="{4C87A662-30D7-0950-FC1A-648FB505BD6C}"/>
-              </a:ext>
-            </a:extLst>
-          </p:cNvPr>
-          <p:cNvCxnSpPr>
-            <a:cxnSpLocks/>
-          </p:cNvCxnSpPr>
-          <p:nvPr/>
-        </p:nvCxnSpPr>
-        <p:spPr>
-          <a:xfrm rot="5400000">
-            <a:off x="7388448" y="3329112"/>
-            <a:ext cx="108000" cy="0"/>
-          </a:xfrm>
-          <a:prstGeom prst="line">
-            <a:avLst/>
-          </a:prstGeom>
-        </p:spPr>
-        <p:style>
-          <a:lnRef idx="1">
-            <a:schemeClr val="accent1"/>
-          </a:lnRef>
-          <a:fillRef idx="0">
-            <a:schemeClr val="accent1"/>
-          </a:fillRef>
-          <a:effectRef idx="0">
-            <a:schemeClr val="accent1"/>
-          </a:effectRef>
-          <a:fontRef idx="minor">
-            <a:schemeClr val="tx1"/>
-          </a:fontRef>
-        </p:style>
-      </p:cxnSp>
-      <p:cxnSp>
-        <p:nvCxnSpPr>
-          <p:cNvPr id="89" name="직선 연결선 88">
-            <a:extLst>
-              <a:ext uri="{FF2B5EF4-FFF2-40B4-BE49-F238E27FC236}">
-                <a16:creationId xmlns:a16="http://schemas.microsoft.com/office/drawing/2014/main" id="{852451D1-0659-B409-C97C-3A0683E92500}"/>
-              </a:ext>
-            </a:extLst>
-          </p:cNvPr>
-          <p:cNvCxnSpPr>
-            <a:cxnSpLocks/>
-          </p:cNvCxnSpPr>
-          <p:nvPr/>
-        </p:nvCxnSpPr>
-        <p:spPr>
-          <a:xfrm rot="5400000">
-            <a:off x="7028891" y="3329112"/>
-            <a:ext cx="108000" cy="0"/>
-          </a:xfrm>
-          <a:prstGeom prst="line">
-            <a:avLst/>
-          </a:prstGeom>
-        </p:spPr>
-        <p:style>
-          <a:lnRef idx="1">
-            <a:schemeClr val="accent1"/>
-          </a:lnRef>
-          <a:fillRef idx="0">
-            <a:schemeClr val="accent1"/>
-          </a:fillRef>
-          <a:effectRef idx="0">
-            <a:schemeClr val="accent1"/>
-          </a:effectRef>
-          <a:fontRef idx="minor">
-            <a:schemeClr val="tx1"/>
-          </a:fontRef>
-        </p:style>
-      </p:cxnSp>
-      <p:cxnSp>
-        <p:nvCxnSpPr>
-          <p:cNvPr id="90" name="직선 연결선 89">
-            <a:extLst>
-              <a:ext uri="{FF2B5EF4-FFF2-40B4-BE49-F238E27FC236}">
-                <a16:creationId xmlns:a16="http://schemas.microsoft.com/office/drawing/2014/main" id="{4AE22BDE-B1A1-D401-8363-D98AA132330A}"/>
-              </a:ext>
-            </a:extLst>
-          </p:cNvPr>
-          <p:cNvCxnSpPr>
-            <a:cxnSpLocks/>
-          </p:cNvCxnSpPr>
-          <p:nvPr/>
-        </p:nvCxnSpPr>
-        <p:spPr>
-          <a:xfrm rot="5400000">
-            <a:off x="6309777" y="3329112"/>
-            <a:ext cx="108000" cy="0"/>
-          </a:xfrm>
-          <a:prstGeom prst="line">
-            <a:avLst/>
-          </a:prstGeom>
-        </p:spPr>
-        <p:style>
-          <a:lnRef idx="1">
-            <a:schemeClr val="accent1"/>
-          </a:lnRef>
-          <a:fillRef idx="0">
-            <a:schemeClr val="accent1"/>
-          </a:fillRef>
-          <a:effectRef idx="0">
-            <a:schemeClr val="accent1"/>
-          </a:effectRef>
-          <a:fontRef idx="minor">
-            <a:schemeClr val="tx1"/>
-          </a:fontRef>
-        </p:style>
-      </p:cxnSp>
-      <p:cxnSp>
-        <p:nvCxnSpPr>
-          <p:cNvPr id="91" name="직선 연결선 90">
-            <a:extLst>
-              <a:ext uri="{FF2B5EF4-FFF2-40B4-BE49-F238E27FC236}">
-                <a16:creationId xmlns:a16="http://schemas.microsoft.com/office/drawing/2014/main" id="{E752C958-A5FA-624F-2085-92DE4CF1F0E9}"/>
-              </a:ext>
-            </a:extLst>
-          </p:cNvPr>
-          <p:cNvCxnSpPr>
-            <a:cxnSpLocks/>
-          </p:cNvCxnSpPr>
-          <p:nvPr/>
-        </p:nvCxnSpPr>
-        <p:spPr>
-          <a:xfrm rot="5400000">
-            <a:off x="5950220" y="3329112"/>
-            <a:ext cx="108000" cy="0"/>
-          </a:xfrm>
-          <a:prstGeom prst="line">
-            <a:avLst/>
-          </a:prstGeom>
-        </p:spPr>
-        <p:style>
-          <a:lnRef idx="1">
-            <a:schemeClr val="accent1"/>
-          </a:lnRef>
-          <a:fillRef idx="0">
-            <a:schemeClr val="accent1"/>
-          </a:fillRef>
-          <a:effectRef idx="0">
-            <a:schemeClr val="accent1"/>
-          </a:effectRef>
-          <a:fontRef idx="minor">
-            <a:schemeClr val="tx1"/>
-          </a:fontRef>
-        </p:style>
-      </p:cxnSp>
-      <p:cxnSp>
-        <p:nvCxnSpPr>
-          <p:cNvPr id="92" name="직선 연결선 91">
-            <a:extLst>
-              <a:ext uri="{FF2B5EF4-FFF2-40B4-BE49-F238E27FC236}">
-                <a16:creationId xmlns:a16="http://schemas.microsoft.com/office/drawing/2014/main" id="{55DD1092-758C-9F33-CD24-40B7DCD93DD4}"/>
-              </a:ext>
-            </a:extLst>
-          </p:cNvPr>
-          <p:cNvCxnSpPr>
-            <a:cxnSpLocks/>
-          </p:cNvCxnSpPr>
-          <p:nvPr/>
-        </p:nvCxnSpPr>
-        <p:spPr>
-          <a:xfrm rot="5400000">
-            <a:off x="6669334" y="3329112"/>
-            <a:ext cx="108000" cy="0"/>
-          </a:xfrm>
-          <a:prstGeom prst="line">
-            <a:avLst/>
-          </a:prstGeom>
-        </p:spPr>
-        <p:style>
-          <a:lnRef idx="1">
-            <a:schemeClr val="accent1"/>
-          </a:lnRef>
-          <a:fillRef idx="0">
-            <a:schemeClr val="accent1"/>
-          </a:fillRef>
-          <a:effectRef idx="0">
-            <a:schemeClr val="accent1"/>
-          </a:effectRef>
-          <a:fontRef idx="minor">
-            <a:schemeClr val="tx1"/>
-          </a:fontRef>
-        </p:style>
-      </p:cxnSp>
-      <p:cxnSp>
-        <p:nvCxnSpPr>
-          <p:cNvPr id="93" name="직선 연결선 92">
-            <a:extLst>
-              <a:ext uri="{FF2B5EF4-FFF2-40B4-BE49-F238E27FC236}">
-                <a16:creationId xmlns:a16="http://schemas.microsoft.com/office/drawing/2014/main" id="{1E64CC72-C85E-12F0-D3D2-3130DFB73997}"/>
-              </a:ext>
-            </a:extLst>
-          </p:cNvPr>
-          <p:cNvCxnSpPr>
-            <a:cxnSpLocks/>
-          </p:cNvCxnSpPr>
-          <p:nvPr/>
-        </p:nvCxnSpPr>
-        <p:spPr>
-          <a:xfrm rot="5400000">
-            <a:off x="8826676" y="3329112"/>
-            <a:ext cx="108000" cy="0"/>
-          </a:xfrm>
-          <a:prstGeom prst="line">
-            <a:avLst/>
-          </a:prstGeom>
-        </p:spPr>
-        <p:style>
-          <a:lnRef idx="1">
-            <a:schemeClr val="accent1"/>
-          </a:lnRef>
-          <a:fillRef idx="0">
-            <a:schemeClr val="accent1"/>
-          </a:fillRef>
-          <a:effectRef idx="0">
-            <a:schemeClr val="accent1"/>
-          </a:effectRef>
-          <a:fontRef idx="minor">
-            <a:schemeClr val="tx1"/>
-          </a:fontRef>
-        </p:style>
-      </p:cxnSp>
-      <p:cxnSp>
-        <p:nvCxnSpPr>
-          <p:cNvPr id="94" name="직선 연결선 93">
-            <a:extLst>
-              <a:ext uri="{FF2B5EF4-FFF2-40B4-BE49-F238E27FC236}">
-                <a16:creationId xmlns:a16="http://schemas.microsoft.com/office/drawing/2014/main" id="{309E771C-00D6-B34E-FC13-369F497298F4}"/>
-              </a:ext>
-            </a:extLst>
-          </p:cNvPr>
-          <p:cNvCxnSpPr>
-            <a:cxnSpLocks/>
-          </p:cNvCxnSpPr>
-          <p:nvPr/>
-        </p:nvCxnSpPr>
-        <p:spPr>
-          <a:xfrm rot="5400000">
-            <a:off x="8107562" y="3329112"/>
-            <a:ext cx="108000" cy="0"/>
-          </a:xfrm>
-          <a:prstGeom prst="line">
-            <a:avLst/>
-          </a:prstGeom>
-        </p:spPr>
-        <p:style>
-          <a:lnRef idx="1">
-            <a:schemeClr val="accent1"/>
-          </a:lnRef>
-          <a:fillRef idx="0">
-            <a:schemeClr val="accent1"/>
-          </a:fillRef>
-          <a:effectRef idx="0">
-            <a:schemeClr val="accent1"/>
-          </a:effectRef>
-          <a:fontRef idx="minor">
-            <a:schemeClr val="tx1"/>
-          </a:fontRef>
-        </p:style>
-      </p:cxnSp>
-      <p:cxnSp>
-        <p:nvCxnSpPr>
-          <p:cNvPr id="95" name="직선 연결선 94">
-            <a:extLst>
-              <a:ext uri="{FF2B5EF4-FFF2-40B4-BE49-F238E27FC236}">
-                <a16:creationId xmlns:a16="http://schemas.microsoft.com/office/drawing/2014/main" id="{5E85E964-1DCE-CDBC-C1C5-8B17AFF98F65}"/>
-              </a:ext>
-            </a:extLst>
-          </p:cNvPr>
-          <p:cNvCxnSpPr>
-            <a:cxnSpLocks/>
-          </p:cNvCxnSpPr>
-          <p:nvPr/>
-        </p:nvCxnSpPr>
-        <p:spPr>
-          <a:xfrm rot="5400000">
-            <a:off x="7748005" y="3329112"/>
-            <a:ext cx="108000" cy="0"/>
-          </a:xfrm>
-          <a:prstGeom prst="line">
-            <a:avLst/>
-          </a:prstGeom>
-        </p:spPr>
-        <p:style>
-          <a:lnRef idx="1">
-            <a:schemeClr val="accent1"/>
-          </a:lnRef>
-          <a:fillRef idx="0">
-            <a:schemeClr val="accent1"/>
-          </a:fillRef>
-          <a:effectRef idx="0">
-            <a:schemeClr val="accent1"/>
-          </a:effectRef>
-          <a:fontRef idx="minor">
-            <a:schemeClr val="tx1"/>
-          </a:fontRef>
-        </p:style>
-      </p:cxnSp>
-      <p:cxnSp>
-        <p:nvCxnSpPr>
-          <p:cNvPr id="96" name="직선 연결선 95">
-            <a:extLst>
-              <a:ext uri="{FF2B5EF4-FFF2-40B4-BE49-F238E27FC236}">
-                <a16:creationId xmlns:a16="http://schemas.microsoft.com/office/drawing/2014/main" id="{54470650-757F-D529-C9D6-549865158E9B}"/>
-              </a:ext>
-            </a:extLst>
-          </p:cNvPr>
-          <p:cNvCxnSpPr>
-            <a:cxnSpLocks/>
-          </p:cNvCxnSpPr>
-          <p:nvPr/>
-        </p:nvCxnSpPr>
-        <p:spPr>
-          <a:xfrm rot="5400000">
-            <a:off x="8467119" y="3329112"/>
-            <a:ext cx="108000" cy="0"/>
-          </a:xfrm>
-          <a:prstGeom prst="line">
-            <a:avLst/>
-          </a:prstGeom>
-        </p:spPr>
-        <p:style>
-          <a:lnRef idx="1">
-            <a:schemeClr val="accent1"/>
-          </a:lnRef>
-          <a:fillRef idx="0">
-            <a:schemeClr val="accent1"/>
-          </a:fillRef>
-          <a:effectRef idx="0">
-            <a:schemeClr val="accent1"/>
-          </a:effectRef>
-          <a:fontRef idx="minor">
-            <a:schemeClr val="tx1"/>
-          </a:fontRef>
-        </p:style>
-      </p:cxnSp>
-      <mc:AlternateContent xmlns:mc="http://schemas.openxmlformats.org/markup-compatibility/2006">
-        <mc:Choice xmlns:a14="http://schemas.microsoft.com/office/drawing/2010/main" Requires="a14">
-          <p:sp>
-            <p:nvSpPr>
-              <p:cNvPr id="97" name="TextBox 96">
-                <a:extLst>
-                  <a:ext uri="{FF2B5EF4-FFF2-40B4-BE49-F238E27FC236}">
-                    <a16:creationId xmlns:a16="http://schemas.microsoft.com/office/drawing/2014/main" id="{0AC6CA89-4DE3-8FD1-76FC-A3C5F89F1B68}"/>
-                  </a:ext>
-                </a:extLst>
-              </p:cNvPr>
-              <p:cNvSpPr txBox="1"/>
-              <p:nvPr/>
-            </p:nvSpPr>
-            <p:spPr>
-              <a:xfrm>
-                <a:off x="9248651" y="3121223"/>
-                <a:ext cx="343171" cy="307777"/>
-              </a:xfrm>
-              <a:prstGeom prst="rect">
-                <a:avLst/>
-              </a:prstGeom>
-              <a:noFill/>
-            </p:spPr>
-            <p:txBody>
-              <a:bodyPr wrap="none" lIns="0" tIns="0" rIns="0" bIns="0" rtlCol="0" anchor="ctr">
-                <a:spAutoFit/>
-              </a:bodyPr>
-              <a:lstStyle/>
-              <a:p>
-                <a14:m>
-                  <m:oMathPara xmlns:m="http://schemas.openxmlformats.org/officeDocument/2006/math">
-                    <m:oMathParaPr>
-                      <m:jc m:val="centerGroup"/>
-                    </m:oMathParaPr>
-                    <m:oMath xmlns:m="http://schemas.openxmlformats.org/officeDocument/2006/math">
-                      <m:sSub>
-                        <m:sSubPr>
-                          <m:ctrlPr>
-                            <a:rPr lang="en-US" altLang="ko-KR" sz="2000" b="0" i="1" smtClean="0">
-                              <a:latin typeface="Cambria Math" panose="02040503050406030204" pitchFamily="18" charset="0"/>
-                            </a:rPr>
-                          </m:ctrlPr>
-                        </m:sSubPr>
-                        <m:e>
-                          <m:r>
-                            <a:rPr lang="en-US" altLang="ko-KR" sz="2000" b="0" i="1" smtClean="0">
-                              <a:latin typeface="Cambria Math" panose="02040503050406030204" pitchFamily="18" charset="0"/>
-                            </a:rPr>
-                            <m:t>𝑥</m:t>
-                          </m:r>
-                        </m:e>
-                        <m:sub>
-                          <m:r>
-                            <a:rPr lang="en-US" altLang="ko-KR" sz="2000" b="0" i="1" smtClean="0">
-                              <a:latin typeface="Cambria Math" panose="02040503050406030204" pitchFamily="18" charset="0"/>
-                            </a:rPr>
-                            <m:t>4</m:t>
-                          </m:r>
-                        </m:sub>
-                      </m:sSub>
-                    </m:oMath>
-                  </m:oMathPara>
-                </a14:m>
-                <a:endParaRPr lang="en-US" altLang="ko-KR" sz="2000" b="0" dirty="0"/>
-              </a:p>
-            </p:txBody>
-          </p:sp>
-        </mc:Choice>
-        <mc:Fallback>
-          <p:sp>
-            <p:nvSpPr>
-              <p:cNvPr id="97" name="TextBox 96">
-                <a:extLst>
-                  <a:ext uri="{FF2B5EF4-FFF2-40B4-BE49-F238E27FC236}">
-                    <a16:creationId xmlns:a16="http://schemas.microsoft.com/office/drawing/2014/main" id="{0AC6CA89-4DE3-8FD1-76FC-A3C5F89F1B68}"/>
-                  </a:ext>
-                </a:extLst>
-              </p:cNvPr>
-              <p:cNvSpPr txBox="1">
-                <a:spLocks noRot="1" noChangeAspect="1" noMove="1" noResize="1" noEditPoints="1" noAdjustHandles="1" noChangeArrowheads="1" noChangeShapeType="1" noTextEdit="1"/>
-              </p:cNvSpPr>
-              <p:nvPr/>
-            </p:nvSpPr>
-            <p:spPr>
-              <a:xfrm>
-                <a:off x="9248651" y="3121223"/>
-                <a:ext cx="343171" cy="307777"/>
-              </a:xfrm>
-              <a:prstGeom prst="rect">
-                <a:avLst/>
-              </a:prstGeom>
-              <a:blipFill>
-                <a:blip r:embed="rId5"/>
-                <a:stretch>
-                  <a:fillRect l="-3571" r="-3571" b="-17647"/>
-                </a:stretch>
-              </a:blipFill>
-            </p:spPr>
-            <p:txBody>
-              <a:bodyPr/>
-              <a:lstStyle/>
-              <a:p>
-                <a:r>
-                  <a:rPr lang="ko-KR" altLang="en-US">
-                    <a:noFill/>
-                  </a:rPr>
-                  <a:t> </a:t>
-                </a:r>
-              </a:p>
-            </p:txBody>
-          </p:sp>
-        </mc:Fallback>
-      </mc:AlternateContent>
-      <p:sp>
-        <p:nvSpPr>
-          <p:cNvPr id="108" name="타원 107">
-            <a:extLst>
-              <a:ext uri="{FF2B5EF4-FFF2-40B4-BE49-F238E27FC236}">
-                <a16:creationId xmlns:a16="http://schemas.microsoft.com/office/drawing/2014/main" id="{741D72B2-1A75-D07B-970E-B602FC5FA2BB}"/>
-              </a:ext>
-            </a:extLst>
-          </p:cNvPr>
-          <p:cNvSpPr/>
-          <p:nvPr/>
-        </p:nvSpPr>
-        <p:spPr>
-          <a:xfrm>
-            <a:off x="1577270" y="3167114"/>
-            <a:ext cx="108000" cy="108000"/>
-          </a:xfrm>
-          <a:prstGeom prst="ellipse">
-            <a:avLst/>
-          </a:prstGeom>
-          <a:solidFill>
-            <a:srgbClr val="FF0000"/>
-          </a:solidFill>
-          <a:ln w="6350">
-            <a:solidFill>
-              <a:schemeClr val="bg1"/>
-            </a:solidFill>
-          </a:ln>
-        </p:spPr>
-        <p:style>
-          <a:lnRef idx="2">
-            <a:schemeClr val="accent1">
-              <a:shade val="15000"/>
-            </a:schemeClr>
-          </a:lnRef>
-          <a:fillRef idx="1">
-            <a:schemeClr val="accent1"/>
-          </a:fillRef>
-          <a:effectRef idx="0">
-            <a:schemeClr val="accent1"/>
-          </a:effectRef>
-          <a:fontRef idx="minor">
-            <a:schemeClr val="lt1"/>
-          </a:fontRef>
-        </p:style>
-        <p:txBody>
-          <a:bodyPr rtlCol="0" anchor="ctr"/>
-          <a:lstStyle/>
-          <a:p>
-            <a:pPr algn="ctr"/>
-            <a:endParaRPr lang="ko-KR" altLang="en-US"/>
-          </a:p>
-        </p:txBody>
-      </p:sp>
-      <p:sp>
-        <p:nvSpPr>
-          <p:cNvPr id="109" name="타원 108">
-            <a:extLst>
-              <a:ext uri="{FF2B5EF4-FFF2-40B4-BE49-F238E27FC236}">
-                <a16:creationId xmlns:a16="http://schemas.microsoft.com/office/drawing/2014/main" id="{69ED8E76-F090-F23C-DDF1-FD6609EFA99F}"/>
-              </a:ext>
-            </a:extLst>
-          </p:cNvPr>
-          <p:cNvSpPr/>
-          <p:nvPr/>
-        </p:nvSpPr>
-        <p:spPr>
-          <a:xfrm>
-            <a:off x="1577270" y="3059113"/>
-            <a:ext cx="108000" cy="108000"/>
-          </a:xfrm>
-          <a:prstGeom prst="ellipse">
-            <a:avLst/>
-          </a:prstGeom>
-          <a:solidFill>
-            <a:srgbClr val="FF0000"/>
-          </a:solidFill>
-          <a:ln w="6350">
-            <a:solidFill>
-              <a:schemeClr val="bg1"/>
-            </a:solidFill>
-          </a:ln>
-        </p:spPr>
-        <p:style>
-          <a:lnRef idx="2">
-            <a:schemeClr val="accent1">
-              <a:shade val="15000"/>
-            </a:schemeClr>
-          </a:lnRef>
-          <a:fillRef idx="1">
-            <a:schemeClr val="accent1"/>
-          </a:fillRef>
-          <a:effectRef idx="0">
-            <a:schemeClr val="accent1"/>
-          </a:effectRef>
-          <a:fontRef idx="minor">
-            <a:schemeClr val="lt1"/>
-          </a:fontRef>
-        </p:style>
-        <p:txBody>
-          <a:bodyPr rtlCol="0" anchor="ctr"/>
-          <a:lstStyle/>
-          <a:p>
-            <a:pPr algn="ctr"/>
-            <a:endParaRPr lang="ko-KR" altLang="en-US"/>
-          </a:p>
-        </p:txBody>
-      </p:sp>
-      <p:sp>
-        <p:nvSpPr>
-          <p:cNvPr id="110" name="타원 109">
-            <a:extLst>
-              <a:ext uri="{FF2B5EF4-FFF2-40B4-BE49-F238E27FC236}">
-                <a16:creationId xmlns:a16="http://schemas.microsoft.com/office/drawing/2014/main" id="{7FDE5CFD-5B00-97BE-5CA3-5722F2DF9DCF}"/>
-              </a:ext>
-            </a:extLst>
-          </p:cNvPr>
-          <p:cNvSpPr/>
-          <p:nvPr/>
-        </p:nvSpPr>
-        <p:spPr>
-          <a:xfrm>
-            <a:off x="1577270" y="2951114"/>
-            <a:ext cx="108000" cy="108000"/>
-          </a:xfrm>
-          <a:prstGeom prst="ellipse">
-            <a:avLst/>
-          </a:prstGeom>
-          <a:solidFill>
-            <a:srgbClr val="FF0000"/>
-          </a:solidFill>
-          <a:ln w="6350">
-            <a:solidFill>
-              <a:schemeClr val="bg1"/>
-            </a:solidFill>
-          </a:ln>
-        </p:spPr>
-        <p:style>
-          <a:lnRef idx="2">
-            <a:schemeClr val="accent1">
-              <a:shade val="15000"/>
-            </a:schemeClr>
-          </a:lnRef>
-          <a:fillRef idx="1">
-            <a:schemeClr val="accent1"/>
-          </a:fillRef>
-          <a:effectRef idx="0">
-            <a:schemeClr val="accent1"/>
-          </a:effectRef>
-          <a:fontRef idx="minor">
-            <a:schemeClr val="lt1"/>
-          </a:fontRef>
-        </p:style>
-        <p:txBody>
-          <a:bodyPr rtlCol="0" anchor="ctr"/>
-          <a:lstStyle/>
-          <a:p>
-            <a:pPr algn="ctr"/>
-            <a:endParaRPr lang="ko-KR" altLang="en-US"/>
-          </a:p>
-        </p:txBody>
-      </p:sp>
-      <p:sp>
-        <p:nvSpPr>
-          <p:cNvPr id="111" name="타원 110">
-            <a:extLst>
-              <a:ext uri="{FF2B5EF4-FFF2-40B4-BE49-F238E27FC236}">
-                <a16:creationId xmlns:a16="http://schemas.microsoft.com/office/drawing/2014/main" id="{B8DB6BAB-57B4-EEF4-D491-10B749EA14CB}"/>
-              </a:ext>
-            </a:extLst>
-          </p:cNvPr>
-          <p:cNvSpPr/>
-          <p:nvPr/>
-        </p:nvSpPr>
-        <p:spPr>
-          <a:xfrm>
-            <a:off x="1932678" y="3167114"/>
-            <a:ext cx="108000" cy="108000"/>
-          </a:xfrm>
-          <a:prstGeom prst="ellipse">
-            <a:avLst/>
-          </a:prstGeom>
-          <a:solidFill>
-            <a:srgbClr val="FF0000"/>
-          </a:solidFill>
-          <a:ln w="6350">
-            <a:solidFill>
-              <a:schemeClr val="bg1"/>
-            </a:solidFill>
-          </a:ln>
-        </p:spPr>
-        <p:style>
-          <a:lnRef idx="2">
-            <a:schemeClr val="accent1">
-              <a:shade val="15000"/>
-            </a:schemeClr>
-          </a:lnRef>
-          <a:fillRef idx="1">
-            <a:schemeClr val="accent1"/>
-          </a:fillRef>
-          <a:effectRef idx="0">
-            <a:schemeClr val="accent1"/>
-          </a:effectRef>
-          <a:fontRef idx="minor">
-            <a:schemeClr val="lt1"/>
-          </a:fontRef>
-        </p:style>
-        <p:txBody>
-          <a:bodyPr rtlCol="0" anchor="ctr"/>
-          <a:lstStyle/>
-          <a:p>
-            <a:pPr algn="ctr"/>
-            <a:endParaRPr lang="ko-KR" altLang="en-US"/>
-          </a:p>
-        </p:txBody>
-      </p:sp>
-      <p:sp>
-        <p:nvSpPr>
-          <p:cNvPr id="112" name="타원 111">
-            <a:extLst>
-              <a:ext uri="{FF2B5EF4-FFF2-40B4-BE49-F238E27FC236}">
-                <a16:creationId xmlns:a16="http://schemas.microsoft.com/office/drawing/2014/main" id="{E8F4888A-BCCC-E939-B428-E82B0A705E08}"/>
-              </a:ext>
-            </a:extLst>
-          </p:cNvPr>
-          <p:cNvSpPr/>
-          <p:nvPr/>
-        </p:nvSpPr>
-        <p:spPr>
-          <a:xfrm>
-            <a:off x="1932678" y="3059113"/>
-            <a:ext cx="108000" cy="108000"/>
-          </a:xfrm>
-          <a:prstGeom prst="ellipse">
-            <a:avLst/>
-          </a:prstGeom>
-          <a:solidFill>
-            <a:srgbClr val="FF0000"/>
-          </a:solidFill>
-          <a:ln w="6350">
-            <a:solidFill>
-              <a:schemeClr val="bg1"/>
-            </a:solidFill>
-          </a:ln>
-        </p:spPr>
-        <p:style>
-          <a:lnRef idx="2">
-            <a:schemeClr val="accent1">
-              <a:shade val="15000"/>
-            </a:schemeClr>
-          </a:lnRef>
-          <a:fillRef idx="1">
-            <a:schemeClr val="accent1"/>
-          </a:fillRef>
-          <a:effectRef idx="0">
-            <a:schemeClr val="accent1"/>
-          </a:effectRef>
-          <a:fontRef idx="minor">
-            <a:schemeClr val="lt1"/>
-          </a:fontRef>
-        </p:style>
-        <p:txBody>
-          <a:bodyPr rtlCol="0" anchor="ctr"/>
-          <a:lstStyle/>
-          <a:p>
-            <a:pPr algn="ctr"/>
-            <a:endParaRPr lang="ko-KR" altLang="en-US"/>
-          </a:p>
-        </p:txBody>
-      </p:sp>
-      <p:sp>
-        <p:nvSpPr>
-          <p:cNvPr id="113" name="타원 112">
-            <a:extLst>
-              <a:ext uri="{FF2B5EF4-FFF2-40B4-BE49-F238E27FC236}">
-                <a16:creationId xmlns:a16="http://schemas.microsoft.com/office/drawing/2014/main" id="{07DCFF64-6DCF-2A33-A2D9-0AAB13DB8384}"/>
-              </a:ext>
-            </a:extLst>
-          </p:cNvPr>
-          <p:cNvSpPr/>
-          <p:nvPr/>
-        </p:nvSpPr>
-        <p:spPr>
-          <a:xfrm>
-            <a:off x="4094275" y="3167114"/>
-            <a:ext cx="108000" cy="108000"/>
-          </a:xfrm>
-          <a:prstGeom prst="ellipse">
-            <a:avLst/>
-          </a:prstGeom>
-          <a:solidFill>
-            <a:srgbClr val="0070C0"/>
-          </a:solidFill>
-          <a:ln w="6350">
-            <a:solidFill>
-              <a:schemeClr val="bg1"/>
-            </a:solidFill>
-          </a:ln>
-        </p:spPr>
-        <p:style>
-          <a:lnRef idx="2">
-            <a:schemeClr val="accent1">
-              <a:shade val="15000"/>
-            </a:schemeClr>
-          </a:lnRef>
-          <a:fillRef idx="1">
-            <a:schemeClr val="accent1"/>
-          </a:fillRef>
-          <a:effectRef idx="0">
-            <a:schemeClr val="accent1"/>
-          </a:effectRef>
-          <a:fontRef idx="minor">
-            <a:schemeClr val="lt1"/>
-          </a:fontRef>
-        </p:style>
-        <p:txBody>
-          <a:bodyPr rtlCol="0" anchor="ctr"/>
-          <a:lstStyle/>
-          <a:p>
-            <a:pPr algn="ctr"/>
-            <a:endParaRPr lang="ko-KR" altLang="en-US"/>
-          </a:p>
-        </p:txBody>
-      </p:sp>
-      <p:sp>
-        <p:nvSpPr>
-          <p:cNvPr id="114" name="타원 113">
-            <a:extLst>
-              <a:ext uri="{FF2B5EF4-FFF2-40B4-BE49-F238E27FC236}">
-                <a16:creationId xmlns:a16="http://schemas.microsoft.com/office/drawing/2014/main" id="{73582621-1689-5AD4-EC29-63464A344DD8}"/>
-              </a:ext>
-            </a:extLst>
-          </p:cNvPr>
-          <p:cNvSpPr/>
-          <p:nvPr/>
-        </p:nvSpPr>
-        <p:spPr>
-          <a:xfrm>
-            <a:off x="4094275" y="3059113"/>
-            <a:ext cx="108000" cy="108000"/>
-          </a:xfrm>
-          <a:prstGeom prst="ellipse">
-            <a:avLst/>
-          </a:prstGeom>
-          <a:solidFill>
-            <a:srgbClr val="0070C0"/>
-          </a:solidFill>
-          <a:ln w="6350">
-            <a:solidFill>
-              <a:schemeClr val="bg1"/>
-            </a:solidFill>
-          </a:ln>
-        </p:spPr>
-        <p:style>
-          <a:lnRef idx="2">
-            <a:schemeClr val="accent1">
-              <a:shade val="15000"/>
-            </a:schemeClr>
-          </a:lnRef>
-          <a:fillRef idx="1">
-            <a:schemeClr val="accent1"/>
-          </a:fillRef>
-          <a:effectRef idx="0">
-            <a:schemeClr val="accent1"/>
-          </a:effectRef>
-          <a:fontRef idx="minor">
-            <a:schemeClr val="lt1"/>
-          </a:fontRef>
-        </p:style>
-        <p:txBody>
-          <a:bodyPr rtlCol="0" anchor="ctr"/>
-          <a:lstStyle/>
-          <a:p>
-            <a:pPr algn="ctr"/>
-            <a:endParaRPr lang="ko-KR" altLang="en-US"/>
-          </a:p>
-        </p:txBody>
-      </p:sp>
-      <p:sp>
-        <p:nvSpPr>
-          <p:cNvPr id="115" name="타원 114">
-            <a:extLst>
-              <a:ext uri="{FF2B5EF4-FFF2-40B4-BE49-F238E27FC236}">
-                <a16:creationId xmlns:a16="http://schemas.microsoft.com/office/drawing/2014/main" id="{D0B29B2C-094E-19C3-29B8-23E9E15D432C}"/>
-              </a:ext>
-            </a:extLst>
-          </p:cNvPr>
-          <p:cNvSpPr/>
-          <p:nvPr/>
-        </p:nvSpPr>
-        <p:spPr>
-          <a:xfrm>
-            <a:off x="4094275" y="2951114"/>
-            <a:ext cx="108000" cy="108000"/>
-          </a:xfrm>
-          <a:prstGeom prst="ellipse">
-            <a:avLst/>
-          </a:prstGeom>
-          <a:solidFill>
-            <a:srgbClr val="0070C0"/>
-          </a:solidFill>
-          <a:ln w="6350">
-            <a:solidFill>
-              <a:schemeClr val="bg1"/>
-            </a:solidFill>
-          </a:ln>
-        </p:spPr>
-        <p:style>
-          <a:lnRef idx="2">
-            <a:schemeClr val="accent1">
-              <a:shade val="15000"/>
-            </a:schemeClr>
-          </a:lnRef>
-          <a:fillRef idx="1">
-            <a:schemeClr val="accent1"/>
-          </a:fillRef>
-          <a:effectRef idx="0">
-            <a:schemeClr val="accent1"/>
-          </a:effectRef>
-          <a:fontRef idx="minor">
-            <a:schemeClr val="lt1"/>
-          </a:fontRef>
-        </p:style>
-        <p:txBody>
-          <a:bodyPr rtlCol="0" anchor="ctr"/>
-          <a:lstStyle/>
-          <a:p>
-            <a:pPr algn="ctr"/>
-            <a:endParaRPr lang="ko-KR" altLang="en-US"/>
-          </a:p>
-        </p:txBody>
-      </p:sp>
-      <p:sp>
-        <p:nvSpPr>
-          <p:cNvPr id="116" name="타원 115">
-            <a:extLst>
-              <a:ext uri="{FF2B5EF4-FFF2-40B4-BE49-F238E27FC236}">
-                <a16:creationId xmlns:a16="http://schemas.microsoft.com/office/drawing/2014/main" id="{CDAA8488-6E89-2960-02D7-AF406A2A416F}"/>
-              </a:ext>
-            </a:extLst>
-          </p:cNvPr>
-          <p:cNvSpPr/>
-          <p:nvPr/>
-        </p:nvSpPr>
-        <p:spPr>
-          <a:xfrm>
-            <a:off x="4449683" y="3167114"/>
-            <a:ext cx="108000" cy="108000"/>
-          </a:xfrm>
-          <a:prstGeom prst="ellipse">
-            <a:avLst/>
-          </a:prstGeom>
-          <a:solidFill>
-            <a:srgbClr val="0070C0"/>
-          </a:solidFill>
-          <a:ln w="6350">
-            <a:solidFill>
-              <a:schemeClr val="bg1"/>
-            </a:solidFill>
-          </a:ln>
-        </p:spPr>
-        <p:style>
-          <a:lnRef idx="2">
-            <a:schemeClr val="accent1">
-              <a:shade val="15000"/>
-            </a:schemeClr>
-          </a:lnRef>
-          <a:fillRef idx="1">
-            <a:schemeClr val="accent1"/>
-          </a:fillRef>
-          <a:effectRef idx="0">
-            <a:schemeClr val="accent1"/>
-          </a:effectRef>
-          <a:fontRef idx="minor">
-            <a:schemeClr val="lt1"/>
-          </a:fontRef>
-        </p:style>
-        <p:txBody>
-          <a:bodyPr rtlCol="0" anchor="ctr"/>
-          <a:lstStyle/>
-          <a:p>
-            <a:pPr algn="ctr"/>
-            <a:endParaRPr lang="ko-KR" altLang="en-US"/>
-          </a:p>
-        </p:txBody>
-      </p:sp>
-      <p:sp>
-        <p:nvSpPr>
-          <p:cNvPr id="117" name="타원 116">
-            <a:extLst>
-              <a:ext uri="{FF2B5EF4-FFF2-40B4-BE49-F238E27FC236}">
-                <a16:creationId xmlns:a16="http://schemas.microsoft.com/office/drawing/2014/main" id="{9FA903A7-B647-7074-39E5-FB5F3887297B}"/>
-              </a:ext>
-            </a:extLst>
-          </p:cNvPr>
-          <p:cNvSpPr/>
-          <p:nvPr/>
-        </p:nvSpPr>
-        <p:spPr>
-          <a:xfrm>
-            <a:off x="4449683" y="3059113"/>
-            <a:ext cx="108000" cy="108000"/>
-          </a:xfrm>
-          <a:prstGeom prst="ellipse">
-            <a:avLst/>
-          </a:prstGeom>
-          <a:solidFill>
-            <a:srgbClr val="0070C0"/>
-          </a:solidFill>
-          <a:ln w="6350">
-            <a:solidFill>
-              <a:schemeClr val="bg1"/>
-            </a:solidFill>
-          </a:ln>
-        </p:spPr>
-        <p:style>
-          <a:lnRef idx="2">
-            <a:schemeClr val="accent1">
-              <a:shade val="15000"/>
-            </a:schemeClr>
-          </a:lnRef>
-          <a:fillRef idx="1">
-            <a:schemeClr val="accent1"/>
-          </a:fillRef>
-          <a:effectRef idx="0">
-            <a:schemeClr val="accent1"/>
-          </a:effectRef>
-          <a:fontRef idx="minor">
-            <a:schemeClr val="lt1"/>
-          </a:fontRef>
-        </p:style>
-        <p:txBody>
-          <a:bodyPr rtlCol="0" anchor="ctr"/>
-          <a:lstStyle/>
-          <a:p>
-            <a:pPr algn="ctr"/>
-            <a:endParaRPr lang="ko-KR" altLang="en-US"/>
+            <a:r>
+              <a:rPr lang="en-US" altLang="ko-KR" sz="1600" dirty="0">
+                <a:solidFill>
+                  <a:srgbClr val="C00000"/>
+                </a:solidFill>
+                <a:latin typeface="KoPubWorld돋움체_Pro Bold" panose="00000800000000000000" pitchFamily="50" charset="-127"/>
+                <a:ea typeface="KoPubWorld돋움체_Pro Bold" panose="00000800000000000000" pitchFamily="50" charset="-127"/>
+                <a:cs typeface="KoPubWorld돋움체_Pro Bold" panose="00000800000000000000" pitchFamily="50" charset="-127"/>
+              </a:rPr>
+              <a:t>Phase 4</a:t>
+            </a:r>
+            <a:endParaRPr lang="ko-KR" altLang="en-US" sz="1600" dirty="0">
+              <a:solidFill>
+                <a:srgbClr val="C00000"/>
+              </a:solidFill>
+              <a:latin typeface="KoPubWorld돋움체_Pro Bold" panose="00000800000000000000" pitchFamily="50" charset="-127"/>
+              <a:ea typeface="KoPubWorld돋움체_Pro Bold" panose="00000800000000000000" pitchFamily="50" charset="-127"/>
+              <a:cs typeface="KoPubWorld돋움체_Pro Bold" panose="00000800000000000000" pitchFamily="50" charset="-127"/>
+            </a:endParaRPr>
           </a:p>
         </p:txBody>
       </p:sp>
     </p:spTree>
     <p:extLst>
       <p:ext uri="{BB962C8B-B14F-4D97-AF65-F5344CB8AC3E}">
-        <p14:creationId xmlns:p14="http://schemas.microsoft.com/office/powerpoint/2010/main" val="4033564683"/>
+        <p14:creationId xmlns:p14="http://schemas.microsoft.com/office/powerpoint/2010/main" val="4091414725"/>
       </p:ext>
     </p:extLst>
   </p:cSld>

--- a/CV/ViT/사용환경_구조.pptx
+++ b/CV/ViT/사용환경_구조.pptx
@@ -9673,276 +9673,6 @@
           <a:chExt cx="0" cy="0"/>
         </a:xfrm>
       </p:grpSpPr>
-      <p:sp>
-        <p:nvSpPr>
-          <p:cNvPr id="23" name="사각형: 둥근 모서리 22">
-            <a:extLst>
-              <a:ext uri="{FF2B5EF4-FFF2-40B4-BE49-F238E27FC236}">
-                <a16:creationId xmlns:a16="http://schemas.microsoft.com/office/drawing/2014/main" id="{150B6F32-4CB7-3407-505A-4BE58157FC9E}"/>
-              </a:ext>
-            </a:extLst>
-          </p:cNvPr>
-          <p:cNvSpPr/>
-          <p:nvPr/>
-        </p:nvSpPr>
-        <p:spPr>
-          <a:xfrm>
-            <a:off x="4737322" y="1446458"/>
-            <a:ext cx="1777779" cy="1435535"/>
-          </a:xfrm>
-          <a:prstGeom prst="roundRect">
-            <a:avLst/>
-          </a:prstGeom>
-          <a:solidFill>
-            <a:schemeClr val="accent5">
-              <a:lumMod val="75000"/>
-            </a:schemeClr>
-          </a:solidFill>
-          <a:ln>
-            <a:noFill/>
-          </a:ln>
-        </p:spPr>
-        <p:style>
-          <a:lnRef idx="2">
-            <a:schemeClr val="accent1">
-              <a:shade val="15000"/>
-            </a:schemeClr>
-          </a:lnRef>
-          <a:fillRef idx="1">
-            <a:schemeClr val="accent1"/>
-          </a:fillRef>
-          <a:effectRef idx="0">
-            <a:schemeClr val="accent1"/>
-          </a:effectRef>
-          <a:fontRef idx="minor">
-            <a:schemeClr val="lt1"/>
-          </a:fontRef>
-        </p:style>
-        <p:txBody>
-          <a:bodyPr rtlCol="0" anchor="ctr"/>
-          <a:lstStyle/>
-          <a:p>
-            <a:pPr algn="ctr"/>
-            <a:endParaRPr lang="ko-KR" altLang="en-US"/>
-          </a:p>
-        </p:txBody>
-      </p:sp>
-      <p:sp>
-        <p:nvSpPr>
-          <p:cNvPr id="19" name="사각형: 둥근 모서리 18">
-            <a:extLst>
-              <a:ext uri="{FF2B5EF4-FFF2-40B4-BE49-F238E27FC236}">
-                <a16:creationId xmlns:a16="http://schemas.microsoft.com/office/drawing/2014/main" id="{E348E483-C6FD-C06C-25C3-5AEA8BFBC63C}"/>
-              </a:ext>
-            </a:extLst>
-          </p:cNvPr>
-          <p:cNvSpPr/>
-          <p:nvPr/>
-        </p:nvSpPr>
-        <p:spPr>
-          <a:xfrm>
-            <a:off x="3692303" y="4170571"/>
-            <a:ext cx="1777779" cy="1240971"/>
-          </a:xfrm>
-          <a:prstGeom prst="roundRect">
-            <a:avLst/>
-          </a:prstGeom>
-          <a:solidFill>
-            <a:schemeClr val="accent5">
-              <a:lumMod val="60000"/>
-              <a:lumOff val="40000"/>
-            </a:schemeClr>
-          </a:solidFill>
-          <a:ln>
-            <a:noFill/>
-          </a:ln>
-        </p:spPr>
-        <p:style>
-          <a:lnRef idx="2">
-            <a:schemeClr val="accent1">
-              <a:shade val="15000"/>
-            </a:schemeClr>
-          </a:lnRef>
-          <a:fillRef idx="1">
-            <a:schemeClr val="accent1"/>
-          </a:fillRef>
-          <a:effectRef idx="0">
-            <a:schemeClr val="accent1"/>
-          </a:effectRef>
-          <a:fontRef idx="minor">
-            <a:schemeClr val="lt1"/>
-          </a:fontRef>
-        </p:style>
-        <p:txBody>
-          <a:bodyPr rtlCol="0" anchor="ctr"/>
-          <a:lstStyle/>
-          <a:p>
-            <a:pPr algn="ctr"/>
-            <a:endParaRPr lang="ko-KR" altLang="en-US"/>
-          </a:p>
-        </p:txBody>
-      </p:sp>
-      <p:sp>
-        <p:nvSpPr>
-          <p:cNvPr id="20" name="TextBox 19">
-            <a:extLst>
-              <a:ext uri="{FF2B5EF4-FFF2-40B4-BE49-F238E27FC236}">
-                <a16:creationId xmlns:a16="http://schemas.microsoft.com/office/drawing/2014/main" id="{145C3A56-313F-6738-312A-0C13EEE613F3}"/>
-              </a:ext>
-            </a:extLst>
-          </p:cNvPr>
-          <p:cNvSpPr txBox="1"/>
-          <p:nvPr/>
-        </p:nvSpPr>
-        <p:spPr>
-          <a:xfrm>
-            <a:off x="4030102" y="5411542"/>
-            <a:ext cx="1102179" cy="338554"/>
-          </a:xfrm>
-          <a:prstGeom prst="rect">
-            <a:avLst/>
-          </a:prstGeom>
-          <a:noFill/>
-        </p:spPr>
-        <p:txBody>
-          <a:bodyPr wrap="square" rtlCol="0">
-            <a:spAutoFit/>
-          </a:bodyPr>
-          <a:lstStyle/>
-          <a:p>
-            <a:pPr algn="ctr"/>
-            <a:r>
-              <a:rPr lang="en-US" altLang="ko-KR" sz="1600" dirty="0">
-                <a:solidFill>
-                  <a:srgbClr val="C00000"/>
-                </a:solidFill>
-                <a:latin typeface="KoPubWorld돋움체_Pro Bold" panose="00000800000000000000" pitchFamily="50" charset="-127"/>
-                <a:ea typeface="KoPubWorld돋움체_Pro Bold" panose="00000800000000000000" pitchFamily="50" charset="-127"/>
-                <a:cs typeface="KoPubWorld돋움체_Pro Bold" panose="00000800000000000000" pitchFamily="50" charset="-127"/>
-              </a:rPr>
-              <a:t>Phase 3</a:t>
-            </a:r>
-            <a:endParaRPr lang="ko-KR" altLang="en-US" sz="1600" dirty="0">
-              <a:solidFill>
-                <a:srgbClr val="C00000"/>
-              </a:solidFill>
-              <a:latin typeface="KoPubWorld돋움체_Pro Bold" panose="00000800000000000000" pitchFamily="50" charset="-127"/>
-              <a:ea typeface="KoPubWorld돋움체_Pro Bold" panose="00000800000000000000" pitchFamily="50" charset="-127"/>
-              <a:cs typeface="KoPubWorld돋움체_Pro Bold" panose="00000800000000000000" pitchFamily="50" charset="-127"/>
-            </a:endParaRPr>
-          </a:p>
-        </p:txBody>
-      </p:sp>
-      <p:sp>
-        <p:nvSpPr>
-          <p:cNvPr id="17" name="사각형: 둥근 모서리 16">
-            <a:extLst>
-              <a:ext uri="{FF2B5EF4-FFF2-40B4-BE49-F238E27FC236}">
-                <a16:creationId xmlns:a16="http://schemas.microsoft.com/office/drawing/2014/main" id="{15FA632F-0186-D1EA-EC9B-28B27800A444}"/>
-              </a:ext>
-            </a:extLst>
-          </p:cNvPr>
-          <p:cNvSpPr/>
-          <p:nvPr/>
-        </p:nvSpPr>
-        <p:spPr>
-          <a:xfrm>
-            <a:off x="1593053" y="4170571"/>
-            <a:ext cx="1777779" cy="1240971"/>
-          </a:xfrm>
-          <a:prstGeom prst="roundRect">
-            <a:avLst/>
-          </a:prstGeom>
-          <a:solidFill>
-            <a:schemeClr val="accent5">
-              <a:lumMod val="40000"/>
-              <a:lumOff val="60000"/>
-            </a:schemeClr>
-          </a:solidFill>
-          <a:ln>
-            <a:noFill/>
-          </a:ln>
-        </p:spPr>
-        <p:style>
-          <a:lnRef idx="2">
-            <a:schemeClr val="accent1">
-              <a:shade val="15000"/>
-            </a:schemeClr>
-          </a:lnRef>
-          <a:fillRef idx="1">
-            <a:schemeClr val="accent1"/>
-          </a:fillRef>
-          <a:effectRef idx="0">
-            <a:schemeClr val="accent1"/>
-          </a:effectRef>
-          <a:fontRef idx="minor">
-            <a:schemeClr val="lt1"/>
-          </a:fontRef>
-        </p:style>
-        <p:txBody>
-          <a:bodyPr rtlCol="0" anchor="ctr"/>
-          <a:lstStyle/>
-          <a:p>
-            <a:pPr algn="ctr"/>
-            <a:endParaRPr lang="ko-KR" altLang="en-US"/>
-          </a:p>
-        </p:txBody>
-      </p:sp>
-      <p:sp>
-        <p:nvSpPr>
-          <p:cNvPr id="16" name="사각형: 둥근 모서리 15">
-            <a:extLst>
-              <a:ext uri="{FF2B5EF4-FFF2-40B4-BE49-F238E27FC236}">
-                <a16:creationId xmlns:a16="http://schemas.microsoft.com/office/drawing/2014/main" id="{F8D4ECE0-1577-9770-4E9E-F3A3C52394AB}"/>
-              </a:ext>
-            </a:extLst>
-          </p:cNvPr>
-          <p:cNvSpPr/>
-          <p:nvPr/>
-        </p:nvSpPr>
-        <p:spPr>
-          <a:xfrm>
-            <a:off x="696000" y="1641022"/>
-            <a:ext cx="1777779" cy="1240971"/>
-          </a:xfrm>
-          <a:prstGeom prst="roundRect">
-            <a:avLst/>
-          </a:prstGeom>
-          <a:solidFill>
-            <a:schemeClr val="accent5">
-              <a:lumMod val="20000"/>
-              <a:lumOff val="80000"/>
-            </a:schemeClr>
-          </a:solidFill>
-          <a:ln>
-            <a:noFill/>
-          </a:ln>
-        </p:spPr>
-        <p:style>
-          <a:lnRef idx="2">
-            <a:schemeClr val="accent1">
-              <a:shade val="15000"/>
-            </a:schemeClr>
-          </a:lnRef>
-          <a:fillRef idx="1">
-            <a:schemeClr val="accent1"/>
-          </a:fillRef>
-          <a:effectRef idx="0">
-            <a:schemeClr val="accent1"/>
-          </a:effectRef>
-          <a:fontRef idx="minor">
-            <a:schemeClr val="lt1"/>
-          </a:fontRef>
-        </p:style>
-        <p:txBody>
-          <a:bodyPr rtlCol="0" anchor="ctr"/>
-          <a:lstStyle/>
-          <a:p>
-            <a:pPr algn="ctr"/>
-            <a:endParaRPr lang="ko-KR" altLang="en-US"/>
-          </a:p>
-        </p:txBody>
-      </p:sp>
       <p:pic>
         <p:nvPicPr>
           <p:cNvPr id="5" name="그림 4">
@@ -9984,159 +9714,6 @@
           </a:prstGeom>
         </p:spPr>
       </p:pic>
-      <p:sp>
-        <p:nvSpPr>
-          <p:cNvPr id="9" name="TextBox 8">
-            <a:extLst>
-              <a:ext uri="{FF2B5EF4-FFF2-40B4-BE49-F238E27FC236}">
-                <a16:creationId xmlns:a16="http://schemas.microsoft.com/office/drawing/2014/main" id="{47D02FC4-9B74-3701-AB14-5D4BEBF07465}"/>
-              </a:ext>
-            </a:extLst>
-          </p:cNvPr>
-          <p:cNvSpPr txBox="1"/>
-          <p:nvPr/>
-        </p:nvSpPr>
-        <p:spPr>
-          <a:xfrm>
-            <a:off x="1033799" y="1302468"/>
-            <a:ext cx="1102179" cy="338554"/>
-          </a:xfrm>
-          <a:prstGeom prst="rect">
-            <a:avLst/>
-          </a:prstGeom>
-          <a:noFill/>
-        </p:spPr>
-        <p:txBody>
-          <a:bodyPr wrap="square" rtlCol="0">
-            <a:spAutoFit/>
-          </a:bodyPr>
-          <a:lstStyle/>
-          <a:p>
-            <a:pPr algn="ctr"/>
-            <a:r>
-              <a:rPr lang="en-US" altLang="ko-KR" sz="1600" dirty="0">
-                <a:solidFill>
-                  <a:srgbClr val="C00000"/>
-                </a:solidFill>
-                <a:latin typeface="KoPubWorld돋움체_Pro Bold" panose="00000800000000000000" pitchFamily="50" charset="-127"/>
-                <a:ea typeface="KoPubWorld돋움체_Pro Bold" panose="00000800000000000000" pitchFamily="50" charset="-127"/>
-                <a:cs typeface="KoPubWorld돋움체_Pro Bold" panose="00000800000000000000" pitchFamily="50" charset="-127"/>
-              </a:rPr>
-              <a:t>Phase 1</a:t>
-            </a:r>
-            <a:endParaRPr lang="ko-KR" altLang="en-US" sz="1600" dirty="0">
-              <a:solidFill>
-                <a:srgbClr val="C00000"/>
-              </a:solidFill>
-              <a:latin typeface="KoPubWorld돋움체_Pro Bold" panose="00000800000000000000" pitchFamily="50" charset="-127"/>
-              <a:ea typeface="KoPubWorld돋움체_Pro Bold" panose="00000800000000000000" pitchFamily="50" charset="-127"/>
-              <a:cs typeface="KoPubWorld돋움체_Pro Bold" panose="00000800000000000000" pitchFamily="50" charset="-127"/>
-            </a:endParaRPr>
-          </a:p>
-        </p:txBody>
-      </p:sp>
-      <p:sp>
-        <p:nvSpPr>
-          <p:cNvPr id="18" name="TextBox 17">
-            <a:extLst>
-              <a:ext uri="{FF2B5EF4-FFF2-40B4-BE49-F238E27FC236}">
-                <a16:creationId xmlns:a16="http://schemas.microsoft.com/office/drawing/2014/main" id="{BA99009E-F3C0-7AE9-FA06-A9519F98413F}"/>
-              </a:ext>
-            </a:extLst>
-          </p:cNvPr>
-          <p:cNvSpPr txBox="1"/>
-          <p:nvPr/>
-        </p:nvSpPr>
-        <p:spPr>
-          <a:xfrm>
-            <a:off x="1930852" y="5411542"/>
-            <a:ext cx="1102179" cy="338554"/>
-          </a:xfrm>
-          <a:prstGeom prst="rect">
-            <a:avLst/>
-          </a:prstGeom>
-          <a:noFill/>
-        </p:spPr>
-        <p:txBody>
-          <a:bodyPr wrap="square" rtlCol="0">
-            <a:spAutoFit/>
-          </a:bodyPr>
-          <a:lstStyle/>
-          <a:p>
-            <a:pPr algn="ctr"/>
-            <a:r>
-              <a:rPr lang="en-US" altLang="ko-KR" sz="1600" dirty="0">
-                <a:solidFill>
-                  <a:srgbClr val="C00000"/>
-                </a:solidFill>
-                <a:latin typeface="KoPubWorld돋움체_Pro Bold" panose="00000800000000000000" pitchFamily="50" charset="-127"/>
-                <a:ea typeface="KoPubWorld돋움체_Pro Bold" panose="00000800000000000000" pitchFamily="50" charset="-127"/>
-                <a:cs typeface="KoPubWorld돋움체_Pro Bold" panose="00000800000000000000" pitchFamily="50" charset="-127"/>
-              </a:rPr>
-              <a:t>Phase 2</a:t>
-            </a:r>
-            <a:endParaRPr lang="ko-KR" altLang="en-US" sz="1600" dirty="0">
-              <a:solidFill>
-                <a:srgbClr val="C00000"/>
-              </a:solidFill>
-              <a:latin typeface="KoPubWorld돋움체_Pro Bold" panose="00000800000000000000" pitchFamily="50" charset="-127"/>
-              <a:ea typeface="KoPubWorld돋움체_Pro Bold" panose="00000800000000000000" pitchFamily="50" charset="-127"/>
-              <a:cs typeface="KoPubWorld돋움체_Pro Bold" panose="00000800000000000000" pitchFamily="50" charset="-127"/>
-            </a:endParaRPr>
-          </a:p>
-        </p:txBody>
-      </p:sp>
-      <p:sp>
-        <p:nvSpPr>
-          <p:cNvPr id="24" name="TextBox 23">
-            <a:extLst>
-              <a:ext uri="{FF2B5EF4-FFF2-40B4-BE49-F238E27FC236}">
-                <a16:creationId xmlns:a16="http://schemas.microsoft.com/office/drawing/2014/main" id="{B7377323-87E9-9D4A-605D-2D3BC8074FEB}"/>
-              </a:ext>
-            </a:extLst>
-          </p:cNvPr>
-          <p:cNvSpPr txBox="1"/>
-          <p:nvPr/>
-        </p:nvSpPr>
-        <p:spPr>
-          <a:xfrm>
-            <a:off x="5075121" y="1107904"/>
-            <a:ext cx="1102179" cy="338554"/>
-          </a:xfrm>
-          <a:prstGeom prst="rect">
-            <a:avLst/>
-          </a:prstGeom>
-          <a:noFill/>
-        </p:spPr>
-        <p:txBody>
-          <a:bodyPr wrap="square" rtlCol="0">
-            <a:spAutoFit/>
-          </a:bodyPr>
-          <a:lstStyle/>
-          <a:p>
-            <a:pPr algn="ctr"/>
-            <a:r>
-              <a:rPr lang="en-US" altLang="ko-KR" sz="1600" dirty="0">
-                <a:solidFill>
-                  <a:srgbClr val="C00000"/>
-                </a:solidFill>
-                <a:latin typeface="KoPubWorld돋움체_Pro Bold" panose="00000800000000000000" pitchFamily="50" charset="-127"/>
-                <a:ea typeface="KoPubWorld돋움체_Pro Bold" panose="00000800000000000000" pitchFamily="50" charset="-127"/>
-                <a:cs typeface="KoPubWorld돋움체_Pro Bold" panose="00000800000000000000" pitchFamily="50" charset="-127"/>
-              </a:rPr>
-              <a:t>Phase 4</a:t>
-            </a:r>
-            <a:endParaRPr lang="ko-KR" altLang="en-US" sz="1600" dirty="0">
-              <a:solidFill>
-                <a:srgbClr val="C00000"/>
-              </a:solidFill>
-              <a:latin typeface="KoPubWorld돋움체_Pro Bold" panose="00000800000000000000" pitchFamily="50" charset="-127"/>
-              <a:ea typeface="KoPubWorld돋움체_Pro Bold" panose="00000800000000000000" pitchFamily="50" charset="-127"/>
-              <a:cs typeface="KoPubWorld돋움체_Pro Bold" panose="00000800000000000000" pitchFamily="50" charset="-127"/>
-            </a:endParaRPr>
-          </a:p>
-        </p:txBody>
-      </p:sp>
     </p:spTree>
     <p:extLst>
       <p:ext uri="{BB962C8B-B14F-4D97-AF65-F5344CB8AC3E}">
